--- a/Gravity_Foundation/work_flow.pptx
+++ b/Gravity_Foundation/work_flow.pptx
@@ -5,8 +5,7 @@
     <p:sldMasterId id="2147483648" r:id="rId1"/>
   </p:sldMasterIdLst>
   <p:sldIdLst>
-    <p:sldId id="256" r:id="rId2"/>
-    <p:sldId id="257" r:id="rId3"/>
+    <p:sldId id="258" r:id="rId2"/>
   </p:sldIdLst>
   <p:sldSz cx="12192000" cy="6858000"/>
   <p:notesSz cx="6858000" cy="9144000"/>
@@ -113,6 +112,4083 @@
 </p:presentation>
 </file>
 
+<file path=ppt/diagrams/colors1.xml><?xml version="1.0" encoding="utf-8"?>
+<dgm:colorsDef xmlns:dgm="http://schemas.openxmlformats.org/drawingml/2006/diagram" xmlns:a="http://schemas.openxmlformats.org/drawingml/2006/main" uniqueId="urn:microsoft.com/office/officeart/2005/8/colors/accent1_2">
+  <dgm:title val=""/>
+  <dgm:desc val=""/>
+  <dgm:catLst>
+    <dgm:cat type="accent1" pri="11200"/>
+  </dgm:catLst>
+  <dgm:styleLbl name="node0">
+    <dgm:fillClrLst meth="repeat">
+      <a:schemeClr val="accent1"/>
+    </dgm:fillClrLst>
+    <dgm:linClrLst meth="repeat">
+      <a:schemeClr val="lt1"/>
+    </dgm:linClrLst>
+    <dgm:effectClrLst/>
+    <dgm:txLinClrLst/>
+    <dgm:txFillClrLst/>
+    <dgm:txEffectClrLst/>
+  </dgm:styleLbl>
+  <dgm:styleLbl name="alignNode1">
+    <dgm:fillClrLst meth="repeat">
+      <a:schemeClr val="accent1"/>
+    </dgm:fillClrLst>
+    <dgm:linClrLst meth="repeat">
+      <a:schemeClr val="accent1"/>
+    </dgm:linClrLst>
+    <dgm:effectClrLst/>
+    <dgm:txLinClrLst/>
+    <dgm:txFillClrLst/>
+    <dgm:txEffectClrLst/>
+  </dgm:styleLbl>
+  <dgm:styleLbl name="node1">
+    <dgm:fillClrLst meth="repeat">
+      <a:schemeClr val="accent1"/>
+    </dgm:fillClrLst>
+    <dgm:linClrLst meth="repeat">
+      <a:schemeClr val="lt1"/>
+    </dgm:linClrLst>
+    <dgm:effectClrLst/>
+    <dgm:txLinClrLst/>
+    <dgm:txFillClrLst/>
+    <dgm:txEffectClrLst/>
+  </dgm:styleLbl>
+  <dgm:styleLbl name="lnNode1">
+    <dgm:fillClrLst meth="repeat">
+      <a:schemeClr val="accent1"/>
+    </dgm:fillClrLst>
+    <dgm:linClrLst meth="repeat">
+      <a:schemeClr val="lt1"/>
+    </dgm:linClrLst>
+    <dgm:effectClrLst/>
+    <dgm:txLinClrLst/>
+    <dgm:txFillClrLst/>
+    <dgm:txEffectClrLst/>
+  </dgm:styleLbl>
+  <dgm:styleLbl name="vennNode1">
+    <dgm:fillClrLst meth="repeat">
+      <a:schemeClr val="accent1">
+        <a:alpha val="50000"/>
+      </a:schemeClr>
+    </dgm:fillClrLst>
+    <dgm:linClrLst meth="repeat">
+      <a:schemeClr val="lt1"/>
+    </dgm:linClrLst>
+    <dgm:effectClrLst/>
+    <dgm:txLinClrLst/>
+    <dgm:txFillClrLst/>
+    <dgm:txEffectClrLst/>
+  </dgm:styleLbl>
+  <dgm:styleLbl name="node2">
+    <dgm:fillClrLst meth="repeat">
+      <a:schemeClr val="accent1"/>
+    </dgm:fillClrLst>
+    <dgm:linClrLst meth="repeat">
+      <a:schemeClr val="lt1"/>
+    </dgm:linClrLst>
+    <dgm:effectClrLst/>
+    <dgm:txLinClrLst/>
+    <dgm:txFillClrLst/>
+    <dgm:txEffectClrLst/>
+  </dgm:styleLbl>
+  <dgm:styleLbl name="node3">
+    <dgm:fillClrLst meth="repeat">
+      <a:schemeClr val="accent1"/>
+    </dgm:fillClrLst>
+    <dgm:linClrLst meth="repeat">
+      <a:schemeClr val="lt1"/>
+    </dgm:linClrLst>
+    <dgm:effectClrLst/>
+    <dgm:txLinClrLst/>
+    <dgm:txFillClrLst/>
+    <dgm:txEffectClrLst/>
+  </dgm:styleLbl>
+  <dgm:styleLbl name="node4">
+    <dgm:fillClrLst meth="repeat">
+      <a:schemeClr val="accent1"/>
+    </dgm:fillClrLst>
+    <dgm:linClrLst meth="repeat">
+      <a:schemeClr val="lt1"/>
+    </dgm:linClrLst>
+    <dgm:effectClrLst/>
+    <dgm:txLinClrLst/>
+    <dgm:txFillClrLst/>
+    <dgm:txEffectClrLst/>
+  </dgm:styleLbl>
+  <dgm:styleLbl name="fgImgPlace1">
+    <dgm:fillClrLst meth="repeat">
+      <a:schemeClr val="accent1">
+        <a:tint val="50000"/>
+      </a:schemeClr>
+    </dgm:fillClrLst>
+    <dgm:linClrLst meth="repeat">
+      <a:schemeClr val="lt1"/>
+    </dgm:linClrLst>
+    <dgm:effectClrLst/>
+    <dgm:txLinClrLst/>
+    <dgm:txFillClrLst meth="repeat">
+      <a:schemeClr val="lt1"/>
+    </dgm:txFillClrLst>
+    <dgm:txEffectClrLst/>
+  </dgm:styleLbl>
+  <dgm:styleLbl name="alignImgPlace1">
+    <dgm:fillClrLst meth="repeat">
+      <a:schemeClr val="accent1">
+        <a:tint val="50000"/>
+      </a:schemeClr>
+    </dgm:fillClrLst>
+    <dgm:linClrLst meth="repeat">
+      <a:schemeClr val="lt1"/>
+    </dgm:linClrLst>
+    <dgm:effectClrLst/>
+    <dgm:txLinClrLst/>
+    <dgm:txFillClrLst meth="repeat">
+      <a:schemeClr val="lt1"/>
+    </dgm:txFillClrLst>
+    <dgm:txEffectClrLst/>
+  </dgm:styleLbl>
+  <dgm:styleLbl name="bgImgPlace1">
+    <dgm:fillClrLst meth="repeat">
+      <a:schemeClr val="accent1">
+        <a:tint val="50000"/>
+      </a:schemeClr>
+    </dgm:fillClrLst>
+    <dgm:linClrLst meth="repeat">
+      <a:schemeClr val="lt1"/>
+    </dgm:linClrLst>
+    <dgm:effectClrLst/>
+    <dgm:txLinClrLst/>
+    <dgm:txFillClrLst meth="repeat">
+      <a:schemeClr val="lt1"/>
+    </dgm:txFillClrLst>
+    <dgm:txEffectClrLst/>
+  </dgm:styleLbl>
+  <dgm:styleLbl name="sibTrans2D1">
+    <dgm:fillClrLst meth="repeat">
+      <a:schemeClr val="accent1">
+        <a:tint val="60000"/>
+      </a:schemeClr>
+    </dgm:fillClrLst>
+    <dgm:linClrLst meth="repeat">
+      <a:schemeClr val="accent1">
+        <a:tint val="60000"/>
+      </a:schemeClr>
+    </dgm:linClrLst>
+    <dgm:effectClrLst/>
+    <dgm:txLinClrLst/>
+    <dgm:txFillClrLst/>
+    <dgm:txEffectClrLst/>
+  </dgm:styleLbl>
+  <dgm:styleLbl name="fgSibTrans2D1">
+    <dgm:fillClrLst meth="repeat">
+      <a:schemeClr val="accent1">
+        <a:tint val="60000"/>
+      </a:schemeClr>
+    </dgm:fillClrLst>
+    <dgm:linClrLst meth="repeat">
+      <a:schemeClr val="accent1">
+        <a:tint val="60000"/>
+      </a:schemeClr>
+    </dgm:linClrLst>
+    <dgm:effectClrLst/>
+    <dgm:txLinClrLst/>
+    <dgm:txFillClrLst/>
+    <dgm:txEffectClrLst/>
+  </dgm:styleLbl>
+  <dgm:styleLbl name="bgSibTrans2D1">
+    <dgm:fillClrLst meth="repeat">
+      <a:schemeClr val="accent1">
+        <a:tint val="60000"/>
+      </a:schemeClr>
+    </dgm:fillClrLst>
+    <dgm:linClrLst meth="repeat">
+      <a:schemeClr val="accent1">
+        <a:tint val="60000"/>
+      </a:schemeClr>
+    </dgm:linClrLst>
+    <dgm:effectClrLst/>
+    <dgm:txLinClrLst/>
+    <dgm:txFillClrLst/>
+    <dgm:txEffectClrLst/>
+  </dgm:styleLbl>
+  <dgm:styleLbl name="sibTrans1D1">
+    <dgm:fillClrLst meth="repeat">
+      <a:schemeClr val="accent1"/>
+    </dgm:fillClrLst>
+    <dgm:linClrLst meth="repeat">
+      <a:schemeClr val="accent1"/>
+    </dgm:linClrLst>
+    <dgm:effectClrLst/>
+    <dgm:txLinClrLst/>
+    <dgm:txFillClrLst meth="repeat">
+      <a:schemeClr val="tx1"/>
+    </dgm:txFillClrLst>
+    <dgm:txEffectClrLst/>
+  </dgm:styleLbl>
+  <dgm:styleLbl name="callout">
+    <dgm:fillClrLst meth="repeat">
+      <a:schemeClr val="accent1"/>
+    </dgm:fillClrLst>
+    <dgm:linClrLst meth="repeat">
+      <a:schemeClr val="accent1">
+        <a:tint val="50000"/>
+      </a:schemeClr>
+    </dgm:linClrLst>
+    <dgm:effectClrLst/>
+    <dgm:txLinClrLst/>
+    <dgm:txFillClrLst meth="repeat">
+      <a:schemeClr val="tx1"/>
+    </dgm:txFillClrLst>
+    <dgm:txEffectClrLst/>
+  </dgm:styleLbl>
+  <dgm:styleLbl name="asst0">
+    <dgm:fillClrLst meth="repeat">
+      <a:schemeClr val="accent1"/>
+    </dgm:fillClrLst>
+    <dgm:linClrLst meth="repeat">
+      <a:schemeClr val="lt1"/>
+    </dgm:linClrLst>
+    <dgm:effectClrLst/>
+    <dgm:txLinClrLst/>
+    <dgm:txFillClrLst/>
+    <dgm:txEffectClrLst/>
+  </dgm:styleLbl>
+  <dgm:styleLbl name="asst1">
+    <dgm:fillClrLst meth="repeat">
+      <a:schemeClr val="accent1"/>
+    </dgm:fillClrLst>
+    <dgm:linClrLst meth="repeat">
+      <a:schemeClr val="lt1"/>
+    </dgm:linClrLst>
+    <dgm:effectClrLst/>
+    <dgm:txLinClrLst/>
+    <dgm:txFillClrLst/>
+    <dgm:txEffectClrLst/>
+  </dgm:styleLbl>
+  <dgm:styleLbl name="asst2">
+    <dgm:fillClrLst meth="repeat">
+      <a:schemeClr val="accent1"/>
+    </dgm:fillClrLst>
+    <dgm:linClrLst meth="repeat">
+      <a:schemeClr val="lt1"/>
+    </dgm:linClrLst>
+    <dgm:effectClrLst/>
+    <dgm:txLinClrLst/>
+    <dgm:txFillClrLst/>
+    <dgm:txEffectClrLst/>
+  </dgm:styleLbl>
+  <dgm:styleLbl name="asst3">
+    <dgm:fillClrLst meth="repeat">
+      <a:schemeClr val="accent1"/>
+    </dgm:fillClrLst>
+    <dgm:linClrLst meth="repeat">
+      <a:schemeClr val="lt1"/>
+    </dgm:linClrLst>
+    <dgm:effectClrLst/>
+    <dgm:txLinClrLst/>
+    <dgm:txFillClrLst/>
+    <dgm:txEffectClrLst/>
+  </dgm:styleLbl>
+  <dgm:styleLbl name="asst4">
+    <dgm:fillClrLst meth="repeat">
+      <a:schemeClr val="accent1"/>
+    </dgm:fillClrLst>
+    <dgm:linClrLst meth="repeat">
+      <a:schemeClr val="lt1"/>
+    </dgm:linClrLst>
+    <dgm:effectClrLst/>
+    <dgm:txLinClrLst/>
+    <dgm:txFillClrLst/>
+    <dgm:txEffectClrLst/>
+  </dgm:styleLbl>
+  <dgm:styleLbl name="parChTrans2D1">
+    <dgm:fillClrLst meth="repeat">
+      <a:schemeClr val="accent1">
+        <a:tint val="60000"/>
+      </a:schemeClr>
+    </dgm:fillClrLst>
+    <dgm:linClrLst meth="repeat">
+      <a:schemeClr val="accent1">
+        <a:tint val="60000"/>
+      </a:schemeClr>
+    </dgm:linClrLst>
+    <dgm:effectClrLst/>
+    <dgm:txLinClrLst/>
+    <dgm:txFillClrLst meth="repeat">
+      <a:schemeClr val="lt1"/>
+    </dgm:txFillClrLst>
+    <dgm:txEffectClrLst/>
+  </dgm:styleLbl>
+  <dgm:styleLbl name="parChTrans2D2">
+    <dgm:fillClrLst meth="repeat">
+      <a:schemeClr val="accent1"/>
+    </dgm:fillClrLst>
+    <dgm:linClrLst meth="repeat">
+      <a:schemeClr val="accent1"/>
+    </dgm:linClrLst>
+    <dgm:effectClrLst/>
+    <dgm:txLinClrLst/>
+    <dgm:txFillClrLst meth="repeat">
+      <a:schemeClr val="lt1"/>
+    </dgm:txFillClrLst>
+    <dgm:txEffectClrLst/>
+  </dgm:styleLbl>
+  <dgm:styleLbl name="parChTrans2D3">
+    <dgm:fillClrLst meth="repeat">
+      <a:schemeClr val="accent1"/>
+    </dgm:fillClrLst>
+    <dgm:linClrLst meth="repeat">
+      <a:schemeClr val="accent1"/>
+    </dgm:linClrLst>
+    <dgm:effectClrLst/>
+    <dgm:txLinClrLst/>
+    <dgm:txFillClrLst meth="repeat">
+      <a:schemeClr val="lt1"/>
+    </dgm:txFillClrLst>
+    <dgm:txEffectClrLst/>
+  </dgm:styleLbl>
+  <dgm:styleLbl name="parChTrans2D4">
+    <dgm:fillClrLst meth="repeat">
+      <a:schemeClr val="accent1"/>
+    </dgm:fillClrLst>
+    <dgm:linClrLst meth="repeat">
+      <a:schemeClr val="accent1"/>
+    </dgm:linClrLst>
+    <dgm:effectClrLst/>
+    <dgm:txLinClrLst/>
+    <dgm:txFillClrLst meth="repeat">
+      <a:schemeClr val="lt1"/>
+    </dgm:txFillClrLst>
+    <dgm:txEffectClrLst/>
+  </dgm:styleLbl>
+  <dgm:styleLbl name="parChTrans1D1">
+    <dgm:fillClrLst meth="repeat">
+      <a:schemeClr val="accent1"/>
+    </dgm:fillClrLst>
+    <dgm:linClrLst meth="repeat">
+      <a:schemeClr val="accent1">
+        <a:shade val="60000"/>
+      </a:schemeClr>
+    </dgm:linClrLst>
+    <dgm:effectClrLst/>
+    <dgm:txLinClrLst/>
+    <dgm:txFillClrLst meth="repeat">
+      <a:schemeClr val="tx1"/>
+    </dgm:txFillClrLst>
+    <dgm:txEffectClrLst/>
+  </dgm:styleLbl>
+  <dgm:styleLbl name="parChTrans1D2">
+    <dgm:fillClrLst meth="repeat">
+      <a:schemeClr val="accent1"/>
+    </dgm:fillClrLst>
+    <dgm:linClrLst meth="repeat">
+      <a:schemeClr val="accent1">
+        <a:shade val="60000"/>
+      </a:schemeClr>
+    </dgm:linClrLst>
+    <dgm:effectClrLst/>
+    <dgm:txLinClrLst/>
+    <dgm:txFillClrLst meth="repeat">
+      <a:schemeClr val="tx1"/>
+    </dgm:txFillClrLst>
+    <dgm:txEffectClrLst/>
+  </dgm:styleLbl>
+  <dgm:styleLbl name="parChTrans1D3">
+    <dgm:fillClrLst meth="repeat">
+      <a:schemeClr val="accent1"/>
+    </dgm:fillClrLst>
+    <dgm:linClrLst meth="repeat">
+      <a:schemeClr val="accent1">
+        <a:shade val="80000"/>
+      </a:schemeClr>
+    </dgm:linClrLst>
+    <dgm:effectClrLst/>
+    <dgm:txLinClrLst/>
+    <dgm:txFillClrLst meth="repeat">
+      <a:schemeClr val="tx1"/>
+    </dgm:txFillClrLst>
+    <dgm:txEffectClrLst/>
+  </dgm:styleLbl>
+  <dgm:styleLbl name="parChTrans1D4">
+    <dgm:fillClrLst meth="repeat">
+      <a:schemeClr val="accent1"/>
+    </dgm:fillClrLst>
+    <dgm:linClrLst meth="repeat">
+      <a:schemeClr val="accent1">
+        <a:shade val="80000"/>
+      </a:schemeClr>
+    </dgm:linClrLst>
+    <dgm:effectClrLst/>
+    <dgm:txLinClrLst/>
+    <dgm:txFillClrLst meth="repeat">
+      <a:schemeClr val="tx1"/>
+    </dgm:txFillClrLst>
+    <dgm:txEffectClrLst/>
+  </dgm:styleLbl>
+  <dgm:styleLbl name="fgAcc1">
+    <dgm:fillClrLst meth="repeat">
+      <a:schemeClr val="lt1">
+        <a:alpha val="90000"/>
+      </a:schemeClr>
+    </dgm:fillClrLst>
+    <dgm:linClrLst meth="repeat">
+      <a:schemeClr val="accent1"/>
+    </dgm:linClrLst>
+    <dgm:effectClrLst/>
+    <dgm:txLinClrLst/>
+    <dgm:txFillClrLst meth="repeat">
+      <a:schemeClr val="dk1"/>
+    </dgm:txFillClrLst>
+    <dgm:txEffectClrLst/>
+  </dgm:styleLbl>
+  <dgm:styleLbl name="conFgAcc1">
+    <dgm:fillClrLst meth="repeat">
+      <a:schemeClr val="lt1">
+        <a:alpha val="90000"/>
+      </a:schemeClr>
+    </dgm:fillClrLst>
+    <dgm:linClrLst meth="repeat">
+      <a:schemeClr val="accent1"/>
+    </dgm:linClrLst>
+    <dgm:effectClrLst/>
+    <dgm:txLinClrLst/>
+    <dgm:txFillClrLst meth="repeat">
+      <a:schemeClr val="dk1"/>
+    </dgm:txFillClrLst>
+    <dgm:txEffectClrLst/>
+  </dgm:styleLbl>
+  <dgm:styleLbl name="alignAcc1">
+    <dgm:fillClrLst meth="repeat">
+      <a:schemeClr val="lt1">
+        <a:alpha val="90000"/>
+      </a:schemeClr>
+    </dgm:fillClrLst>
+    <dgm:linClrLst meth="repeat">
+      <a:schemeClr val="accent1"/>
+    </dgm:linClrLst>
+    <dgm:effectClrLst/>
+    <dgm:txLinClrLst/>
+    <dgm:txFillClrLst meth="repeat">
+      <a:schemeClr val="dk1"/>
+    </dgm:txFillClrLst>
+    <dgm:txEffectClrLst/>
+  </dgm:styleLbl>
+  <dgm:styleLbl name="trAlignAcc1">
+    <dgm:fillClrLst meth="repeat">
+      <a:schemeClr val="lt1">
+        <a:alpha val="40000"/>
+      </a:schemeClr>
+    </dgm:fillClrLst>
+    <dgm:linClrLst meth="repeat">
+      <a:schemeClr val="accent1"/>
+    </dgm:linClrLst>
+    <dgm:effectClrLst/>
+    <dgm:txLinClrLst/>
+    <dgm:txFillClrLst meth="repeat">
+      <a:schemeClr val="dk1"/>
+    </dgm:txFillClrLst>
+    <dgm:txEffectClrLst/>
+  </dgm:styleLbl>
+  <dgm:styleLbl name="bgAcc1">
+    <dgm:fillClrLst meth="repeat">
+      <a:schemeClr val="lt1">
+        <a:alpha val="90000"/>
+      </a:schemeClr>
+    </dgm:fillClrLst>
+    <dgm:linClrLst meth="repeat">
+      <a:schemeClr val="accent1"/>
+    </dgm:linClrLst>
+    <dgm:effectClrLst/>
+    <dgm:txLinClrLst/>
+    <dgm:txFillClrLst meth="repeat">
+      <a:schemeClr val="dk1"/>
+    </dgm:txFillClrLst>
+    <dgm:txEffectClrLst/>
+  </dgm:styleLbl>
+  <dgm:styleLbl name="solidFgAcc1">
+    <dgm:fillClrLst meth="repeat">
+      <a:schemeClr val="lt1"/>
+    </dgm:fillClrLst>
+    <dgm:linClrLst meth="repeat">
+      <a:schemeClr val="accent1"/>
+    </dgm:linClrLst>
+    <dgm:effectClrLst/>
+    <dgm:txLinClrLst/>
+    <dgm:txFillClrLst meth="repeat">
+      <a:schemeClr val="dk1"/>
+    </dgm:txFillClrLst>
+    <dgm:txEffectClrLst/>
+  </dgm:styleLbl>
+  <dgm:styleLbl name="solidAlignAcc1">
+    <dgm:fillClrLst meth="repeat">
+      <a:schemeClr val="lt1"/>
+    </dgm:fillClrLst>
+    <dgm:linClrLst meth="repeat">
+      <a:schemeClr val="accent1"/>
+    </dgm:linClrLst>
+    <dgm:effectClrLst/>
+    <dgm:txLinClrLst/>
+    <dgm:txFillClrLst meth="repeat">
+      <a:schemeClr val="dk1"/>
+    </dgm:txFillClrLst>
+    <dgm:txEffectClrLst/>
+  </dgm:styleLbl>
+  <dgm:styleLbl name="solidBgAcc1">
+    <dgm:fillClrLst meth="repeat">
+      <a:schemeClr val="lt1"/>
+    </dgm:fillClrLst>
+    <dgm:linClrLst meth="repeat">
+      <a:schemeClr val="accent1"/>
+    </dgm:linClrLst>
+    <dgm:effectClrLst/>
+    <dgm:txLinClrLst/>
+    <dgm:txFillClrLst meth="repeat">
+      <a:schemeClr val="dk1"/>
+    </dgm:txFillClrLst>
+    <dgm:txEffectClrLst/>
+  </dgm:styleLbl>
+  <dgm:styleLbl name="fgAccFollowNode1">
+    <dgm:fillClrLst meth="repeat">
+      <a:schemeClr val="accent1">
+        <a:alpha val="90000"/>
+        <a:tint val="40000"/>
+      </a:schemeClr>
+    </dgm:fillClrLst>
+    <dgm:linClrLst meth="repeat">
+      <a:schemeClr val="accent1">
+        <a:alpha val="90000"/>
+        <a:tint val="40000"/>
+      </a:schemeClr>
+    </dgm:linClrLst>
+    <dgm:effectClrLst/>
+    <dgm:txLinClrLst/>
+    <dgm:txFillClrLst meth="repeat">
+      <a:schemeClr val="dk1"/>
+    </dgm:txFillClrLst>
+    <dgm:txEffectClrLst/>
+  </dgm:styleLbl>
+  <dgm:styleLbl name="alignAccFollowNode1">
+    <dgm:fillClrLst meth="repeat">
+      <a:schemeClr val="accent1">
+        <a:alpha val="90000"/>
+        <a:tint val="40000"/>
+      </a:schemeClr>
+    </dgm:fillClrLst>
+    <dgm:linClrLst meth="repeat">
+      <a:schemeClr val="accent1">
+        <a:alpha val="90000"/>
+        <a:tint val="40000"/>
+      </a:schemeClr>
+    </dgm:linClrLst>
+    <dgm:effectClrLst/>
+    <dgm:txLinClrLst/>
+    <dgm:txFillClrLst meth="repeat">
+      <a:schemeClr val="dk1"/>
+    </dgm:txFillClrLst>
+    <dgm:txEffectClrLst/>
+  </dgm:styleLbl>
+  <dgm:styleLbl name="bgAccFollowNode1">
+    <dgm:fillClrLst meth="repeat">
+      <a:schemeClr val="accent1">
+        <a:alpha val="90000"/>
+        <a:tint val="40000"/>
+      </a:schemeClr>
+    </dgm:fillClrLst>
+    <dgm:linClrLst meth="repeat">
+      <a:schemeClr val="accent1">
+        <a:alpha val="90000"/>
+        <a:tint val="40000"/>
+      </a:schemeClr>
+    </dgm:linClrLst>
+    <dgm:effectClrLst/>
+    <dgm:txLinClrLst/>
+    <dgm:txFillClrLst meth="repeat">
+      <a:schemeClr val="dk1"/>
+    </dgm:txFillClrLst>
+    <dgm:txEffectClrLst/>
+  </dgm:styleLbl>
+  <dgm:styleLbl name="fgAcc0">
+    <dgm:fillClrLst meth="repeat">
+      <a:schemeClr val="lt1">
+        <a:alpha val="90000"/>
+      </a:schemeClr>
+    </dgm:fillClrLst>
+    <dgm:linClrLst meth="repeat">
+      <a:schemeClr val="accent1"/>
+    </dgm:linClrLst>
+    <dgm:effectClrLst/>
+    <dgm:txLinClrLst/>
+    <dgm:txFillClrLst meth="repeat">
+      <a:schemeClr val="dk1"/>
+    </dgm:txFillClrLst>
+    <dgm:txEffectClrLst/>
+  </dgm:styleLbl>
+  <dgm:styleLbl name="fgAcc2">
+    <dgm:fillClrLst meth="repeat">
+      <a:schemeClr val="lt1">
+        <a:alpha val="90000"/>
+      </a:schemeClr>
+    </dgm:fillClrLst>
+    <dgm:linClrLst meth="repeat">
+      <a:schemeClr val="accent1"/>
+    </dgm:linClrLst>
+    <dgm:effectClrLst/>
+    <dgm:txLinClrLst/>
+    <dgm:txFillClrLst meth="repeat">
+      <a:schemeClr val="dk1"/>
+    </dgm:txFillClrLst>
+    <dgm:txEffectClrLst/>
+  </dgm:styleLbl>
+  <dgm:styleLbl name="fgAcc3">
+    <dgm:fillClrLst meth="repeat">
+      <a:schemeClr val="lt1">
+        <a:alpha val="90000"/>
+      </a:schemeClr>
+    </dgm:fillClrLst>
+    <dgm:linClrLst meth="repeat">
+      <a:schemeClr val="accent1"/>
+    </dgm:linClrLst>
+    <dgm:effectClrLst/>
+    <dgm:txLinClrLst/>
+    <dgm:txFillClrLst meth="repeat">
+      <a:schemeClr val="dk1"/>
+    </dgm:txFillClrLst>
+    <dgm:txEffectClrLst/>
+  </dgm:styleLbl>
+  <dgm:styleLbl name="fgAcc4">
+    <dgm:fillClrLst meth="repeat">
+      <a:schemeClr val="lt1">
+        <a:alpha val="90000"/>
+      </a:schemeClr>
+    </dgm:fillClrLst>
+    <dgm:linClrLst meth="repeat">
+      <a:schemeClr val="accent1"/>
+    </dgm:linClrLst>
+    <dgm:effectClrLst/>
+    <dgm:txLinClrLst/>
+    <dgm:txFillClrLst meth="repeat">
+      <a:schemeClr val="dk1"/>
+    </dgm:txFillClrLst>
+    <dgm:txEffectClrLst/>
+  </dgm:styleLbl>
+  <dgm:styleLbl name="bgShp">
+    <dgm:fillClrLst meth="repeat">
+      <a:schemeClr val="accent1">
+        <a:tint val="40000"/>
+      </a:schemeClr>
+    </dgm:fillClrLst>
+    <dgm:linClrLst meth="repeat">
+      <a:schemeClr val="accent1"/>
+    </dgm:linClrLst>
+    <dgm:effectClrLst/>
+    <dgm:txLinClrLst/>
+    <dgm:txFillClrLst meth="repeat">
+      <a:schemeClr val="dk1"/>
+    </dgm:txFillClrLst>
+    <dgm:txEffectClrLst/>
+  </dgm:styleLbl>
+  <dgm:styleLbl name="dkBgShp">
+    <dgm:fillClrLst meth="repeat">
+      <a:schemeClr val="accent1">
+        <a:shade val="80000"/>
+      </a:schemeClr>
+    </dgm:fillClrLst>
+    <dgm:linClrLst meth="repeat">
+      <a:schemeClr val="accent1"/>
+    </dgm:linClrLst>
+    <dgm:effectClrLst/>
+    <dgm:txLinClrLst/>
+    <dgm:txFillClrLst meth="repeat">
+      <a:schemeClr val="lt1"/>
+    </dgm:txFillClrLst>
+    <dgm:txEffectClrLst/>
+  </dgm:styleLbl>
+  <dgm:styleLbl name="trBgShp">
+    <dgm:fillClrLst meth="repeat">
+      <a:schemeClr val="accent1">
+        <a:tint val="50000"/>
+        <a:alpha val="40000"/>
+      </a:schemeClr>
+    </dgm:fillClrLst>
+    <dgm:linClrLst meth="repeat">
+      <a:schemeClr val="accent1"/>
+    </dgm:linClrLst>
+    <dgm:effectClrLst/>
+    <dgm:txLinClrLst/>
+    <dgm:txFillClrLst meth="repeat">
+      <a:schemeClr val="lt1"/>
+    </dgm:txFillClrLst>
+    <dgm:txEffectClrLst/>
+  </dgm:styleLbl>
+  <dgm:styleLbl name="fgShp">
+    <dgm:fillClrLst meth="repeat">
+      <a:schemeClr val="accent1">
+        <a:tint val="60000"/>
+      </a:schemeClr>
+    </dgm:fillClrLst>
+    <dgm:linClrLst meth="repeat">
+      <a:schemeClr val="lt1"/>
+    </dgm:linClrLst>
+    <dgm:effectClrLst/>
+    <dgm:txLinClrLst/>
+    <dgm:txFillClrLst meth="repeat">
+      <a:schemeClr val="dk1"/>
+    </dgm:txFillClrLst>
+    <dgm:txEffectClrLst/>
+  </dgm:styleLbl>
+  <dgm:styleLbl name="revTx">
+    <dgm:fillClrLst meth="repeat">
+      <a:schemeClr val="lt1">
+        <a:alpha val="0"/>
+      </a:schemeClr>
+    </dgm:fillClrLst>
+    <dgm:linClrLst meth="repeat">
+      <a:schemeClr val="dk1">
+        <a:alpha val="0"/>
+      </a:schemeClr>
+    </dgm:linClrLst>
+    <dgm:effectClrLst/>
+    <dgm:txLinClrLst/>
+    <dgm:txFillClrLst meth="repeat">
+      <a:schemeClr val="tx1"/>
+    </dgm:txFillClrLst>
+    <dgm:txEffectClrLst/>
+  </dgm:styleLbl>
+</dgm:colorsDef>
+</file>
+
+<file path=ppt/diagrams/data1.xml><?xml version="1.0" encoding="utf-8"?>
+<dgm:dataModel xmlns:dgm="http://schemas.openxmlformats.org/drawingml/2006/diagram" xmlns:a="http://schemas.openxmlformats.org/drawingml/2006/main">
+  <dgm:ptLst>
+    <dgm:pt modelId="{E6FD983B-0CFB-A04B-9929-AABEC00688C8}" type="doc">
+      <dgm:prSet loTypeId="urn:microsoft.com/office/officeart/2005/8/layout/lProcess2" loCatId="" qsTypeId="urn:microsoft.com/office/officeart/2005/8/quickstyle/simple1" qsCatId="simple" csTypeId="urn:microsoft.com/office/officeart/2005/8/colors/accent1_2" csCatId="accent1" phldr="1"/>
+      <dgm:spPr/>
+      <dgm:t>
+        <a:bodyPr/>
+        <a:lstStyle/>
+        <a:p>
+          <a:endParaRPr lang="en-GB"/>
+        </a:p>
+      </dgm:t>
+    </dgm:pt>
+    <dgm:pt modelId="{38AF21B5-4CF4-AF48-AABB-89EE5CB7ECED}">
+      <dgm:prSet phldrT="[Text]"/>
+      <dgm:spPr/>
+      <dgm:t>
+        <a:bodyPr/>
+        <a:lstStyle/>
+        <a:p>
+          <a:r>
+            <a:rPr lang="en-GB" dirty="0"/>
+            <a:t>Functions</a:t>
+          </a:r>
+        </a:p>
+      </dgm:t>
+    </dgm:pt>
+    <dgm:pt modelId="{061D24DE-630A-5045-9FB4-49E741CCBC67}" type="parTrans" cxnId="{56DCD4A0-31CB-A340-8BDB-68F9CB364737}">
+      <dgm:prSet/>
+      <dgm:spPr/>
+      <dgm:t>
+        <a:bodyPr/>
+        <a:lstStyle/>
+        <a:p>
+          <a:endParaRPr lang="en-GB"/>
+        </a:p>
+      </dgm:t>
+    </dgm:pt>
+    <dgm:pt modelId="{F52ECA4E-A2B3-C74B-B242-F29AF4AB7F93}" type="sibTrans" cxnId="{56DCD4A0-31CB-A340-8BDB-68F9CB364737}">
+      <dgm:prSet/>
+      <dgm:spPr/>
+      <dgm:t>
+        <a:bodyPr/>
+        <a:lstStyle/>
+        <a:p>
+          <a:endParaRPr lang="en-GB"/>
+        </a:p>
+      </dgm:t>
+    </dgm:pt>
+    <dgm:pt modelId="{4D3B358C-44A3-CF4E-B5F4-A979D345D57F}">
+      <dgm:prSet phldrT="[Text]"/>
+      <dgm:spPr/>
+      <dgm:t>
+        <a:bodyPr/>
+        <a:lstStyle/>
+        <a:p>
+          <a:r>
+            <a:rPr lang="en-GB" dirty="0" err="1"/>
+            <a:t>eccentricity.py</a:t>
+          </a:r>
+          <a:endParaRPr lang="en-GB" dirty="0"/>
+        </a:p>
+      </dgm:t>
+    </dgm:pt>
+    <dgm:pt modelId="{23A79EAE-4D5E-8B4A-95B7-062A9FFCAD03}" type="parTrans" cxnId="{7FD006AF-6CA8-5B4E-8AF1-C0372AB56790}">
+      <dgm:prSet/>
+      <dgm:spPr/>
+      <dgm:t>
+        <a:bodyPr/>
+        <a:lstStyle/>
+        <a:p>
+          <a:endParaRPr lang="en-GB"/>
+        </a:p>
+      </dgm:t>
+    </dgm:pt>
+    <dgm:pt modelId="{385A65C9-5C61-C446-88D7-871BEC76C97D}" type="sibTrans" cxnId="{7FD006AF-6CA8-5B4E-8AF1-C0372AB56790}">
+      <dgm:prSet/>
+      <dgm:spPr/>
+      <dgm:t>
+        <a:bodyPr/>
+        <a:lstStyle/>
+        <a:p>
+          <a:endParaRPr lang="en-GB"/>
+        </a:p>
+      </dgm:t>
+    </dgm:pt>
+    <dgm:pt modelId="{5D98C8E0-0D29-314E-A1EC-EF438B8C726F}">
+      <dgm:prSet phldrT="[Text]"/>
+      <dgm:spPr/>
+      <dgm:t>
+        <a:bodyPr/>
+        <a:lstStyle/>
+        <a:p>
+          <a:r>
+            <a:rPr lang="en-GB" dirty="0" err="1"/>
+            <a:t>bearing_capacity.py</a:t>
+          </a:r>
+          <a:endParaRPr lang="en-GB" dirty="0"/>
+        </a:p>
+      </dgm:t>
+    </dgm:pt>
+    <dgm:pt modelId="{67DAE839-D630-9A44-B65E-CEE41DCD3438}" type="parTrans" cxnId="{CD4C187D-1E0F-BF4B-9A00-EAC387E2F291}">
+      <dgm:prSet/>
+      <dgm:spPr/>
+      <dgm:t>
+        <a:bodyPr/>
+        <a:lstStyle/>
+        <a:p>
+          <a:endParaRPr lang="en-GB"/>
+        </a:p>
+      </dgm:t>
+    </dgm:pt>
+    <dgm:pt modelId="{81A0C356-E513-B64E-9EE4-8F3D3EA96DC5}" type="sibTrans" cxnId="{CD4C187D-1E0F-BF4B-9A00-EAC387E2F291}">
+      <dgm:prSet/>
+      <dgm:spPr/>
+      <dgm:t>
+        <a:bodyPr/>
+        <a:lstStyle/>
+        <a:p>
+          <a:endParaRPr lang="en-GB"/>
+        </a:p>
+      </dgm:t>
+    </dgm:pt>
+    <dgm:pt modelId="{2E5E8456-0230-C74F-926F-F3EDC7FB585E}">
+      <dgm:prSet phldrT="[Text]"/>
+      <dgm:spPr/>
+      <dgm:t>
+        <a:bodyPr/>
+        <a:lstStyle/>
+        <a:p>
+          <a:r>
+            <a:rPr lang="en-GB" dirty="0"/>
+            <a:t>Objects</a:t>
+          </a:r>
+        </a:p>
+      </dgm:t>
+    </dgm:pt>
+    <dgm:pt modelId="{9655DC7C-EE1B-D342-88C0-04F1CA8A6CAA}" type="parTrans" cxnId="{6125D24E-D6AB-1548-84CF-BFC77BFB2378}">
+      <dgm:prSet/>
+      <dgm:spPr/>
+      <dgm:t>
+        <a:bodyPr/>
+        <a:lstStyle/>
+        <a:p>
+          <a:endParaRPr lang="en-GB"/>
+        </a:p>
+      </dgm:t>
+    </dgm:pt>
+    <dgm:pt modelId="{FB6016B2-C337-0945-A214-7C8E346305D1}" type="sibTrans" cxnId="{6125D24E-D6AB-1548-84CF-BFC77BFB2378}">
+      <dgm:prSet/>
+      <dgm:spPr/>
+      <dgm:t>
+        <a:bodyPr/>
+        <a:lstStyle/>
+        <a:p>
+          <a:endParaRPr lang="en-GB"/>
+        </a:p>
+      </dgm:t>
+    </dgm:pt>
+    <dgm:pt modelId="{1CE68E0E-AF41-0642-BD08-C8231907DD7E}">
+      <dgm:prSet phldrT="[Text]"/>
+      <dgm:spPr/>
+      <dgm:t>
+        <a:bodyPr/>
+        <a:lstStyle/>
+        <a:p>
+          <a:r>
+            <a:rPr lang="en-GB" dirty="0" err="1"/>
+            <a:t>drained_soil</a:t>
+          </a:r>
+          <a:endParaRPr lang="en-GB" dirty="0"/>
+        </a:p>
+      </dgm:t>
+    </dgm:pt>
+    <dgm:pt modelId="{6D230984-2A18-2C42-8F26-005A2AC46B6A}" type="parTrans" cxnId="{0191F073-B925-2047-B980-FC2362EB149A}">
+      <dgm:prSet/>
+      <dgm:spPr/>
+      <dgm:t>
+        <a:bodyPr/>
+        <a:lstStyle/>
+        <a:p>
+          <a:endParaRPr lang="en-GB"/>
+        </a:p>
+      </dgm:t>
+    </dgm:pt>
+    <dgm:pt modelId="{6BC4151E-4B8F-0842-8823-C27B17976BB3}" type="sibTrans" cxnId="{0191F073-B925-2047-B980-FC2362EB149A}">
+      <dgm:prSet/>
+      <dgm:spPr/>
+      <dgm:t>
+        <a:bodyPr/>
+        <a:lstStyle/>
+        <a:p>
+          <a:endParaRPr lang="en-GB"/>
+        </a:p>
+      </dgm:t>
+    </dgm:pt>
+    <dgm:pt modelId="{75C53771-A9AF-1A4F-B334-1910B3EE49AC}">
+      <dgm:prSet phldrT="[Text]"/>
+      <dgm:spPr/>
+      <dgm:t>
+        <a:bodyPr/>
+        <a:lstStyle/>
+        <a:p>
+          <a:r>
+            <a:rPr lang="en-GB" dirty="0" err="1"/>
+            <a:t>undrained_soil</a:t>
+          </a:r>
+          <a:endParaRPr lang="en-GB" dirty="0"/>
+        </a:p>
+      </dgm:t>
+    </dgm:pt>
+    <dgm:pt modelId="{49AFECD6-9CF0-1841-9653-817E3CA60C17}" type="parTrans" cxnId="{5853D29F-196A-2544-9A31-F38D75940943}">
+      <dgm:prSet/>
+      <dgm:spPr/>
+      <dgm:t>
+        <a:bodyPr/>
+        <a:lstStyle/>
+        <a:p>
+          <a:endParaRPr lang="en-GB"/>
+        </a:p>
+      </dgm:t>
+    </dgm:pt>
+    <dgm:pt modelId="{428CC642-9E2F-F247-9F6B-6D4FDB8DA25F}" type="sibTrans" cxnId="{5853D29F-196A-2544-9A31-F38D75940943}">
+      <dgm:prSet/>
+      <dgm:spPr/>
+      <dgm:t>
+        <a:bodyPr/>
+        <a:lstStyle/>
+        <a:p>
+          <a:endParaRPr lang="en-GB"/>
+        </a:p>
+      </dgm:t>
+    </dgm:pt>
+    <dgm:pt modelId="{45DF81CB-56F0-1342-9ED6-C8DE57E26E55}">
+      <dgm:prSet phldrT="[Text]"/>
+      <dgm:spPr/>
+      <dgm:t>
+        <a:bodyPr/>
+        <a:lstStyle/>
+        <a:p>
+          <a:r>
+            <a:rPr lang="en-GB" dirty="0"/>
+            <a:t>Class/Module</a:t>
+          </a:r>
+        </a:p>
+      </dgm:t>
+    </dgm:pt>
+    <dgm:pt modelId="{BF5A7A9B-F583-E74A-B392-27C6D3221A87}" type="parTrans" cxnId="{4EF4EA0B-D947-6E49-93CC-C054033BBA8C}">
+      <dgm:prSet/>
+      <dgm:spPr/>
+      <dgm:t>
+        <a:bodyPr/>
+        <a:lstStyle/>
+        <a:p>
+          <a:endParaRPr lang="en-GB"/>
+        </a:p>
+      </dgm:t>
+    </dgm:pt>
+    <dgm:pt modelId="{D172342A-BA11-E646-9848-8CB08DFF0E57}" type="sibTrans" cxnId="{4EF4EA0B-D947-6E49-93CC-C054033BBA8C}">
+      <dgm:prSet/>
+      <dgm:spPr/>
+      <dgm:t>
+        <a:bodyPr/>
+        <a:lstStyle/>
+        <a:p>
+          <a:endParaRPr lang="en-GB"/>
+        </a:p>
+      </dgm:t>
+    </dgm:pt>
+    <dgm:pt modelId="{4174BA67-530B-C44B-97EB-680F0BAE8C32}">
+      <dgm:prSet phldrT="[Text]" custT="1"/>
+      <dgm:spPr/>
+      <dgm:t>
+        <a:bodyPr/>
+        <a:lstStyle/>
+        <a:p>
+          <a:r>
+            <a:rPr lang="en-GB" sz="1400" b="1" dirty="0" err="1"/>
+            <a:t>Foundation_Definition</a:t>
+          </a:r>
+          <a:r>
+            <a:rPr lang="en-GB" sz="1400" b="1" dirty="0"/>
+            <a:t> in </a:t>
+          </a:r>
+          <a:r>
+            <a:rPr lang="en-GB" sz="1400" b="1" dirty="0" err="1"/>
+            <a:t>foundation_characteristics.py</a:t>
+          </a:r>
+          <a:endParaRPr lang="en-GB" sz="1400" b="1" dirty="0"/>
+        </a:p>
+      </dgm:t>
+    </dgm:pt>
+    <dgm:pt modelId="{1A7B59BC-3C3F-A141-9F35-AAF5825B65C1}" type="parTrans" cxnId="{0EB307ED-4473-C345-BD1C-FFFE8411340C}">
+      <dgm:prSet/>
+      <dgm:spPr/>
+      <dgm:t>
+        <a:bodyPr/>
+        <a:lstStyle/>
+        <a:p>
+          <a:endParaRPr lang="en-GB"/>
+        </a:p>
+      </dgm:t>
+    </dgm:pt>
+    <dgm:pt modelId="{5DDA0041-30A6-1246-ACDB-09185CC1AD74}" type="sibTrans" cxnId="{0EB307ED-4473-C345-BD1C-FFFE8411340C}">
+      <dgm:prSet/>
+      <dgm:spPr/>
+      <dgm:t>
+        <a:bodyPr/>
+        <a:lstStyle/>
+        <a:p>
+          <a:endParaRPr lang="en-GB"/>
+        </a:p>
+      </dgm:t>
+    </dgm:pt>
+    <dgm:pt modelId="{A217A6B3-92B3-CF46-B8F4-D0A4B3E37BE2}">
+      <dgm:prSet phldrT="[Text]"/>
+      <dgm:spPr/>
+      <dgm:t>
+        <a:bodyPr/>
+        <a:lstStyle/>
+        <a:p>
+          <a:r>
+            <a:rPr lang="en-GB" dirty="0" err="1"/>
+            <a:t>sliding.py</a:t>
+          </a:r>
+          <a:endParaRPr lang="en-GB" dirty="0"/>
+        </a:p>
+      </dgm:t>
+    </dgm:pt>
+    <dgm:pt modelId="{F299D4E8-B2D4-A547-8425-D41DB37159DB}" type="parTrans" cxnId="{016B4235-D426-434E-8A13-E0D61DD5126D}">
+      <dgm:prSet/>
+      <dgm:spPr/>
+      <dgm:t>
+        <a:bodyPr/>
+        <a:lstStyle/>
+        <a:p>
+          <a:endParaRPr lang="en-GB"/>
+        </a:p>
+      </dgm:t>
+    </dgm:pt>
+    <dgm:pt modelId="{6DE4777E-36CB-B74C-93ED-195B09B3F6DF}" type="sibTrans" cxnId="{016B4235-D426-434E-8A13-E0D61DD5126D}">
+      <dgm:prSet/>
+      <dgm:spPr/>
+      <dgm:t>
+        <a:bodyPr/>
+        <a:lstStyle/>
+        <a:p>
+          <a:endParaRPr lang="en-GB"/>
+        </a:p>
+      </dgm:t>
+    </dgm:pt>
+    <dgm:pt modelId="{31D81C39-B085-6F45-A94B-B5DC026CF868}">
+      <dgm:prSet phldrT="[Text]"/>
+      <dgm:spPr/>
+      <dgm:t>
+        <a:bodyPr/>
+        <a:lstStyle/>
+        <a:p>
+          <a:r>
+            <a:rPr lang="en-GB" dirty="0" err="1"/>
+            <a:t>overturning_resistance.py</a:t>
+          </a:r>
+          <a:endParaRPr lang="en-GB" dirty="0"/>
+        </a:p>
+      </dgm:t>
+    </dgm:pt>
+    <dgm:pt modelId="{C7C1EB0A-C869-1D42-8049-CF25F106A6D1}" type="parTrans" cxnId="{6A75BE79-6638-1947-8DD9-1E4F63467CEC}">
+      <dgm:prSet/>
+      <dgm:spPr/>
+      <dgm:t>
+        <a:bodyPr/>
+        <a:lstStyle/>
+        <a:p>
+          <a:endParaRPr lang="en-GB"/>
+        </a:p>
+      </dgm:t>
+    </dgm:pt>
+    <dgm:pt modelId="{DEB0684D-65AD-D94B-85A5-728D5858D7F9}" type="sibTrans" cxnId="{6A75BE79-6638-1947-8DD9-1E4F63467CEC}">
+      <dgm:prSet/>
+      <dgm:spPr/>
+      <dgm:t>
+        <a:bodyPr/>
+        <a:lstStyle/>
+        <a:p>
+          <a:endParaRPr lang="en-GB"/>
+        </a:p>
+      </dgm:t>
+    </dgm:pt>
+    <dgm:pt modelId="{AC81D0BF-8AFD-C14F-AA34-537300231E7D}">
+      <dgm:prSet phldrT="[Text]"/>
+      <dgm:spPr/>
+      <dgm:t>
+        <a:bodyPr/>
+        <a:lstStyle/>
+        <a:p>
+          <a:r>
+            <a:rPr lang="en-GB" dirty="0" err="1"/>
+            <a:t>ext_loads_func.py</a:t>
+          </a:r>
+          <a:endParaRPr lang="en-GB" dirty="0"/>
+        </a:p>
+      </dgm:t>
+    </dgm:pt>
+    <dgm:pt modelId="{665F8CD4-D08E-454C-B3EF-E3817C84C2C4}" type="parTrans" cxnId="{2E8FA0D8-DBF7-D544-8C5B-ACD35FFC91FC}">
+      <dgm:prSet/>
+      <dgm:spPr/>
+      <dgm:t>
+        <a:bodyPr/>
+        <a:lstStyle/>
+        <a:p>
+          <a:endParaRPr lang="en-GB"/>
+        </a:p>
+      </dgm:t>
+    </dgm:pt>
+    <dgm:pt modelId="{B3923153-783A-AB44-82B6-0ABC9992E430}" type="sibTrans" cxnId="{2E8FA0D8-DBF7-D544-8C5B-ACD35FFC91FC}">
+      <dgm:prSet/>
+      <dgm:spPr/>
+      <dgm:t>
+        <a:bodyPr/>
+        <a:lstStyle/>
+        <a:p>
+          <a:endParaRPr lang="en-GB"/>
+        </a:p>
+      </dgm:t>
+    </dgm:pt>
+    <dgm:pt modelId="{C189379D-B2C3-B541-A5A3-2C61D9A97641}">
+      <dgm:prSet phldrT="[Text]"/>
+      <dgm:spPr/>
+      <dgm:t>
+        <a:bodyPr/>
+        <a:lstStyle/>
+        <a:p>
+          <a:r>
+            <a:rPr lang="en-GB" dirty="0" err="1"/>
+            <a:t>external_loads</a:t>
+          </a:r>
+          <a:endParaRPr lang="en-GB" dirty="0"/>
+        </a:p>
+      </dgm:t>
+    </dgm:pt>
+    <dgm:pt modelId="{D6DBC26F-EE44-E346-AF8E-CE2C02D99390}" type="parTrans" cxnId="{7E9E2635-93CE-5744-B30A-A6AC6ECA1A7B}">
+      <dgm:prSet/>
+      <dgm:spPr/>
+      <dgm:t>
+        <a:bodyPr/>
+        <a:lstStyle/>
+        <a:p>
+          <a:endParaRPr lang="en-GB"/>
+        </a:p>
+      </dgm:t>
+    </dgm:pt>
+    <dgm:pt modelId="{6137B607-80BD-A24A-9A39-C1A382232D81}" type="sibTrans" cxnId="{7E9E2635-93CE-5744-B30A-A6AC6ECA1A7B}">
+      <dgm:prSet/>
+      <dgm:spPr/>
+      <dgm:t>
+        <a:bodyPr/>
+        <a:lstStyle/>
+        <a:p>
+          <a:endParaRPr lang="en-GB"/>
+        </a:p>
+      </dgm:t>
+    </dgm:pt>
+    <dgm:pt modelId="{BAAB5F4A-D9C2-DE41-B122-0688AABA273C}">
+      <dgm:prSet phldrT="[Text]"/>
+      <dgm:spPr/>
+      <dgm:t>
+        <a:bodyPr/>
+        <a:lstStyle/>
+        <a:p>
+          <a:r>
+            <a:rPr lang="en-GB" dirty="0" err="1"/>
+            <a:t>key_calc</a:t>
+          </a:r>
+          <a:endParaRPr lang="en-GB" dirty="0"/>
+        </a:p>
+      </dgm:t>
+    </dgm:pt>
+    <dgm:pt modelId="{713D1D5A-EBE5-E347-9CFA-DCD935E3417A}" type="parTrans" cxnId="{3CA5364C-0EE9-F24E-ADE3-78B69A588E0A}">
+      <dgm:prSet/>
+      <dgm:spPr/>
+      <dgm:t>
+        <a:bodyPr/>
+        <a:lstStyle/>
+        <a:p>
+          <a:endParaRPr lang="en-GB"/>
+        </a:p>
+      </dgm:t>
+    </dgm:pt>
+    <dgm:pt modelId="{21F5EF5D-299F-2447-A499-BF8327E4355E}" type="sibTrans" cxnId="{3CA5364C-0EE9-F24E-ADE3-78B69A588E0A}">
+      <dgm:prSet/>
+      <dgm:spPr/>
+      <dgm:t>
+        <a:bodyPr/>
+        <a:lstStyle/>
+        <a:p>
+          <a:endParaRPr lang="en-GB"/>
+        </a:p>
+      </dgm:t>
+    </dgm:pt>
+    <dgm:pt modelId="{441DDBD1-852B-3B40-9BC7-43284B399A7A}">
+      <dgm:prSet phldrT="[Text]"/>
+      <dgm:spPr/>
+      <dgm:t>
+        <a:bodyPr/>
+        <a:lstStyle/>
+        <a:p>
+          <a:r>
+            <a:rPr lang="en-GB" dirty="0"/>
+            <a:t>eccentricity</a:t>
+          </a:r>
+        </a:p>
+      </dgm:t>
+    </dgm:pt>
+    <dgm:pt modelId="{6F97FFF7-5495-2D46-8AFB-C2C0CEC9A71B}" type="parTrans" cxnId="{3ADD09C3-DBED-704C-91DB-3FE0EB7C4D90}">
+      <dgm:prSet/>
+      <dgm:spPr/>
+      <dgm:t>
+        <a:bodyPr/>
+        <a:lstStyle/>
+        <a:p>
+          <a:endParaRPr lang="en-GB"/>
+        </a:p>
+      </dgm:t>
+    </dgm:pt>
+    <dgm:pt modelId="{27060AF0-B866-B94B-AF7A-CAF21DC5712D}" type="sibTrans" cxnId="{3ADD09C3-DBED-704C-91DB-3FE0EB7C4D90}">
+      <dgm:prSet/>
+      <dgm:spPr/>
+      <dgm:t>
+        <a:bodyPr/>
+        <a:lstStyle/>
+        <a:p>
+          <a:endParaRPr lang="en-GB"/>
+        </a:p>
+      </dgm:t>
+    </dgm:pt>
+    <dgm:pt modelId="{6F3AC786-F335-1D48-8F85-9E22AE25BF17}">
+      <dgm:prSet phldrT="[Text]"/>
+      <dgm:spPr/>
+      <dgm:t>
+        <a:bodyPr/>
+        <a:lstStyle/>
+        <a:p>
+          <a:r>
+            <a:rPr lang="en-GB" dirty="0" err="1"/>
+            <a:t>design_check</a:t>
+          </a:r>
+          <a:endParaRPr lang="en-GB" dirty="0"/>
+        </a:p>
+      </dgm:t>
+    </dgm:pt>
+    <dgm:pt modelId="{BC768904-40E7-E841-AA15-9A5283204B97}" type="parTrans" cxnId="{DFDAD8DC-F386-524A-91A5-1B18F9F3EE00}">
+      <dgm:prSet/>
+      <dgm:spPr/>
+      <dgm:t>
+        <a:bodyPr/>
+        <a:lstStyle/>
+        <a:p>
+          <a:endParaRPr lang="en-GB"/>
+        </a:p>
+      </dgm:t>
+    </dgm:pt>
+    <dgm:pt modelId="{6B5440BA-4584-C940-A55C-683A19CE6464}" type="sibTrans" cxnId="{DFDAD8DC-F386-524A-91A5-1B18F9F3EE00}">
+      <dgm:prSet/>
+      <dgm:spPr/>
+      <dgm:t>
+        <a:bodyPr/>
+        <a:lstStyle/>
+        <a:p>
+          <a:endParaRPr lang="en-GB"/>
+        </a:p>
+      </dgm:t>
+    </dgm:pt>
+    <dgm:pt modelId="{4CE4537E-71FC-7B43-8AE3-933C5F3D83FB}" type="pres">
+      <dgm:prSet presAssocID="{E6FD983B-0CFB-A04B-9929-AABEC00688C8}" presName="theList" presStyleCnt="0">
+        <dgm:presLayoutVars>
+          <dgm:dir/>
+          <dgm:animLvl val="lvl"/>
+          <dgm:resizeHandles val="exact"/>
+        </dgm:presLayoutVars>
+      </dgm:prSet>
+      <dgm:spPr/>
+    </dgm:pt>
+    <dgm:pt modelId="{462FB53E-5710-3843-A4CD-1488F8881A66}" type="pres">
+      <dgm:prSet presAssocID="{38AF21B5-4CF4-AF48-AABB-89EE5CB7ECED}" presName="compNode" presStyleCnt="0"/>
+      <dgm:spPr/>
+    </dgm:pt>
+    <dgm:pt modelId="{CECEDB6C-8D2D-E840-A38B-94490C6A2B0F}" type="pres">
+      <dgm:prSet presAssocID="{38AF21B5-4CF4-AF48-AABB-89EE5CB7ECED}" presName="aNode" presStyleLbl="bgShp" presStyleIdx="0" presStyleCnt="3"/>
+      <dgm:spPr/>
+    </dgm:pt>
+    <dgm:pt modelId="{6C81E4B4-7A77-F544-8D90-F6A5B9FB6537}" type="pres">
+      <dgm:prSet presAssocID="{38AF21B5-4CF4-AF48-AABB-89EE5CB7ECED}" presName="textNode" presStyleLbl="bgShp" presStyleIdx="0" presStyleCnt="3"/>
+      <dgm:spPr/>
+    </dgm:pt>
+    <dgm:pt modelId="{911DF2DC-E0F7-F949-B2B3-1BBB3F7F79CB}" type="pres">
+      <dgm:prSet presAssocID="{38AF21B5-4CF4-AF48-AABB-89EE5CB7ECED}" presName="compChildNode" presStyleCnt="0"/>
+      <dgm:spPr/>
+    </dgm:pt>
+    <dgm:pt modelId="{33EABCC5-767A-9841-AA96-526715E39EB0}" type="pres">
+      <dgm:prSet presAssocID="{38AF21B5-4CF4-AF48-AABB-89EE5CB7ECED}" presName="theInnerList" presStyleCnt="0"/>
+      <dgm:spPr/>
+    </dgm:pt>
+    <dgm:pt modelId="{70F903C1-5480-6841-9178-232FF871A863}" type="pres">
+      <dgm:prSet presAssocID="{4D3B358C-44A3-CF4E-B5F4-A979D345D57F}" presName="childNode" presStyleLbl="node1" presStyleIdx="0" presStyleCnt="12">
+        <dgm:presLayoutVars>
+          <dgm:bulletEnabled val="1"/>
+        </dgm:presLayoutVars>
+      </dgm:prSet>
+      <dgm:spPr/>
+    </dgm:pt>
+    <dgm:pt modelId="{84C7DB3D-3783-0E4E-BD2F-D1C48768DE3C}" type="pres">
+      <dgm:prSet presAssocID="{4D3B358C-44A3-CF4E-B5F4-A979D345D57F}" presName="aSpace2" presStyleCnt="0"/>
+      <dgm:spPr/>
+    </dgm:pt>
+    <dgm:pt modelId="{39383E05-37C3-C34A-9D0B-0BED6D1226A2}" type="pres">
+      <dgm:prSet presAssocID="{5D98C8E0-0D29-314E-A1EC-EF438B8C726F}" presName="childNode" presStyleLbl="node1" presStyleIdx="1" presStyleCnt="12">
+        <dgm:presLayoutVars>
+          <dgm:bulletEnabled val="1"/>
+        </dgm:presLayoutVars>
+      </dgm:prSet>
+      <dgm:spPr/>
+    </dgm:pt>
+    <dgm:pt modelId="{EE6BB756-63BC-EF4E-BDCE-07885ECBACC9}" type="pres">
+      <dgm:prSet presAssocID="{5D98C8E0-0D29-314E-A1EC-EF438B8C726F}" presName="aSpace2" presStyleCnt="0"/>
+      <dgm:spPr/>
+    </dgm:pt>
+    <dgm:pt modelId="{2A7E6A86-56C6-104F-AE08-6CBCAF892D24}" type="pres">
+      <dgm:prSet presAssocID="{A217A6B3-92B3-CF46-B8F4-D0A4B3E37BE2}" presName="childNode" presStyleLbl="node1" presStyleIdx="2" presStyleCnt="12">
+        <dgm:presLayoutVars>
+          <dgm:bulletEnabled val="1"/>
+        </dgm:presLayoutVars>
+      </dgm:prSet>
+      <dgm:spPr/>
+    </dgm:pt>
+    <dgm:pt modelId="{A706904A-A08B-9F4A-ABFD-7877D88C2F31}" type="pres">
+      <dgm:prSet presAssocID="{A217A6B3-92B3-CF46-B8F4-D0A4B3E37BE2}" presName="aSpace2" presStyleCnt="0"/>
+      <dgm:spPr/>
+    </dgm:pt>
+    <dgm:pt modelId="{CB4AD1C5-D482-784D-BE3A-14B51B36A4F2}" type="pres">
+      <dgm:prSet presAssocID="{31D81C39-B085-6F45-A94B-B5DC026CF868}" presName="childNode" presStyleLbl="node1" presStyleIdx="3" presStyleCnt="12">
+        <dgm:presLayoutVars>
+          <dgm:bulletEnabled val="1"/>
+        </dgm:presLayoutVars>
+      </dgm:prSet>
+      <dgm:spPr/>
+    </dgm:pt>
+    <dgm:pt modelId="{4D4FC626-3452-BF46-B22B-F955B5386F0F}" type="pres">
+      <dgm:prSet presAssocID="{31D81C39-B085-6F45-A94B-B5DC026CF868}" presName="aSpace2" presStyleCnt="0"/>
+      <dgm:spPr/>
+    </dgm:pt>
+    <dgm:pt modelId="{0793B2CD-2043-FD48-B7BA-5C7BE3C78300}" type="pres">
+      <dgm:prSet presAssocID="{AC81D0BF-8AFD-C14F-AA34-537300231E7D}" presName="childNode" presStyleLbl="node1" presStyleIdx="4" presStyleCnt="12">
+        <dgm:presLayoutVars>
+          <dgm:bulletEnabled val="1"/>
+        </dgm:presLayoutVars>
+      </dgm:prSet>
+      <dgm:spPr/>
+    </dgm:pt>
+    <dgm:pt modelId="{9578CAE4-8DEC-2E43-BA5F-AECE8A4DEAF8}" type="pres">
+      <dgm:prSet presAssocID="{38AF21B5-4CF4-AF48-AABB-89EE5CB7ECED}" presName="aSpace" presStyleCnt="0"/>
+      <dgm:spPr/>
+    </dgm:pt>
+    <dgm:pt modelId="{5572C94E-E28E-FB44-B091-D3010B254342}" type="pres">
+      <dgm:prSet presAssocID="{2E5E8456-0230-C74F-926F-F3EDC7FB585E}" presName="compNode" presStyleCnt="0"/>
+      <dgm:spPr/>
+    </dgm:pt>
+    <dgm:pt modelId="{EF8858C2-4CAA-9142-AF04-07B8C362AA8D}" type="pres">
+      <dgm:prSet presAssocID="{2E5E8456-0230-C74F-926F-F3EDC7FB585E}" presName="aNode" presStyleLbl="bgShp" presStyleIdx="1" presStyleCnt="3"/>
+      <dgm:spPr/>
+    </dgm:pt>
+    <dgm:pt modelId="{77BEAB4E-DFD5-054A-B36A-D76D0BCDC1A4}" type="pres">
+      <dgm:prSet presAssocID="{2E5E8456-0230-C74F-926F-F3EDC7FB585E}" presName="textNode" presStyleLbl="bgShp" presStyleIdx="1" presStyleCnt="3"/>
+      <dgm:spPr/>
+    </dgm:pt>
+    <dgm:pt modelId="{502D6C9E-2093-2748-9929-576E33EB0A18}" type="pres">
+      <dgm:prSet presAssocID="{2E5E8456-0230-C74F-926F-F3EDC7FB585E}" presName="compChildNode" presStyleCnt="0"/>
+      <dgm:spPr/>
+    </dgm:pt>
+    <dgm:pt modelId="{60B73208-A950-AF40-A42A-FCB6895418CC}" type="pres">
+      <dgm:prSet presAssocID="{2E5E8456-0230-C74F-926F-F3EDC7FB585E}" presName="theInnerList" presStyleCnt="0"/>
+      <dgm:spPr/>
+    </dgm:pt>
+    <dgm:pt modelId="{5DB4BAC7-F892-8041-A209-6D8694773644}" type="pres">
+      <dgm:prSet presAssocID="{1CE68E0E-AF41-0642-BD08-C8231907DD7E}" presName="childNode" presStyleLbl="node1" presStyleIdx="5" presStyleCnt="12">
+        <dgm:presLayoutVars>
+          <dgm:bulletEnabled val="1"/>
+        </dgm:presLayoutVars>
+      </dgm:prSet>
+      <dgm:spPr/>
+    </dgm:pt>
+    <dgm:pt modelId="{3009BC45-893B-9E4D-A0BD-70A7A8470E8E}" type="pres">
+      <dgm:prSet presAssocID="{1CE68E0E-AF41-0642-BD08-C8231907DD7E}" presName="aSpace2" presStyleCnt="0"/>
+      <dgm:spPr/>
+    </dgm:pt>
+    <dgm:pt modelId="{C5547DB9-8F5D-F945-B334-0533604D8B1B}" type="pres">
+      <dgm:prSet presAssocID="{75C53771-A9AF-1A4F-B334-1910B3EE49AC}" presName="childNode" presStyleLbl="node1" presStyleIdx="6" presStyleCnt="12">
+        <dgm:presLayoutVars>
+          <dgm:bulletEnabled val="1"/>
+        </dgm:presLayoutVars>
+      </dgm:prSet>
+      <dgm:spPr/>
+    </dgm:pt>
+    <dgm:pt modelId="{3626C867-E1C4-3440-A094-5005DB052D6C}" type="pres">
+      <dgm:prSet presAssocID="{75C53771-A9AF-1A4F-B334-1910B3EE49AC}" presName="aSpace2" presStyleCnt="0"/>
+      <dgm:spPr/>
+    </dgm:pt>
+    <dgm:pt modelId="{9E5B40E7-4679-D74D-B1F6-9E1BDC35B603}" type="pres">
+      <dgm:prSet presAssocID="{C189379D-B2C3-B541-A5A3-2C61D9A97641}" presName="childNode" presStyleLbl="node1" presStyleIdx="7" presStyleCnt="12">
+        <dgm:presLayoutVars>
+          <dgm:bulletEnabled val="1"/>
+        </dgm:presLayoutVars>
+      </dgm:prSet>
+      <dgm:spPr/>
+    </dgm:pt>
+    <dgm:pt modelId="{CB286983-E06B-6648-8492-F267302258AE}" type="pres">
+      <dgm:prSet presAssocID="{C189379D-B2C3-B541-A5A3-2C61D9A97641}" presName="aSpace2" presStyleCnt="0"/>
+      <dgm:spPr/>
+    </dgm:pt>
+    <dgm:pt modelId="{94BFBCF3-F4F7-194C-B2D6-710EE1C5E560}" type="pres">
+      <dgm:prSet presAssocID="{BAAB5F4A-D9C2-DE41-B122-0688AABA273C}" presName="childNode" presStyleLbl="node1" presStyleIdx="8" presStyleCnt="12">
+        <dgm:presLayoutVars>
+          <dgm:bulletEnabled val="1"/>
+        </dgm:presLayoutVars>
+      </dgm:prSet>
+      <dgm:spPr/>
+    </dgm:pt>
+    <dgm:pt modelId="{77502DF6-468F-AF43-B458-8E471E124AA0}" type="pres">
+      <dgm:prSet presAssocID="{BAAB5F4A-D9C2-DE41-B122-0688AABA273C}" presName="aSpace2" presStyleCnt="0"/>
+      <dgm:spPr/>
+    </dgm:pt>
+    <dgm:pt modelId="{0B8A2DDF-A60A-084D-A14A-F44917CDC45B}" type="pres">
+      <dgm:prSet presAssocID="{441DDBD1-852B-3B40-9BC7-43284B399A7A}" presName="childNode" presStyleLbl="node1" presStyleIdx="9" presStyleCnt="12">
+        <dgm:presLayoutVars>
+          <dgm:bulletEnabled val="1"/>
+        </dgm:presLayoutVars>
+      </dgm:prSet>
+      <dgm:spPr/>
+    </dgm:pt>
+    <dgm:pt modelId="{817FFDF0-DCF4-2141-A50A-4F9D4B65F086}" type="pres">
+      <dgm:prSet presAssocID="{441DDBD1-852B-3B40-9BC7-43284B399A7A}" presName="aSpace2" presStyleCnt="0"/>
+      <dgm:spPr/>
+    </dgm:pt>
+    <dgm:pt modelId="{69C71874-5FFF-C646-883F-E546241E04B2}" type="pres">
+      <dgm:prSet presAssocID="{6F3AC786-F335-1D48-8F85-9E22AE25BF17}" presName="childNode" presStyleLbl="node1" presStyleIdx="10" presStyleCnt="12">
+        <dgm:presLayoutVars>
+          <dgm:bulletEnabled val="1"/>
+        </dgm:presLayoutVars>
+      </dgm:prSet>
+      <dgm:spPr/>
+    </dgm:pt>
+    <dgm:pt modelId="{8A59D9A2-F411-BE4A-AFE1-D26AF7AA46E6}" type="pres">
+      <dgm:prSet presAssocID="{2E5E8456-0230-C74F-926F-F3EDC7FB585E}" presName="aSpace" presStyleCnt="0"/>
+      <dgm:spPr/>
+    </dgm:pt>
+    <dgm:pt modelId="{D9979F70-5E21-0942-BFAC-D3B7807C386E}" type="pres">
+      <dgm:prSet presAssocID="{45DF81CB-56F0-1342-9ED6-C8DE57E26E55}" presName="compNode" presStyleCnt="0"/>
+      <dgm:spPr/>
+    </dgm:pt>
+    <dgm:pt modelId="{75AB9DEF-41F5-DA4F-8957-17F2DF60F7F9}" type="pres">
+      <dgm:prSet presAssocID="{45DF81CB-56F0-1342-9ED6-C8DE57E26E55}" presName="aNode" presStyleLbl="bgShp" presStyleIdx="2" presStyleCnt="3"/>
+      <dgm:spPr/>
+    </dgm:pt>
+    <dgm:pt modelId="{E8C15C72-6D0C-F84F-BA16-E8290B883B5B}" type="pres">
+      <dgm:prSet presAssocID="{45DF81CB-56F0-1342-9ED6-C8DE57E26E55}" presName="textNode" presStyleLbl="bgShp" presStyleIdx="2" presStyleCnt="3"/>
+      <dgm:spPr/>
+    </dgm:pt>
+    <dgm:pt modelId="{98E5DC5C-57D0-574A-B6D4-096CB571A4CA}" type="pres">
+      <dgm:prSet presAssocID="{45DF81CB-56F0-1342-9ED6-C8DE57E26E55}" presName="compChildNode" presStyleCnt="0"/>
+      <dgm:spPr/>
+    </dgm:pt>
+    <dgm:pt modelId="{8D5DCA08-E9B7-7B4B-8774-8EE4317E073E}" type="pres">
+      <dgm:prSet presAssocID="{45DF81CB-56F0-1342-9ED6-C8DE57E26E55}" presName="theInnerList" presStyleCnt="0"/>
+      <dgm:spPr/>
+    </dgm:pt>
+    <dgm:pt modelId="{3420D42D-F68C-C942-AABB-7C360DF8C72D}" type="pres">
+      <dgm:prSet presAssocID="{4174BA67-530B-C44B-97EB-680F0BAE8C32}" presName="childNode" presStyleLbl="node1" presStyleIdx="11" presStyleCnt="12" custScaleX="115250" custScaleY="49441">
+        <dgm:presLayoutVars>
+          <dgm:bulletEnabled val="1"/>
+        </dgm:presLayoutVars>
+      </dgm:prSet>
+      <dgm:spPr/>
+    </dgm:pt>
+  </dgm:ptLst>
+  <dgm:cxnLst>
+    <dgm:cxn modelId="{4EF4EA0B-D947-6E49-93CC-C054033BBA8C}" srcId="{E6FD983B-0CFB-A04B-9929-AABEC00688C8}" destId="{45DF81CB-56F0-1342-9ED6-C8DE57E26E55}" srcOrd="2" destOrd="0" parTransId="{BF5A7A9B-F583-E74A-B392-27C6D3221A87}" sibTransId="{D172342A-BA11-E646-9848-8CB08DFF0E57}"/>
+    <dgm:cxn modelId="{98D6800D-CE36-E042-86BA-109E22E03C2B}" type="presOf" srcId="{E6FD983B-0CFB-A04B-9929-AABEC00688C8}" destId="{4CE4537E-71FC-7B43-8AE3-933C5F3D83FB}" srcOrd="0" destOrd="0" presId="urn:microsoft.com/office/officeart/2005/8/layout/lProcess2"/>
+    <dgm:cxn modelId="{5DC4B21A-5ACE-EF43-B961-0EFC2F229A2A}" type="presOf" srcId="{4174BA67-530B-C44B-97EB-680F0BAE8C32}" destId="{3420D42D-F68C-C942-AABB-7C360DF8C72D}" srcOrd="0" destOrd="0" presId="urn:microsoft.com/office/officeart/2005/8/layout/lProcess2"/>
+    <dgm:cxn modelId="{245F2D1B-E179-5E4B-A4B5-650B2CDC2CB6}" type="presOf" srcId="{BAAB5F4A-D9C2-DE41-B122-0688AABA273C}" destId="{94BFBCF3-F4F7-194C-B2D6-710EE1C5E560}" srcOrd="0" destOrd="0" presId="urn:microsoft.com/office/officeart/2005/8/layout/lProcess2"/>
+    <dgm:cxn modelId="{ADEA5724-DC60-3945-8FC5-BF7610B41EBB}" type="presOf" srcId="{441DDBD1-852B-3B40-9BC7-43284B399A7A}" destId="{0B8A2DDF-A60A-084D-A14A-F44917CDC45B}" srcOrd="0" destOrd="0" presId="urn:microsoft.com/office/officeart/2005/8/layout/lProcess2"/>
+    <dgm:cxn modelId="{50F5E924-0C89-C442-AE7A-713A134C782D}" type="presOf" srcId="{A217A6B3-92B3-CF46-B8F4-D0A4B3E37BE2}" destId="{2A7E6A86-56C6-104F-AE08-6CBCAF892D24}" srcOrd="0" destOrd="0" presId="urn:microsoft.com/office/officeart/2005/8/layout/lProcess2"/>
+    <dgm:cxn modelId="{EB271725-721A-A24B-843E-1EA51AE9C72E}" type="presOf" srcId="{75C53771-A9AF-1A4F-B334-1910B3EE49AC}" destId="{C5547DB9-8F5D-F945-B334-0533604D8B1B}" srcOrd="0" destOrd="0" presId="urn:microsoft.com/office/officeart/2005/8/layout/lProcess2"/>
+    <dgm:cxn modelId="{7E9E2635-93CE-5744-B30A-A6AC6ECA1A7B}" srcId="{2E5E8456-0230-C74F-926F-F3EDC7FB585E}" destId="{C189379D-B2C3-B541-A5A3-2C61D9A97641}" srcOrd="2" destOrd="0" parTransId="{D6DBC26F-EE44-E346-AF8E-CE2C02D99390}" sibTransId="{6137B607-80BD-A24A-9A39-C1A382232D81}"/>
+    <dgm:cxn modelId="{016B4235-D426-434E-8A13-E0D61DD5126D}" srcId="{38AF21B5-4CF4-AF48-AABB-89EE5CB7ECED}" destId="{A217A6B3-92B3-CF46-B8F4-D0A4B3E37BE2}" srcOrd="2" destOrd="0" parTransId="{F299D4E8-B2D4-A547-8425-D41DB37159DB}" sibTransId="{6DE4777E-36CB-B74C-93ED-195B09B3F6DF}"/>
+    <dgm:cxn modelId="{5FE7FF3A-17DD-6B44-ABB9-E29DC0B91DC1}" type="presOf" srcId="{C189379D-B2C3-B541-A5A3-2C61D9A97641}" destId="{9E5B40E7-4679-D74D-B1F6-9E1BDC35B603}" srcOrd="0" destOrd="0" presId="urn:microsoft.com/office/officeart/2005/8/layout/lProcess2"/>
+    <dgm:cxn modelId="{3CA5364C-0EE9-F24E-ADE3-78B69A588E0A}" srcId="{2E5E8456-0230-C74F-926F-F3EDC7FB585E}" destId="{BAAB5F4A-D9C2-DE41-B122-0688AABA273C}" srcOrd="3" destOrd="0" parTransId="{713D1D5A-EBE5-E347-9CFA-DCD935E3417A}" sibTransId="{21F5EF5D-299F-2447-A499-BF8327E4355E}"/>
+    <dgm:cxn modelId="{6125D24E-D6AB-1548-84CF-BFC77BFB2378}" srcId="{E6FD983B-0CFB-A04B-9929-AABEC00688C8}" destId="{2E5E8456-0230-C74F-926F-F3EDC7FB585E}" srcOrd="1" destOrd="0" parTransId="{9655DC7C-EE1B-D342-88C0-04F1CA8A6CAA}" sibTransId="{FB6016B2-C337-0945-A214-7C8E346305D1}"/>
+    <dgm:cxn modelId="{C2B00E59-CF43-5246-8A78-E2BDC1CB8DE9}" type="presOf" srcId="{45DF81CB-56F0-1342-9ED6-C8DE57E26E55}" destId="{75AB9DEF-41F5-DA4F-8957-17F2DF60F7F9}" srcOrd="0" destOrd="0" presId="urn:microsoft.com/office/officeart/2005/8/layout/lProcess2"/>
+    <dgm:cxn modelId="{23464867-1BE0-2B48-9FD4-480575B3A1CC}" type="presOf" srcId="{5D98C8E0-0D29-314E-A1EC-EF438B8C726F}" destId="{39383E05-37C3-C34A-9D0B-0BED6D1226A2}" srcOrd="0" destOrd="0" presId="urn:microsoft.com/office/officeart/2005/8/layout/lProcess2"/>
+    <dgm:cxn modelId="{4E78CE6B-642B-E145-B9C8-2D3E5094C922}" type="presOf" srcId="{38AF21B5-4CF4-AF48-AABB-89EE5CB7ECED}" destId="{CECEDB6C-8D2D-E840-A38B-94490C6A2B0F}" srcOrd="0" destOrd="0" presId="urn:microsoft.com/office/officeart/2005/8/layout/lProcess2"/>
+    <dgm:cxn modelId="{0191F073-B925-2047-B980-FC2362EB149A}" srcId="{2E5E8456-0230-C74F-926F-F3EDC7FB585E}" destId="{1CE68E0E-AF41-0642-BD08-C8231907DD7E}" srcOrd="0" destOrd="0" parTransId="{6D230984-2A18-2C42-8F26-005A2AC46B6A}" sibTransId="{6BC4151E-4B8F-0842-8823-C27B17976BB3}"/>
+    <dgm:cxn modelId="{6A75BE79-6638-1947-8DD9-1E4F63467CEC}" srcId="{38AF21B5-4CF4-AF48-AABB-89EE5CB7ECED}" destId="{31D81C39-B085-6F45-A94B-B5DC026CF868}" srcOrd="3" destOrd="0" parTransId="{C7C1EB0A-C869-1D42-8049-CF25F106A6D1}" sibTransId="{DEB0684D-65AD-D94B-85A5-728D5858D7F9}"/>
+    <dgm:cxn modelId="{CD4C187D-1E0F-BF4B-9A00-EAC387E2F291}" srcId="{38AF21B5-4CF4-AF48-AABB-89EE5CB7ECED}" destId="{5D98C8E0-0D29-314E-A1EC-EF438B8C726F}" srcOrd="1" destOrd="0" parTransId="{67DAE839-D630-9A44-B65E-CEE41DCD3438}" sibTransId="{81A0C356-E513-B64E-9EE4-8F3D3EA96DC5}"/>
+    <dgm:cxn modelId="{F9D5FA8C-1500-E64D-A09A-85731A169753}" type="presOf" srcId="{31D81C39-B085-6F45-A94B-B5DC026CF868}" destId="{CB4AD1C5-D482-784D-BE3A-14B51B36A4F2}" srcOrd="0" destOrd="0" presId="urn:microsoft.com/office/officeart/2005/8/layout/lProcess2"/>
+    <dgm:cxn modelId="{52C17C8F-1AAA-EB41-BBC6-A79C54E6B33F}" type="presOf" srcId="{38AF21B5-4CF4-AF48-AABB-89EE5CB7ECED}" destId="{6C81E4B4-7A77-F544-8D90-F6A5B9FB6537}" srcOrd="1" destOrd="0" presId="urn:microsoft.com/office/officeart/2005/8/layout/lProcess2"/>
+    <dgm:cxn modelId="{49F1D996-2FCF-A643-BCA2-768FC222CB62}" type="presOf" srcId="{6F3AC786-F335-1D48-8F85-9E22AE25BF17}" destId="{69C71874-5FFF-C646-883F-E546241E04B2}" srcOrd="0" destOrd="0" presId="urn:microsoft.com/office/officeart/2005/8/layout/lProcess2"/>
+    <dgm:cxn modelId="{5853D29F-196A-2544-9A31-F38D75940943}" srcId="{2E5E8456-0230-C74F-926F-F3EDC7FB585E}" destId="{75C53771-A9AF-1A4F-B334-1910B3EE49AC}" srcOrd="1" destOrd="0" parTransId="{49AFECD6-9CF0-1841-9653-817E3CA60C17}" sibTransId="{428CC642-9E2F-F247-9F6B-6D4FDB8DA25F}"/>
+    <dgm:cxn modelId="{C19137A0-5EC3-C841-AB1A-831FFFDF46CD}" type="presOf" srcId="{4D3B358C-44A3-CF4E-B5F4-A979D345D57F}" destId="{70F903C1-5480-6841-9178-232FF871A863}" srcOrd="0" destOrd="0" presId="urn:microsoft.com/office/officeart/2005/8/layout/lProcess2"/>
+    <dgm:cxn modelId="{106678A0-52E7-D546-AAFB-86BADF4777B5}" type="presOf" srcId="{2E5E8456-0230-C74F-926F-F3EDC7FB585E}" destId="{77BEAB4E-DFD5-054A-B36A-D76D0BCDC1A4}" srcOrd="1" destOrd="0" presId="urn:microsoft.com/office/officeart/2005/8/layout/lProcess2"/>
+    <dgm:cxn modelId="{56DCD4A0-31CB-A340-8BDB-68F9CB364737}" srcId="{E6FD983B-0CFB-A04B-9929-AABEC00688C8}" destId="{38AF21B5-4CF4-AF48-AABB-89EE5CB7ECED}" srcOrd="0" destOrd="0" parTransId="{061D24DE-630A-5045-9FB4-49E741CCBC67}" sibTransId="{F52ECA4E-A2B3-C74B-B242-F29AF4AB7F93}"/>
+    <dgm:cxn modelId="{7FD006AF-6CA8-5B4E-8AF1-C0372AB56790}" srcId="{38AF21B5-4CF4-AF48-AABB-89EE5CB7ECED}" destId="{4D3B358C-44A3-CF4E-B5F4-A979D345D57F}" srcOrd="0" destOrd="0" parTransId="{23A79EAE-4D5E-8B4A-95B7-062A9FFCAD03}" sibTransId="{385A65C9-5C61-C446-88D7-871BEC76C97D}"/>
+    <dgm:cxn modelId="{3ADD09C3-DBED-704C-91DB-3FE0EB7C4D90}" srcId="{2E5E8456-0230-C74F-926F-F3EDC7FB585E}" destId="{441DDBD1-852B-3B40-9BC7-43284B399A7A}" srcOrd="4" destOrd="0" parTransId="{6F97FFF7-5495-2D46-8AFB-C2C0CEC9A71B}" sibTransId="{27060AF0-B866-B94B-AF7A-CAF21DC5712D}"/>
+    <dgm:cxn modelId="{2E8FA0D8-DBF7-D544-8C5B-ACD35FFC91FC}" srcId="{38AF21B5-4CF4-AF48-AABB-89EE5CB7ECED}" destId="{AC81D0BF-8AFD-C14F-AA34-537300231E7D}" srcOrd="4" destOrd="0" parTransId="{665F8CD4-D08E-454C-B3EF-E3817C84C2C4}" sibTransId="{B3923153-783A-AB44-82B6-0ABC9992E430}"/>
+    <dgm:cxn modelId="{C73630DB-0DCC-F24F-BB4E-2AA18C7EBD54}" type="presOf" srcId="{45DF81CB-56F0-1342-9ED6-C8DE57E26E55}" destId="{E8C15C72-6D0C-F84F-BA16-E8290B883B5B}" srcOrd="1" destOrd="0" presId="urn:microsoft.com/office/officeart/2005/8/layout/lProcess2"/>
+    <dgm:cxn modelId="{DFDAD8DC-F386-524A-91A5-1B18F9F3EE00}" srcId="{2E5E8456-0230-C74F-926F-F3EDC7FB585E}" destId="{6F3AC786-F335-1D48-8F85-9E22AE25BF17}" srcOrd="5" destOrd="0" parTransId="{BC768904-40E7-E841-AA15-9A5283204B97}" sibTransId="{6B5440BA-4584-C940-A55C-683A19CE6464}"/>
+    <dgm:cxn modelId="{44CACBE0-2BF0-124A-A90C-3FE724D56C02}" type="presOf" srcId="{1CE68E0E-AF41-0642-BD08-C8231907DD7E}" destId="{5DB4BAC7-F892-8041-A209-6D8694773644}" srcOrd="0" destOrd="0" presId="urn:microsoft.com/office/officeart/2005/8/layout/lProcess2"/>
+    <dgm:cxn modelId="{0EB307ED-4473-C345-BD1C-FFFE8411340C}" srcId="{45DF81CB-56F0-1342-9ED6-C8DE57E26E55}" destId="{4174BA67-530B-C44B-97EB-680F0BAE8C32}" srcOrd="0" destOrd="0" parTransId="{1A7B59BC-3C3F-A141-9F35-AAF5825B65C1}" sibTransId="{5DDA0041-30A6-1246-ACDB-09185CC1AD74}"/>
+    <dgm:cxn modelId="{D24A3DF2-FAFF-224F-8CC1-51C1CF617114}" type="presOf" srcId="{2E5E8456-0230-C74F-926F-F3EDC7FB585E}" destId="{EF8858C2-4CAA-9142-AF04-07B8C362AA8D}" srcOrd="0" destOrd="0" presId="urn:microsoft.com/office/officeart/2005/8/layout/lProcess2"/>
+    <dgm:cxn modelId="{8DA8BDF8-40CE-E748-A6A0-BBFD51AB52AB}" type="presOf" srcId="{AC81D0BF-8AFD-C14F-AA34-537300231E7D}" destId="{0793B2CD-2043-FD48-B7BA-5C7BE3C78300}" srcOrd="0" destOrd="0" presId="urn:microsoft.com/office/officeart/2005/8/layout/lProcess2"/>
+    <dgm:cxn modelId="{C0100F36-97ED-5842-AEAF-201E03ABE63E}" type="presParOf" srcId="{4CE4537E-71FC-7B43-8AE3-933C5F3D83FB}" destId="{462FB53E-5710-3843-A4CD-1488F8881A66}" srcOrd="0" destOrd="0" presId="urn:microsoft.com/office/officeart/2005/8/layout/lProcess2"/>
+    <dgm:cxn modelId="{79CE113C-D64C-DD4F-A3B1-8E8A60AC4D00}" type="presParOf" srcId="{462FB53E-5710-3843-A4CD-1488F8881A66}" destId="{CECEDB6C-8D2D-E840-A38B-94490C6A2B0F}" srcOrd="0" destOrd="0" presId="urn:microsoft.com/office/officeart/2005/8/layout/lProcess2"/>
+    <dgm:cxn modelId="{3AE10B86-4CAA-F148-9CB0-7BBEB2000913}" type="presParOf" srcId="{462FB53E-5710-3843-A4CD-1488F8881A66}" destId="{6C81E4B4-7A77-F544-8D90-F6A5B9FB6537}" srcOrd="1" destOrd="0" presId="urn:microsoft.com/office/officeart/2005/8/layout/lProcess2"/>
+    <dgm:cxn modelId="{9B62BE6D-1EBA-724C-9D2C-EF6E6F7A65C4}" type="presParOf" srcId="{462FB53E-5710-3843-A4CD-1488F8881A66}" destId="{911DF2DC-E0F7-F949-B2B3-1BBB3F7F79CB}" srcOrd="2" destOrd="0" presId="urn:microsoft.com/office/officeart/2005/8/layout/lProcess2"/>
+    <dgm:cxn modelId="{F371ED57-45BA-3746-ADBA-CF861BEF9B3A}" type="presParOf" srcId="{911DF2DC-E0F7-F949-B2B3-1BBB3F7F79CB}" destId="{33EABCC5-767A-9841-AA96-526715E39EB0}" srcOrd="0" destOrd="0" presId="urn:microsoft.com/office/officeart/2005/8/layout/lProcess2"/>
+    <dgm:cxn modelId="{45E73708-9F90-B040-A626-144F5345228D}" type="presParOf" srcId="{33EABCC5-767A-9841-AA96-526715E39EB0}" destId="{70F903C1-5480-6841-9178-232FF871A863}" srcOrd="0" destOrd="0" presId="urn:microsoft.com/office/officeart/2005/8/layout/lProcess2"/>
+    <dgm:cxn modelId="{6E90EE6A-05CE-7943-9EA3-FB356FCF1F70}" type="presParOf" srcId="{33EABCC5-767A-9841-AA96-526715E39EB0}" destId="{84C7DB3D-3783-0E4E-BD2F-D1C48768DE3C}" srcOrd="1" destOrd="0" presId="urn:microsoft.com/office/officeart/2005/8/layout/lProcess2"/>
+    <dgm:cxn modelId="{1A3316B4-3C74-9C4E-9204-921EFAD56671}" type="presParOf" srcId="{33EABCC5-767A-9841-AA96-526715E39EB0}" destId="{39383E05-37C3-C34A-9D0B-0BED6D1226A2}" srcOrd="2" destOrd="0" presId="urn:microsoft.com/office/officeart/2005/8/layout/lProcess2"/>
+    <dgm:cxn modelId="{486C0CD1-2B85-DE47-954D-3A1406B711F1}" type="presParOf" srcId="{33EABCC5-767A-9841-AA96-526715E39EB0}" destId="{EE6BB756-63BC-EF4E-BDCE-07885ECBACC9}" srcOrd="3" destOrd="0" presId="urn:microsoft.com/office/officeart/2005/8/layout/lProcess2"/>
+    <dgm:cxn modelId="{E62D0923-29E3-7A4C-B739-74A11AD67DD4}" type="presParOf" srcId="{33EABCC5-767A-9841-AA96-526715E39EB0}" destId="{2A7E6A86-56C6-104F-AE08-6CBCAF892D24}" srcOrd="4" destOrd="0" presId="urn:microsoft.com/office/officeart/2005/8/layout/lProcess2"/>
+    <dgm:cxn modelId="{576992E0-33EB-5447-B1AF-0D678D6F637C}" type="presParOf" srcId="{33EABCC5-767A-9841-AA96-526715E39EB0}" destId="{A706904A-A08B-9F4A-ABFD-7877D88C2F31}" srcOrd="5" destOrd="0" presId="urn:microsoft.com/office/officeart/2005/8/layout/lProcess2"/>
+    <dgm:cxn modelId="{6C89E810-1A71-674A-AF91-F87309A309D4}" type="presParOf" srcId="{33EABCC5-767A-9841-AA96-526715E39EB0}" destId="{CB4AD1C5-D482-784D-BE3A-14B51B36A4F2}" srcOrd="6" destOrd="0" presId="urn:microsoft.com/office/officeart/2005/8/layout/lProcess2"/>
+    <dgm:cxn modelId="{84DA6E35-9ADF-7144-89FF-FC8E201DB70F}" type="presParOf" srcId="{33EABCC5-767A-9841-AA96-526715E39EB0}" destId="{4D4FC626-3452-BF46-B22B-F955B5386F0F}" srcOrd="7" destOrd="0" presId="urn:microsoft.com/office/officeart/2005/8/layout/lProcess2"/>
+    <dgm:cxn modelId="{E0573418-0ADA-A84F-8179-EBB9B1632C35}" type="presParOf" srcId="{33EABCC5-767A-9841-AA96-526715E39EB0}" destId="{0793B2CD-2043-FD48-B7BA-5C7BE3C78300}" srcOrd="8" destOrd="0" presId="urn:microsoft.com/office/officeart/2005/8/layout/lProcess2"/>
+    <dgm:cxn modelId="{47889164-9906-3940-95A2-6CC216F922C2}" type="presParOf" srcId="{4CE4537E-71FC-7B43-8AE3-933C5F3D83FB}" destId="{9578CAE4-8DEC-2E43-BA5F-AECE8A4DEAF8}" srcOrd="1" destOrd="0" presId="urn:microsoft.com/office/officeart/2005/8/layout/lProcess2"/>
+    <dgm:cxn modelId="{CF2B99DF-7752-5647-9DC0-C25080B8C9D3}" type="presParOf" srcId="{4CE4537E-71FC-7B43-8AE3-933C5F3D83FB}" destId="{5572C94E-E28E-FB44-B091-D3010B254342}" srcOrd="2" destOrd="0" presId="urn:microsoft.com/office/officeart/2005/8/layout/lProcess2"/>
+    <dgm:cxn modelId="{F958D7EA-7473-4C46-93C8-704700645191}" type="presParOf" srcId="{5572C94E-E28E-FB44-B091-D3010B254342}" destId="{EF8858C2-4CAA-9142-AF04-07B8C362AA8D}" srcOrd="0" destOrd="0" presId="urn:microsoft.com/office/officeart/2005/8/layout/lProcess2"/>
+    <dgm:cxn modelId="{8D403402-203A-434B-8C06-206311B8FDE9}" type="presParOf" srcId="{5572C94E-E28E-FB44-B091-D3010B254342}" destId="{77BEAB4E-DFD5-054A-B36A-D76D0BCDC1A4}" srcOrd="1" destOrd="0" presId="urn:microsoft.com/office/officeart/2005/8/layout/lProcess2"/>
+    <dgm:cxn modelId="{6DDBAD88-90E9-D94A-92E5-4989C111152A}" type="presParOf" srcId="{5572C94E-E28E-FB44-B091-D3010B254342}" destId="{502D6C9E-2093-2748-9929-576E33EB0A18}" srcOrd="2" destOrd="0" presId="urn:microsoft.com/office/officeart/2005/8/layout/lProcess2"/>
+    <dgm:cxn modelId="{3337C9DC-A76E-ED47-B096-6B12DAD0BBB7}" type="presParOf" srcId="{502D6C9E-2093-2748-9929-576E33EB0A18}" destId="{60B73208-A950-AF40-A42A-FCB6895418CC}" srcOrd="0" destOrd="0" presId="urn:microsoft.com/office/officeart/2005/8/layout/lProcess2"/>
+    <dgm:cxn modelId="{BC0A47D4-0634-8947-9872-7E8D8EA79D47}" type="presParOf" srcId="{60B73208-A950-AF40-A42A-FCB6895418CC}" destId="{5DB4BAC7-F892-8041-A209-6D8694773644}" srcOrd="0" destOrd="0" presId="urn:microsoft.com/office/officeart/2005/8/layout/lProcess2"/>
+    <dgm:cxn modelId="{26C8C33B-98FC-FC40-B157-857238128225}" type="presParOf" srcId="{60B73208-A950-AF40-A42A-FCB6895418CC}" destId="{3009BC45-893B-9E4D-A0BD-70A7A8470E8E}" srcOrd="1" destOrd="0" presId="urn:microsoft.com/office/officeart/2005/8/layout/lProcess2"/>
+    <dgm:cxn modelId="{A06D3C81-C1FF-A446-BE6D-D69DC257D784}" type="presParOf" srcId="{60B73208-A950-AF40-A42A-FCB6895418CC}" destId="{C5547DB9-8F5D-F945-B334-0533604D8B1B}" srcOrd="2" destOrd="0" presId="urn:microsoft.com/office/officeart/2005/8/layout/lProcess2"/>
+    <dgm:cxn modelId="{64A62E99-BF1A-9443-825F-D347FE536EB2}" type="presParOf" srcId="{60B73208-A950-AF40-A42A-FCB6895418CC}" destId="{3626C867-E1C4-3440-A094-5005DB052D6C}" srcOrd="3" destOrd="0" presId="urn:microsoft.com/office/officeart/2005/8/layout/lProcess2"/>
+    <dgm:cxn modelId="{2D1289E5-756E-5C42-8DA7-4888ABF07EC2}" type="presParOf" srcId="{60B73208-A950-AF40-A42A-FCB6895418CC}" destId="{9E5B40E7-4679-D74D-B1F6-9E1BDC35B603}" srcOrd="4" destOrd="0" presId="urn:microsoft.com/office/officeart/2005/8/layout/lProcess2"/>
+    <dgm:cxn modelId="{345A8290-AF02-FA4D-A2EB-1CA7D5DE55FC}" type="presParOf" srcId="{60B73208-A950-AF40-A42A-FCB6895418CC}" destId="{CB286983-E06B-6648-8492-F267302258AE}" srcOrd="5" destOrd="0" presId="urn:microsoft.com/office/officeart/2005/8/layout/lProcess2"/>
+    <dgm:cxn modelId="{616C2849-EDF9-F145-89FE-452C483FA576}" type="presParOf" srcId="{60B73208-A950-AF40-A42A-FCB6895418CC}" destId="{94BFBCF3-F4F7-194C-B2D6-710EE1C5E560}" srcOrd="6" destOrd="0" presId="urn:microsoft.com/office/officeart/2005/8/layout/lProcess2"/>
+    <dgm:cxn modelId="{3837313B-941C-8143-9517-1515892022E2}" type="presParOf" srcId="{60B73208-A950-AF40-A42A-FCB6895418CC}" destId="{77502DF6-468F-AF43-B458-8E471E124AA0}" srcOrd="7" destOrd="0" presId="urn:microsoft.com/office/officeart/2005/8/layout/lProcess2"/>
+    <dgm:cxn modelId="{4638CF0F-5E78-FC46-AE71-C6F3E3843B31}" type="presParOf" srcId="{60B73208-A950-AF40-A42A-FCB6895418CC}" destId="{0B8A2DDF-A60A-084D-A14A-F44917CDC45B}" srcOrd="8" destOrd="0" presId="urn:microsoft.com/office/officeart/2005/8/layout/lProcess2"/>
+    <dgm:cxn modelId="{BD90AE53-CA3D-3747-B657-D26499A71F94}" type="presParOf" srcId="{60B73208-A950-AF40-A42A-FCB6895418CC}" destId="{817FFDF0-DCF4-2141-A50A-4F9D4B65F086}" srcOrd="9" destOrd="0" presId="urn:microsoft.com/office/officeart/2005/8/layout/lProcess2"/>
+    <dgm:cxn modelId="{D500D652-4933-084C-85C1-6769910C2ED5}" type="presParOf" srcId="{60B73208-A950-AF40-A42A-FCB6895418CC}" destId="{69C71874-5FFF-C646-883F-E546241E04B2}" srcOrd="10" destOrd="0" presId="urn:microsoft.com/office/officeart/2005/8/layout/lProcess2"/>
+    <dgm:cxn modelId="{CABC72F1-3EE4-3F41-A387-856B99D6698F}" type="presParOf" srcId="{4CE4537E-71FC-7B43-8AE3-933C5F3D83FB}" destId="{8A59D9A2-F411-BE4A-AFE1-D26AF7AA46E6}" srcOrd="3" destOrd="0" presId="urn:microsoft.com/office/officeart/2005/8/layout/lProcess2"/>
+    <dgm:cxn modelId="{14678D90-C304-E949-BBD5-D7E4AD0C752F}" type="presParOf" srcId="{4CE4537E-71FC-7B43-8AE3-933C5F3D83FB}" destId="{D9979F70-5E21-0942-BFAC-D3B7807C386E}" srcOrd="4" destOrd="0" presId="urn:microsoft.com/office/officeart/2005/8/layout/lProcess2"/>
+    <dgm:cxn modelId="{7059079F-9DA9-4749-88BE-110E549E5627}" type="presParOf" srcId="{D9979F70-5E21-0942-BFAC-D3B7807C386E}" destId="{75AB9DEF-41F5-DA4F-8957-17F2DF60F7F9}" srcOrd="0" destOrd="0" presId="urn:microsoft.com/office/officeart/2005/8/layout/lProcess2"/>
+    <dgm:cxn modelId="{C61D01E6-DD0B-7547-A2E6-9BBA7DD04E73}" type="presParOf" srcId="{D9979F70-5E21-0942-BFAC-D3B7807C386E}" destId="{E8C15C72-6D0C-F84F-BA16-E8290B883B5B}" srcOrd="1" destOrd="0" presId="urn:microsoft.com/office/officeart/2005/8/layout/lProcess2"/>
+    <dgm:cxn modelId="{6D18E590-D0DC-EF4A-B251-F613D311EB9A}" type="presParOf" srcId="{D9979F70-5E21-0942-BFAC-D3B7807C386E}" destId="{98E5DC5C-57D0-574A-B6D4-096CB571A4CA}" srcOrd="2" destOrd="0" presId="urn:microsoft.com/office/officeart/2005/8/layout/lProcess2"/>
+    <dgm:cxn modelId="{B9CEFA8D-9718-8E49-BA73-7C0E8C4DE2CF}" type="presParOf" srcId="{98E5DC5C-57D0-574A-B6D4-096CB571A4CA}" destId="{8D5DCA08-E9B7-7B4B-8774-8EE4317E073E}" srcOrd="0" destOrd="0" presId="urn:microsoft.com/office/officeart/2005/8/layout/lProcess2"/>
+    <dgm:cxn modelId="{43F0F116-E813-C845-91FA-6948DCEE8010}" type="presParOf" srcId="{8D5DCA08-E9B7-7B4B-8774-8EE4317E073E}" destId="{3420D42D-F68C-C942-AABB-7C360DF8C72D}" srcOrd="0" destOrd="0" presId="urn:microsoft.com/office/officeart/2005/8/layout/lProcess2"/>
+  </dgm:cxnLst>
+  <dgm:bg/>
+  <dgm:whole/>
+  <dgm:extLst>
+    <a:ext uri="http://schemas.microsoft.com/office/drawing/2008/diagram">
+      <dsp:dataModelExt xmlns:dsp="http://schemas.microsoft.com/office/drawing/2008/diagram" relId="rId6" minVer="http://schemas.openxmlformats.org/drawingml/2006/diagram"/>
+    </a:ext>
+  </dgm:extLst>
+</dgm:dataModel>
+</file>
+
+<file path=ppt/diagrams/drawing1.xml><?xml version="1.0" encoding="utf-8"?>
+<dsp:drawing xmlns:dgm="http://schemas.openxmlformats.org/drawingml/2006/diagram" xmlns:dsp="http://schemas.microsoft.com/office/drawing/2008/diagram" xmlns:a="http://schemas.openxmlformats.org/drawingml/2006/main">
+  <dsp:spTree>
+    <dsp:nvGrpSpPr>
+      <dsp:cNvPr id="0" name=""/>
+      <dsp:cNvGrpSpPr/>
+    </dsp:nvGrpSpPr>
+    <dsp:grpSpPr/>
+    <dsp:sp modelId="{CECEDB6C-8D2D-E840-A38B-94490C6A2B0F}">
+      <dsp:nvSpPr>
+        <dsp:cNvPr id="0" name=""/>
+        <dsp:cNvSpPr/>
+      </dsp:nvSpPr>
+      <dsp:spPr>
+        <a:xfrm>
+          <a:off x="992" y="0"/>
+          <a:ext cx="2579687" cy="5418667"/>
+        </a:xfrm>
+        <a:prstGeom prst="roundRect">
+          <a:avLst>
+            <a:gd name="adj" fmla="val 10000"/>
+          </a:avLst>
+        </a:prstGeom>
+        <a:solidFill>
+          <a:schemeClr val="accent1">
+            <a:tint val="40000"/>
+            <a:hueOff val="0"/>
+            <a:satOff val="0"/>
+            <a:lumOff val="0"/>
+            <a:alphaOff val="0"/>
+          </a:schemeClr>
+        </a:solidFill>
+        <a:ln>
+          <a:noFill/>
+        </a:ln>
+        <a:effectLst/>
+      </dsp:spPr>
+      <dsp:style>
+        <a:lnRef idx="0">
+          <a:scrgbClr r="0" g="0" b="0"/>
+        </a:lnRef>
+        <a:fillRef idx="1">
+          <a:scrgbClr r="0" g="0" b="0"/>
+        </a:fillRef>
+        <a:effectRef idx="0">
+          <a:scrgbClr r="0" g="0" b="0"/>
+        </a:effectRef>
+        <a:fontRef idx="minor"/>
+      </dsp:style>
+      <dsp:txBody>
+        <a:bodyPr spcFirstLastPara="0" vert="horz" wrap="square" lIns="121920" tIns="121920" rIns="121920" bIns="121920" numCol="1" spcCol="1270" anchor="ctr" anchorCtr="0">
+          <a:noAutofit/>
+        </a:bodyPr>
+        <a:lstStyle/>
+        <a:p>
+          <a:pPr marL="0" lvl="0" indent="0" algn="ctr" defTabSz="1422400">
+            <a:lnSpc>
+              <a:spcPct val="90000"/>
+            </a:lnSpc>
+            <a:spcBef>
+              <a:spcPct val="0"/>
+            </a:spcBef>
+            <a:spcAft>
+              <a:spcPct val="35000"/>
+            </a:spcAft>
+            <a:buNone/>
+          </a:pPr>
+          <a:r>
+            <a:rPr lang="en-GB" sz="3200" kern="1200" dirty="0"/>
+            <a:t>Functions</a:t>
+          </a:r>
+        </a:p>
+      </dsp:txBody>
+      <dsp:txXfrm>
+        <a:off x="992" y="0"/>
+        <a:ext cx="2579687" cy="1625600"/>
+      </dsp:txXfrm>
+    </dsp:sp>
+    <dsp:sp modelId="{70F903C1-5480-6841-9178-232FF871A863}">
+      <dsp:nvSpPr>
+        <dsp:cNvPr id="0" name=""/>
+        <dsp:cNvSpPr/>
+      </dsp:nvSpPr>
+      <dsp:spPr>
+        <a:xfrm>
+          <a:off x="258960" y="1626625"/>
+          <a:ext cx="2063749" cy="626864"/>
+        </a:xfrm>
+        <a:prstGeom prst="roundRect">
+          <a:avLst>
+            <a:gd name="adj" fmla="val 10000"/>
+          </a:avLst>
+        </a:prstGeom>
+        <a:solidFill>
+          <a:schemeClr val="accent1">
+            <a:hueOff val="0"/>
+            <a:satOff val="0"/>
+            <a:lumOff val="0"/>
+            <a:alphaOff val="0"/>
+          </a:schemeClr>
+        </a:solidFill>
+        <a:ln w="12700" cap="flat" cmpd="sng" algn="ctr">
+          <a:solidFill>
+            <a:schemeClr val="lt1">
+              <a:hueOff val="0"/>
+              <a:satOff val="0"/>
+              <a:lumOff val="0"/>
+              <a:alphaOff val="0"/>
+            </a:schemeClr>
+          </a:solidFill>
+          <a:prstDash val="solid"/>
+          <a:miter lim="800000"/>
+        </a:ln>
+        <a:effectLst/>
+      </dsp:spPr>
+      <dsp:style>
+        <a:lnRef idx="2">
+          <a:scrgbClr r="0" g="0" b="0"/>
+        </a:lnRef>
+        <a:fillRef idx="1">
+          <a:scrgbClr r="0" g="0" b="0"/>
+        </a:fillRef>
+        <a:effectRef idx="0">
+          <a:scrgbClr r="0" g="0" b="0"/>
+        </a:effectRef>
+        <a:fontRef idx="minor">
+          <a:schemeClr val="lt1"/>
+        </a:fontRef>
+      </dsp:style>
+      <dsp:txBody>
+        <a:bodyPr spcFirstLastPara="0" vert="horz" wrap="square" lIns="35560" tIns="26670" rIns="35560" bIns="26670" numCol="1" spcCol="1270" anchor="ctr" anchorCtr="0">
+          <a:noAutofit/>
+        </a:bodyPr>
+        <a:lstStyle/>
+        <a:p>
+          <a:pPr marL="0" lvl="0" indent="0" algn="ctr" defTabSz="622300">
+            <a:lnSpc>
+              <a:spcPct val="90000"/>
+            </a:lnSpc>
+            <a:spcBef>
+              <a:spcPct val="0"/>
+            </a:spcBef>
+            <a:spcAft>
+              <a:spcPct val="35000"/>
+            </a:spcAft>
+            <a:buNone/>
+          </a:pPr>
+          <a:r>
+            <a:rPr lang="en-GB" sz="1400" kern="1200" dirty="0" err="1"/>
+            <a:t>eccentricity.py</a:t>
+          </a:r>
+          <a:endParaRPr lang="en-GB" sz="1400" kern="1200" dirty="0"/>
+        </a:p>
+      </dsp:txBody>
+      <dsp:txXfrm>
+        <a:off x="277320" y="1644985"/>
+        <a:ext cx="2027029" cy="590144"/>
+      </dsp:txXfrm>
+    </dsp:sp>
+    <dsp:sp modelId="{39383E05-37C3-C34A-9D0B-0BED6D1226A2}">
+      <dsp:nvSpPr>
+        <dsp:cNvPr id="0" name=""/>
+        <dsp:cNvSpPr/>
+      </dsp:nvSpPr>
+      <dsp:spPr>
+        <a:xfrm>
+          <a:off x="258960" y="2349930"/>
+          <a:ext cx="2063749" cy="626864"/>
+        </a:xfrm>
+        <a:prstGeom prst="roundRect">
+          <a:avLst>
+            <a:gd name="adj" fmla="val 10000"/>
+          </a:avLst>
+        </a:prstGeom>
+        <a:solidFill>
+          <a:schemeClr val="accent1">
+            <a:hueOff val="0"/>
+            <a:satOff val="0"/>
+            <a:lumOff val="0"/>
+            <a:alphaOff val="0"/>
+          </a:schemeClr>
+        </a:solidFill>
+        <a:ln w="12700" cap="flat" cmpd="sng" algn="ctr">
+          <a:solidFill>
+            <a:schemeClr val="lt1">
+              <a:hueOff val="0"/>
+              <a:satOff val="0"/>
+              <a:lumOff val="0"/>
+              <a:alphaOff val="0"/>
+            </a:schemeClr>
+          </a:solidFill>
+          <a:prstDash val="solid"/>
+          <a:miter lim="800000"/>
+        </a:ln>
+        <a:effectLst/>
+      </dsp:spPr>
+      <dsp:style>
+        <a:lnRef idx="2">
+          <a:scrgbClr r="0" g="0" b="0"/>
+        </a:lnRef>
+        <a:fillRef idx="1">
+          <a:scrgbClr r="0" g="0" b="0"/>
+        </a:fillRef>
+        <a:effectRef idx="0">
+          <a:scrgbClr r="0" g="0" b="0"/>
+        </a:effectRef>
+        <a:fontRef idx="minor">
+          <a:schemeClr val="lt1"/>
+        </a:fontRef>
+      </dsp:style>
+      <dsp:txBody>
+        <a:bodyPr spcFirstLastPara="0" vert="horz" wrap="square" lIns="35560" tIns="26670" rIns="35560" bIns="26670" numCol="1" spcCol="1270" anchor="ctr" anchorCtr="0">
+          <a:noAutofit/>
+        </a:bodyPr>
+        <a:lstStyle/>
+        <a:p>
+          <a:pPr marL="0" lvl="0" indent="0" algn="ctr" defTabSz="622300">
+            <a:lnSpc>
+              <a:spcPct val="90000"/>
+            </a:lnSpc>
+            <a:spcBef>
+              <a:spcPct val="0"/>
+            </a:spcBef>
+            <a:spcAft>
+              <a:spcPct val="35000"/>
+            </a:spcAft>
+            <a:buNone/>
+          </a:pPr>
+          <a:r>
+            <a:rPr lang="en-GB" sz="1400" kern="1200" dirty="0" err="1"/>
+            <a:t>bearing_capacity.py</a:t>
+          </a:r>
+          <a:endParaRPr lang="en-GB" sz="1400" kern="1200" dirty="0"/>
+        </a:p>
+      </dsp:txBody>
+      <dsp:txXfrm>
+        <a:off x="277320" y="2368290"/>
+        <a:ext cx="2027029" cy="590144"/>
+      </dsp:txXfrm>
+    </dsp:sp>
+    <dsp:sp modelId="{2A7E6A86-56C6-104F-AE08-6CBCAF892D24}">
+      <dsp:nvSpPr>
+        <dsp:cNvPr id="0" name=""/>
+        <dsp:cNvSpPr/>
+      </dsp:nvSpPr>
+      <dsp:spPr>
+        <a:xfrm>
+          <a:off x="258960" y="3073234"/>
+          <a:ext cx="2063749" cy="626864"/>
+        </a:xfrm>
+        <a:prstGeom prst="roundRect">
+          <a:avLst>
+            <a:gd name="adj" fmla="val 10000"/>
+          </a:avLst>
+        </a:prstGeom>
+        <a:solidFill>
+          <a:schemeClr val="accent1">
+            <a:hueOff val="0"/>
+            <a:satOff val="0"/>
+            <a:lumOff val="0"/>
+            <a:alphaOff val="0"/>
+          </a:schemeClr>
+        </a:solidFill>
+        <a:ln w="12700" cap="flat" cmpd="sng" algn="ctr">
+          <a:solidFill>
+            <a:schemeClr val="lt1">
+              <a:hueOff val="0"/>
+              <a:satOff val="0"/>
+              <a:lumOff val="0"/>
+              <a:alphaOff val="0"/>
+            </a:schemeClr>
+          </a:solidFill>
+          <a:prstDash val="solid"/>
+          <a:miter lim="800000"/>
+        </a:ln>
+        <a:effectLst/>
+      </dsp:spPr>
+      <dsp:style>
+        <a:lnRef idx="2">
+          <a:scrgbClr r="0" g="0" b="0"/>
+        </a:lnRef>
+        <a:fillRef idx="1">
+          <a:scrgbClr r="0" g="0" b="0"/>
+        </a:fillRef>
+        <a:effectRef idx="0">
+          <a:scrgbClr r="0" g="0" b="0"/>
+        </a:effectRef>
+        <a:fontRef idx="minor">
+          <a:schemeClr val="lt1"/>
+        </a:fontRef>
+      </dsp:style>
+      <dsp:txBody>
+        <a:bodyPr spcFirstLastPara="0" vert="horz" wrap="square" lIns="35560" tIns="26670" rIns="35560" bIns="26670" numCol="1" spcCol="1270" anchor="ctr" anchorCtr="0">
+          <a:noAutofit/>
+        </a:bodyPr>
+        <a:lstStyle/>
+        <a:p>
+          <a:pPr marL="0" lvl="0" indent="0" algn="ctr" defTabSz="622300">
+            <a:lnSpc>
+              <a:spcPct val="90000"/>
+            </a:lnSpc>
+            <a:spcBef>
+              <a:spcPct val="0"/>
+            </a:spcBef>
+            <a:spcAft>
+              <a:spcPct val="35000"/>
+            </a:spcAft>
+            <a:buNone/>
+          </a:pPr>
+          <a:r>
+            <a:rPr lang="en-GB" sz="1400" kern="1200" dirty="0" err="1"/>
+            <a:t>sliding.py</a:t>
+          </a:r>
+          <a:endParaRPr lang="en-GB" sz="1400" kern="1200" dirty="0"/>
+        </a:p>
+      </dsp:txBody>
+      <dsp:txXfrm>
+        <a:off x="277320" y="3091594"/>
+        <a:ext cx="2027029" cy="590144"/>
+      </dsp:txXfrm>
+    </dsp:sp>
+    <dsp:sp modelId="{CB4AD1C5-D482-784D-BE3A-14B51B36A4F2}">
+      <dsp:nvSpPr>
+        <dsp:cNvPr id="0" name=""/>
+        <dsp:cNvSpPr/>
+      </dsp:nvSpPr>
+      <dsp:spPr>
+        <a:xfrm>
+          <a:off x="258960" y="3796539"/>
+          <a:ext cx="2063749" cy="626864"/>
+        </a:xfrm>
+        <a:prstGeom prst="roundRect">
+          <a:avLst>
+            <a:gd name="adj" fmla="val 10000"/>
+          </a:avLst>
+        </a:prstGeom>
+        <a:solidFill>
+          <a:schemeClr val="accent1">
+            <a:hueOff val="0"/>
+            <a:satOff val="0"/>
+            <a:lumOff val="0"/>
+            <a:alphaOff val="0"/>
+          </a:schemeClr>
+        </a:solidFill>
+        <a:ln w="12700" cap="flat" cmpd="sng" algn="ctr">
+          <a:solidFill>
+            <a:schemeClr val="lt1">
+              <a:hueOff val="0"/>
+              <a:satOff val="0"/>
+              <a:lumOff val="0"/>
+              <a:alphaOff val="0"/>
+            </a:schemeClr>
+          </a:solidFill>
+          <a:prstDash val="solid"/>
+          <a:miter lim="800000"/>
+        </a:ln>
+        <a:effectLst/>
+      </dsp:spPr>
+      <dsp:style>
+        <a:lnRef idx="2">
+          <a:scrgbClr r="0" g="0" b="0"/>
+        </a:lnRef>
+        <a:fillRef idx="1">
+          <a:scrgbClr r="0" g="0" b="0"/>
+        </a:fillRef>
+        <a:effectRef idx="0">
+          <a:scrgbClr r="0" g="0" b="0"/>
+        </a:effectRef>
+        <a:fontRef idx="minor">
+          <a:schemeClr val="lt1"/>
+        </a:fontRef>
+      </dsp:style>
+      <dsp:txBody>
+        <a:bodyPr spcFirstLastPara="0" vert="horz" wrap="square" lIns="35560" tIns="26670" rIns="35560" bIns="26670" numCol="1" spcCol="1270" anchor="ctr" anchorCtr="0">
+          <a:noAutofit/>
+        </a:bodyPr>
+        <a:lstStyle/>
+        <a:p>
+          <a:pPr marL="0" lvl="0" indent="0" algn="ctr" defTabSz="622300">
+            <a:lnSpc>
+              <a:spcPct val="90000"/>
+            </a:lnSpc>
+            <a:spcBef>
+              <a:spcPct val="0"/>
+            </a:spcBef>
+            <a:spcAft>
+              <a:spcPct val="35000"/>
+            </a:spcAft>
+            <a:buNone/>
+          </a:pPr>
+          <a:r>
+            <a:rPr lang="en-GB" sz="1400" kern="1200" dirty="0" err="1"/>
+            <a:t>overturning_resistance.py</a:t>
+          </a:r>
+          <a:endParaRPr lang="en-GB" sz="1400" kern="1200" dirty="0"/>
+        </a:p>
+      </dsp:txBody>
+      <dsp:txXfrm>
+        <a:off x="277320" y="3814899"/>
+        <a:ext cx="2027029" cy="590144"/>
+      </dsp:txXfrm>
+    </dsp:sp>
+    <dsp:sp modelId="{0793B2CD-2043-FD48-B7BA-5C7BE3C78300}">
+      <dsp:nvSpPr>
+        <dsp:cNvPr id="0" name=""/>
+        <dsp:cNvSpPr/>
+      </dsp:nvSpPr>
+      <dsp:spPr>
+        <a:xfrm>
+          <a:off x="258960" y="4519844"/>
+          <a:ext cx="2063749" cy="626864"/>
+        </a:xfrm>
+        <a:prstGeom prst="roundRect">
+          <a:avLst>
+            <a:gd name="adj" fmla="val 10000"/>
+          </a:avLst>
+        </a:prstGeom>
+        <a:solidFill>
+          <a:schemeClr val="accent1">
+            <a:hueOff val="0"/>
+            <a:satOff val="0"/>
+            <a:lumOff val="0"/>
+            <a:alphaOff val="0"/>
+          </a:schemeClr>
+        </a:solidFill>
+        <a:ln w="12700" cap="flat" cmpd="sng" algn="ctr">
+          <a:solidFill>
+            <a:schemeClr val="lt1">
+              <a:hueOff val="0"/>
+              <a:satOff val="0"/>
+              <a:lumOff val="0"/>
+              <a:alphaOff val="0"/>
+            </a:schemeClr>
+          </a:solidFill>
+          <a:prstDash val="solid"/>
+          <a:miter lim="800000"/>
+        </a:ln>
+        <a:effectLst/>
+      </dsp:spPr>
+      <dsp:style>
+        <a:lnRef idx="2">
+          <a:scrgbClr r="0" g="0" b="0"/>
+        </a:lnRef>
+        <a:fillRef idx="1">
+          <a:scrgbClr r="0" g="0" b="0"/>
+        </a:fillRef>
+        <a:effectRef idx="0">
+          <a:scrgbClr r="0" g="0" b="0"/>
+        </a:effectRef>
+        <a:fontRef idx="minor">
+          <a:schemeClr val="lt1"/>
+        </a:fontRef>
+      </dsp:style>
+      <dsp:txBody>
+        <a:bodyPr spcFirstLastPara="0" vert="horz" wrap="square" lIns="35560" tIns="26670" rIns="35560" bIns="26670" numCol="1" spcCol="1270" anchor="ctr" anchorCtr="0">
+          <a:noAutofit/>
+        </a:bodyPr>
+        <a:lstStyle/>
+        <a:p>
+          <a:pPr marL="0" lvl="0" indent="0" algn="ctr" defTabSz="622300">
+            <a:lnSpc>
+              <a:spcPct val="90000"/>
+            </a:lnSpc>
+            <a:spcBef>
+              <a:spcPct val="0"/>
+            </a:spcBef>
+            <a:spcAft>
+              <a:spcPct val="35000"/>
+            </a:spcAft>
+            <a:buNone/>
+          </a:pPr>
+          <a:r>
+            <a:rPr lang="en-GB" sz="1400" kern="1200" dirty="0" err="1"/>
+            <a:t>ext_loads_func.py</a:t>
+          </a:r>
+          <a:endParaRPr lang="en-GB" sz="1400" kern="1200" dirty="0"/>
+        </a:p>
+      </dsp:txBody>
+      <dsp:txXfrm>
+        <a:off x="277320" y="4538204"/>
+        <a:ext cx="2027029" cy="590144"/>
+      </dsp:txXfrm>
+    </dsp:sp>
+    <dsp:sp modelId="{EF8858C2-4CAA-9142-AF04-07B8C362AA8D}">
+      <dsp:nvSpPr>
+        <dsp:cNvPr id="0" name=""/>
+        <dsp:cNvSpPr/>
+      </dsp:nvSpPr>
+      <dsp:spPr>
+        <a:xfrm>
+          <a:off x="2774156" y="0"/>
+          <a:ext cx="2579687" cy="5418667"/>
+        </a:xfrm>
+        <a:prstGeom prst="roundRect">
+          <a:avLst>
+            <a:gd name="adj" fmla="val 10000"/>
+          </a:avLst>
+        </a:prstGeom>
+        <a:solidFill>
+          <a:schemeClr val="accent1">
+            <a:tint val="40000"/>
+            <a:hueOff val="0"/>
+            <a:satOff val="0"/>
+            <a:lumOff val="0"/>
+            <a:alphaOff val="0"/>
+          </a:schemeClr>
+        </a:solidFill>
+        <a:ln>
+          <a:noFill/>
+        </a:ln>
+        <a:effectLst/>
+      </dsp:spPr>
+      <dsp:style>
+        <a:lnRef idx="0">
+          <a:scrgbClr r="0" g="0" b="0"/>
+        </a:lnRef>
+        <a:fillRef idx="1">
+          <a:scrgbClr r="0" g="0" b="0"/>
+        </a:fillRef>
+        <a:effectRef idx="0">
+          <a:scrgbClr r="0" g="0" b="0"/>
+        </a:effectRef>
+        <a:fontRef idx="minor"/>
+      </dsp:style>
+      <dsp:txBody>
+        <a:bodyPr spcFirstLastPara="0" vert="horz" wrap="square" lIns="121920" tIns="121920" rIns="121920" bIns="121920" numCol="1" spcCol="1270" anchor="ctr" anchorCtr="0">
+          <a:noAutofit/>
+        </a:bodyPr>
+        <a:lstStyle/>
+        <a:p>
+          <a:pPr marL="0" lvl="0" indent="0" algn="ctr" defTabSz="1422400">
+            <a:lnSpc>
+              <a:spcPct val="90000"/>
+            </a:lnSpc>
+            <a:spcBef>
+              <a:spcPct val="0"/>
+            </a:spcBef>
+            <a:spcAft>
+              <a:spcPct val="35000"/>
+            </a:spcAft>
+            <a:buNone/>
+          </a:pPr>
+          <a:r>
+            <a:rPr lang="en-GB" sz="3200" kern="1200" dirty="0"/>
+            <a:t>Objects</a:t>
+          </a:r>
+        </a:p>
+      </dsp:txBody>
+      <dsp:txXfrm>
+        <a:off x="2774156" y="0"/>
+        <a:ext cx="2579687" cy="1625600"/>
+      </dsp:txXfrm>
+    </dsp:sp>
+    <dsp:sp modelId="{5DB4BAC7-F892-8041-A209-6D8694773644}">
+      <dsp:nvSpPr>
+        <dsp:cNvPr id="0" name=""/>
+        <dsp:cNvSpPr/>
+      </dsp:nvSpPr>
+      <dsp:spPr>
+        <a:xfrm>
+          <a:off x="3032125" y="1625864"/>
+          <a:ext cx="2063749" cy="520237"/>
+        </a:xfrm>
+        <a:prstGeom prst="roundRect">
+          <a:avLst>
+            <a:gd name="adj" fmla="val 10000"/>
+          </a:avLst>
+        </a:prstGeom>
+        <a:solidFill>
+          <a:schemeClr val="accent1">
+            <a:hueOff val="0"/>
+            <a:satOff val="0"/>
+            <a:lumOff val="0"/>
+            <a:alphaOff val="0"/>
+          </a:schemeClr>
+        </a:solidFill>
+        <a:ln w="12700" cap="flat" cmpd="sng" algn="ctr">
+          <a:solidFill>
+            <a:schemeClr val="lt1">
+              <a:hueOff val="0"/>
+              <a:satOff val="0"/>
+              <a:lumOff val="0"/>
+              <a:alphaOff val="0"/>
+            </a:schemeClr>
+          </a:solidFill>
+          <a:prstDash val="solid"/>
+          <a:miter lim="800000"/>
+        </a:ln>
+        <a:effectLst/>
+      </dsp:spPr>
+      <dsp:style>
+        <a:lnRef idx="2">
+          <a:scrgbClr r="0" g="0" b="0"/>
+        </a:lnRef>
+        <a:fillRef idx="1">
+          <a:scrgbClr r="0" g="0" b="0"/>
+        </a:fillRef>
+        <a:effectRef idx="0">
+          <a:scrgbClr r="0" g="0" b="0"/>
+        </a:effectRef>
+        <a:fontRef idx="minor">
+          <a:schemeClr val="lt1"/>
+        </a:fontRef>
+      </dsp:style>
+      <dsp:txBody>
+        <a:bodyPr spcFirstLastPara="0" vert="horz" wrap="square" lIns="35560" tIns="26670" rIns="35560" bIns="26670" numCol="1" spcCol="1270" anchor="ctr" anchorCtr="0">
+          <a:noAutofit/>
+        </a:bodyPr>
+        <a:lstStyle/>
+        <a:p>
+          <a:pPr marL="0" lvl="0" indent="0" algn="ctr" defTabSz="622300">
+            <a:lnSpc>
+              <a:spcPct val="90000"/>
+            </a:lnSpc>
+            <a:spcBef>
+              <a:spcPct val="0"/>
+            </a:spcBef>
+            <a:spcAft>
+              <a:spcPct val="35000"/>
+            </a:spcAft>
+            <a:buNone/>
+          </a:pPr>
+          <a:r>
+            <a:rPr lang="en-GB" sz="1400" kern="1200" dirty="0" err="1"/>
+            <a:t>drained_soil</a:t>
+          </a:r>
+          <a:endParaRPr lang="en-GB" sz="1400" kern="1200" dirty="0"/>
+        </a:p>
+      </dsp:txBody>
+      <dsp:txXfrm>
+        <a:off x="3047362" y="1641101"/>
+        <a:ext cx="2033275" cy="489763"/>
+      </dsp:txXfrm>
+    </dsp:sp>
+    <dsp:sp modelId="{C5547DB9-8F5D-F945-B334-0533604D8B1B}">
+      <dsp:nvSpPr>
+        <dsp:cNvPr id="0" name=""/>
+        <dsp:cNvSpPr/>
+      </dsp:nvSpPr>
+      <dsp:spPr>
+        <a:xfrm>
+          <a:off x="3032125" y="2226138"/>
+          <a:ext cx="2063749" cy="520237"/>
+        </a:xfrm>
+        <a:prstGeom prst="roundRect">
+          <a:avLst>
+            <a:gd name="adj" fmla="val 10000"/>
+          </a:avLst>
+        </a:prstGeom>
+        <a:solidFill>
+          <a:schemeClr val="accent1">
+            <a:hueOff val="0"/>
+            <a:satOff val="0"/>
+            <a:lumOff val="0"/>
+            <a:alphaOff val="0"/>
+          </a:schemeClr>
+        </a:solidFill>
+        <a:ln w="12700" cap="flat" cmpd="sng" algn="ctr">
+          <a:solidFill>
+            <a:schemeClr val="lt1">
+              <a:hueOff val="0"/>
+              <a:satOff val="0"/>
+              <a:lumOff val="0"/>
+              <a:alphaOff val="0"/>
+            </a:schemeClr>
+          </a:solidFill>
+          <a:prstDash val="solid"/>
+          <a:miter lim="800000"/>
+        </a:ln>
+        <a:effectLst/>
+      </dsp:spPr>
+      <dsp:style>
+        <a:lnRef idx="2">
+          <a:scrgbClr r="0" g="0" b="0"/>
+        </a:lnRef>
+        <a:fillRef idx="1">
+          <a:scrgbClr r="0" g="0" b="0"/>
+        </a:fillRef>
+        <a:effectRef idx="0">
+          <a:scrgbClr r="0" g="0" b="0"/>
+        </a:effectRef>
+        <a:fontRef idx="minor">
+          <a:schemeClr val="lt1"/>
+        </a:fontRef>
+      </dsp:style>
+      <dsp:txBody>
+        <a:bodyPr spcFirstLastPara="0" vert="horz" wrap="square" lIns="35560" tIns="26670" rIns="35560" bIns="26670" numCol="1" spcCol="1270" anchor="ctr" anchorCtr="0">
+          <a:noAutofit/>
+        </a:bodyPr>
+        <a:lstStyle/>
+        <a:p>
+          <a:pPr marL="0" lvl="0" indent="0" algn="ctr" defTabSz="622300">
+            <a:lnSpc>
+              <a:spcPct val="90000"/>
+            </a:lnSpc>
+            <a:spcBef>
+              <a:spcPct val="0"/>
+            </a:spcBef>
+            <a:spcAft>
+              <a:spcPct val="35000"/>
+            </a:spcAft>
+            <a:buNone/>
+          </a:pPr>
+          <a:r>
+            <a:rPr lang="en-GB" sz="1400" kern="1200" dirty="0" err="1"/>
+            <a:t>undrained_soil</a:t>
+          </a:r>
+          <a:endParaRPr lang="en-GB" sz="1400" kern="1200" dirty="0"/>
+        </a:p>
+      </dsp:txBody>
+      <dsp:txXfrm>
+        <a:off x="3047362" y="2241375"/>
+        <a:ext cx="2033275" cy="489763"/>
+      </dsp:txXfrm>
+    </dsp:sp>
+    <dsp:sp modelId="{9E5B40E7-4679-D74D-B1F6-9E1BDC35B603}">
+      <dsp:nvSpPr>
+        <dsp:cNvPr id="0" name=""/>
+        <dsp:cNvSpPr/>
+      </dsp:nvSpPr>
+      <dsp:spPr>
+        <a:xfrm>
+          <a:off x="3032125" y="2826411"/>
+          <a:ext cx="2063749" cy="520237"/>
+        </a:xfrm>
+        <a:prstGeom prst="roundRect">
+          <a:avLst>
+            <a:gd name="adj" fmla="val 10000"/>
+          </a:avLst>
+        </a:prstGeom>
+        <a:solidFill>
+          <a:schemeClr val="accent1">
+            <a:hueOff val="0"/>
+            <a:satOff val="0"/>
+            <a:lumOff val="0"/>
+            <a:alphaOff val="0"/>
+          </a:schemeClr>
+        </a:solidFill>
+        <a:ln w="12700" cap="flat" cmpd="sng" algn="ctr">
+          <a:solidFill>
+            <a:schemeClr val="lt1">
+              <a:hueOff val="0"/>
+              <a:satOff val="0"/>
+              <a:lumOff val="0"/>
+              <a:alphaOff val="0"/>
+            </a:schemeClr>
+          </a:solidFill>
+          <a:prstDash val="solid"/>
+          <a:miter lim="800000"/>
+        </a:ln>
+        <a:effectLst/>
+      </dsp:spPr>
+      <dsp:style>
+        <a:lnRef idx="2">
+          <a:scrgbClr r="0" g="0" b="0"/>
+        </a:lnRef>
+        <a:fillRef idx="1">
+          <a:scrgbClr r="0" g="0" b="0"/>
+        </a:fillRef>
+        <a:effectRef idx="0">
+          <a:scrgbClr r="0" g="0" b="0"/>
+        </a:effectRef>
+        <a:fontRef idx="minor">
+          <a:schemeClr val="lt1"/>
+        </a:fontRef>
+      </dsp:style>
+      <dsp:txBody>
+        <a:bodyPr spcFirstLastPara="0" vert="horz" wrap="square" lIns="35560" tIns="26670" rIns="35560" bIns="26670" numCol="1" spcCol="1270" anchor="ctr" anchorCtr="0">
+          <a:noAutofit/>
+        </a:bodyPr>
+        <a:lstStyle/>
+        <a:p>
+          <a:pPr marL="0" lvl="0" indent="0" algn="ctr" defTabSz="622300">
+            <a:lnSpc>
+              <a:spcPct val="90000"/>
+            </a:lnSpc>
+            <a:spcBef>
+              <a:spcPct val="0"/>
+            </a:spcBef>
+            <a:spcAft>
+              <a:spcPct val="35000"/>
+            </a:spcAft>
+            <a:buNone/>
+          </a:pPr>
+          <a:r>
+            <a:rPr lang="en-GB" sz="1400" kern="1200" dirty="0" err="1"/>
+            <a:t>external_loads</a:t>
+          </a:r>
+          <a:endParaRPr lang="en-GB" sz="1400" kern="1200" dirty="0"/>
+        </a:p>
+      </dsp:txBody>
+      <dsp:txXfrm>
+        <a:off x="3047362" y="2841648"/>
+        <a:ext cx="2033275" cy="489763"/>
+      </dsp:txXfrm>
+    </dsp:sp>
+    <dsp:sp modelId="{94BFBCF3-F4F7-194C-B2D6-710EE1C5E560}">
+      <dsp:nvSpPr>
+        <dsp:cNvPr id="0" name=""/>
+        <dsp:cNvSpPr/>
+      </dsp:nvSpPr>
+      <dsp:spPr>
+        <a:xfrm>
+          <a:off x="3032125" y="3426685"/>
+          <a:ext cx="2063749" cy="520237"/>
+        </a:xfrm>
+        <a:prstGeom prst="roundRect">
+          <a:avLst>
+            <a:gd name="adj" fmla="val 10000"/>
+          </a:avLst>
+        </a:prstGeom>
+        <a:solidFill>
+          <a:schemeClr val="accent1">
+            <a:hueOff val="0"/>
+            <a:satOff val="0"/>
+            <a:lumOff val="0"/>
+            <a:alphaOff val="0"/>
+          </a:schemeClr>
+        </a:solidFill>
+        <a:ln w="12700" cap="flat" cmpd="sng" algn="ctr">
+          <a:solidFill>
+            <a:schemeClr val="lt1">
+              <a:hueOff val="0"/>
+              <a:satOff val="0"/>
+              <a:lumOff val="0"/>
+              <a:alphaOff val="0"/>
+            </a:schemeClr>
+          </a:solidFill>
+          <a:prstDash val="solid"/>
+          <a:miter lim="800000"/>
+        </a:ln>
+        <a:effectLst/>
+      </dsp:spPr>
+      <dsp:style>
+        <a:lnRef idx="2">
+          <a:scrgbClr r="0" g="0" b="0"/>
+        </a:lnRef>
+        <a:fillRef idx="1">
+          <a:scrgbClr r="0" g="0" b="0"/>
+        </a:fillRef>
+        <a:effectRef idx="0">
+          <a:scrgbClr r="0" g="0" b="0"/>
+        </a:effectRef>
+        <a:fontRef idx="minor">
+          <a:schemeClr val="lt1"/>
+        </a:fontRef>
+      </dsp:style>
+      <dsp:txBody>
+        <a:bodyPr spcFirstLastPara="0" vert="horz" wrap="square" lIns="35560" tIns="26670" rIns="35560" bIns="26670" numCol="1" spcCol="1270" anchor="ctr" anchorCtr="0">
+          <a:noAutofit/>
+        </a:bodyPr>
+        <a:lstStyle/>
+        <a:p>
+          <a:pPr marL="0" lvl="0" indent="0" algn="ctr" defTabSz="622300">
+            <a:lnSpc>
+              <a:spcPct val="90000"/>
+            </a:lnSpc>
+            <a:spcBef>
+              <a:spcPct val="0"/>
+            </a:spcBef>
+            <a:spcAft>
+              <a:spcPct val="35000"/>
+            </a:spcAft>
+            <a:buNone/>
+          </a:pPr>
+          <a:r>
+            <a:rPr lang="en-GB" sz="1400" kern="1200" dirty="0" err="1"/>
+            <a:t>key_calc</a:t>
+          </a:r>
+          <a:endParaRPr lang="en-GB" sz="1400" kern="1200" dirty="0"/>
+        </a:p>
+      </dsp:txBody>
+      <dsp:txXfrm>
+        <a:off x="3047362" y="3441922"/>
+        <a:ext cx="2033275" cy="489763"/>
+      </dsp:txXfrm>
+    </dsp:sp>
+    <dsp:sp modelId="{0B8A2DDF-A60A-084D-A14A-F44917CDC45B}">
+      <dsp:nvSpPr>
+        <dsp:cNvPr id="0" name=""/>
+        <dsp:cNvSpPr/>
+      </dsp:nvSpPr>
+      <dsp:spPr>
+        <a:xfrm>
+          <a:off x="3032125" y="4026958"/>
+          <a:ext cx="2063749" cy="520237"/>
+        </a:xfrm>
+        <a:prstGeom prst="roundRect">
+          <a:avLst>
+            <a:gd name="adj" fmla="val 10000"/>
+          </a:avLst>
+        </a:prstGeom>
+        <a:solidFill>
+          <a:schemeClr val="accent1">
+            <a:hueOff val="0"/>
+            <a:satOff val="0"/>
+            <a:lumOff val="0"/>
+            <a:alphaOff val="0"/>
+          </a:schemeClr>
+        </a:solidFill>
+        <a:ln w="12700" cap="flat" cmpd="sng" algn="ctr">
+          <a:solidFill>
+            <a:schemeClr val="lt1">
+              <a:hueOff val="0"/>
+              <a:satOff val="0"/>
+              <a:lumOff val="0"/>
+              <a:alphaOff val="0"/>
+            </a:schemeClr>
+          </a:solidFill>
+          <a:prstDash val="solid"/>
+          <a:miter lim="800000"/>
+        </a:ln>
+        <a:effectLst/>
+      </dsp:spPr>
+      <dsp:style>
+        <a:lnRef idx="2">
+          <a:scrgbClr r="0" g="0" b="0"/>
+        </a:lnRef>
+        <a:fillRef idx="1">
+          <a:scrgbClr r="0" g="0" b="0"/>
+        </a:fillRef>
+        <a:effectRef idx="0">
+          <a:scrgbClr r="0" g="0" b="0"/>
+        </a:effectRef>
+        <a:fontRef idx="minor">
+          <a:schemeClr val="lt1"/>
+        </a:fontRef>
+      </dsp:style>
+      <dsp:txBody>
+        <a:bodyPr spcFirstLastPara="0" vert="horz" wrap="square" lIns="35560" tIns="26670" rIns="35560" bIns="26670" numCol="1" spcCol="1270" anchor="ctr" anchorCtr="0">
+          <a:noAutofit/>
+        </a:bodyPr>
+        <a:lstStyle/>
+        <a:p>
+          <a:pPr marL="0" lvl="0" indent="0" algn="ctr" defTabSz="622300">
+            <a:lnSpc>
+              <a:spcPct val="90000"/>
+            </a:lnSpc>
+            <a:spcBef>
+              <a:spcPct val="0"/>
+            </a:spcBef>
+            <a:spcAft>
+              <a:spcPct val="35000"/>
+            </a:spcAft>
+            <a:buNone/>
+          </a:pPr>
+          <a:r>
+            <a:rPr lang="en-GB" sz="1400" kern="1200" dirty="0"/>
+            <a:t>eccentricity</a:t>
+          </a:r>
+        </a:p>
+      </dsp:txBody>
+      <dsp:txXfrm>
+        <a:off x="3047362" y="4042195"/>
+        <a:ext cx="2033275" cy="489763"/>
+      </dsp:txXfrm>
+    </dsp:sp>
+    <dsp:sp modelId="{69C71874-5FFF-C646-883F-E546241E04B2}">
+      <dsp:nvSpPr>
+        <dsp:cNvPr id="0" name=""/>
+        <dsp:cNvSpPr/>
+      </dsp:nvSpPr>
+      <dsp:spPr>
+        <a:xfrm>
+          <a:off x="3032125" y="4627232"/>
+          <a:ext cx="2063749" cy="520237"/>
+        </a:xfrm>
+        <a:prstGeom prst="roundRect">
+          <a:avLst>
+            <a:gd name="adj" fmla="val 10000"/>
+          </a:avLst>
+        </a:prstGeom>
+        <a:solidFill>
+          <a:schemeClr val="accent1">
+            <a:hueOff val="0"/>
+            <a:satOff val="0"/>
+            <a:lumOff val="0"/>
+            <a:alphaOff val="0"/>
+          </a:schemeClr>
+        </a:solidFill>
+        <a:ln w="12700" cap="flat" cmpd="sng" algn="ctr">
+          <a:solidFill>
+            <a:schemeClr val="lt1">
+              <a:hueOff val="0"/>
+              <a:satOff val="0"/>
+              <a:lumOff val="0"/>
+              <a:alphaOff val="0"/>
+            </a:schemeClr>
+          </a:solidFill>
+          <a:prstDash val="solid"/>
+          <a:miter lim="800000"/>
+        </a:ln>
+        <a:effectLst/>
+      </dsp:spPr>
+      <dsp:style>
+        <a:lnRef idx="2">
+          <a:scrgbClr r="0" g="0" b="0"/>
+        </a:lnRef>
+        <a:fillRef idx="1">
+          <a:scrgbClr r="0" g="0" b="0"/>
+        </a:fillRef>
+        <a:effectRef idx="0">
+          <a:scrgbClr r="0" g="0" b="0"/>
+        </a:effectRef>
+        <a:fontRef idx="minor">
+          <a:schemeClr val="lt1"/>
+        </a:fontRef>
+      </dsp:style>
+      <dsp:txBody>
+        <a:bodyPr spcFirstLastPara="0" vert="horz" wrap="square" lIns="35560" tIns="26670" rIns="35560" bIns="26670" numCol="1" spcCol="1270" anchor="ctr" anchorCtr="0">
+          <a:noAutofit/>
+        </a:bodyPr>
+        <a:lstStyle/>
+        <a:p>
+          <a:pPr marL="0" lvl="0" indent="0" algn="ctr" defTabSz="622300">
+            <a:lnSpc>
+              <a:spcPct val="90000"/>
+            </a:lnSpc>
+            <a:spcBef>
+              <a:spcPct val="0"/>
+            </a:spcBef>
+            <a:spcAft>
+              <a:spcPct val="35000"/>
+            </a:spcAft>
+            <a:buNone/>
+          </a:pPr>
+          <a:r>
+            <a:rPr lang="en-GB" sz="1400" kern="1200" dirty="0" err="1"/>
+            <a:t>design_check</a:t>
+          </a:r>
+          <a:endParaRPr lang="en-GB" sz="1400" kern="1200" dirty="0"/>
+        </a:p>
+      </dsp:txBody>
+      <dsp:txXfrm>
+        <a:off x="3047362" y="4642469"/>
+        <a:ext cx="2033275" cy="489763"/>
+      </dsp:txXfrm>
+    </dsp:sp>
+    <dsp:sp modelId="{75AB9DEF-41F5-DA4F-8957-17F2DF60F7F9}">
+      <dsp:nvSpPr>
+        <dsp:cNvPr id="0" name=""/>
+        <dsp:cNvSpPr/>
+      </dsp:nvSpPr>
+      <dsp:spPr>
+        <a:xfrm>
+          <a:off x="5547320" y="0"/>
+          <a:ext cx="2579687" cy="5418667"/>
+        </a:xfrm>
+        <a:prstGeom prst="roundRect">
+          <a:avLst>
+            <a:gd name="adj" fmla="val 10000"/>
+          </a:avLst>
+        </a:prstGeom>
+        <a:solidFill>
+          <a:schemeClr val="accent1">
+            <a:tint val="40000"/>
+            <a:hueOff val="0"/>
+            <a:satOff val="0"/>
+            <a:lumOff val="0"/>
+            <a:alphaOff val="0"/>
+          </a:schemeClr>
+        </a:solidFill>
+        <a:ln>
+          <a:noFill/>
+        </a:ln>
+        <a:effectLst/>
+      </dsp:spPr>
+      <dsp:style>
+        <a:lnRef idx="0">
+          <a:scrgbClr r="0" g="0" b="0"/>
+        </a:lnRef>
+        <a:fillRef idx="1">
+          <a:scrgbClr r="0" g="0" b="0"/>
+        </a:fillRef>
+        <a:effectRef idx="0">
+          <a:scrgbClr r="0" g="0" b="0"/>
+        </a:effectRef>
+        <a:fontRef idx="minor"/>
+      </dsp:style>
+      <dsp:txBody>
+        <a:bodyPr spcFirstLastPara="0" vert="horz" wrap="square" lIns="121920" tIns="121920" rIns="121920" bIns="121920" numCol="1" spcCol="1270" anchor="ctr" anchorCtr="0">
+          <a:noAutofit/>
+        </a:bodyPr>
+        <a:lstStyle/>
+        <a:p>
+          <a:pPr marL="0" lvl="0" indent="0" algn="ctr" defTabSz="1422400">
+            <a:lnSpc>
+              <a:spcPct val="90000"/>
+            </a:lnSpc>
+            <a:spcBef>
+              <a:spcPct val="0"/>
+            </a:spcBef>
+            <a:spcAft>
+              <a:spcPct val="35000"/>
+            </a:spcAft>
+            <a:buNone/>
+          </a:pPr>
+          <a:r>
+            <a:rPr lang="en-GB" sz="3200" kern="1200" dirty="0"/>
+            <a:t>Class/Module</a:t>
+          </a:r>
+        </a:p>
+      </dsp:txBody>
+      <dsp:txXfrm>
+        <a:off x="5547320" y="0"/>
+        <a:ext cx="2579687" cy="1625600"/>
+      </dsp:txXfrm>
+    </dsp:sp>
+    <dsp:sp modelId="{3420D42D-F68C-C942-AABB-7C360DF8C72D}">
+      <dsp:nvSpPr>
+        <dsp:cNvPr id="0" name=""/>
+        <dsp:cNvSpPr/>
+      </dsp:nvSpPr>
+      <dsp:spPr>
+        <a:xfrm>
+          <a:off x="5647928" y="2515977"/>
+          <a:ext cx="2378471" cy="1741378"/>
+        </a:xfrm>
+        <a:prstGeom prst="roundRect">
+          <a:avLst>
+            <a:gd name="adj" fmla="val 10000"/>
+          </a:avLst>
+        </a:prstGeom>
+        <a:solidFill>
+          <a:schemeClr val="accent1">
+            <a:hueOff val="0"/>
+            <a:satOff val="0"/>
+            <a:lumOff val="0"/>
+            <a:alphaOff val="0"/>
+          </a:schemeClr>
+        </a:solidFill>
+        <a:ln w="12700" cap="flat" cmpd="sng" algn="ctr">
+          <a:solidFill>
+            <a:schemeClr val="lt1">
+              <a:hueOff val="0"/>
+              <a:satOff val="0"/>
+              <a:lumOff val="0"/>
+              <a:alphaOff val="0"/>
+            </a:schemeClr>
+          </a:solidFill>
+          <a:prstDash val="solid"/>
+          <a:miter lim="800000"/>
+        </a:ln>
+        <a:effectLst/>
+      </dsp:spPr>
+      <dsp:style>
+        <a:lnRef idx="2">
+          <a:scrgbClr r="0" g="0" b="0"/>
+        </a:lnRef>
+        <a:fillRef idx="1">
+          <a:scrgbClr r="0" g="0" b="0"/>
+        </a:fillRef>
+        <a:effectRef idx="0">
+          <a:scrgbClr r="0" g="0" b="0"/>
+        </a:effectRef>
+        <a:fontRef idx="minor">
+          <a:schemeClr val="lt1"/>
+        </a:fontRef>
+      </dsp:style>
+      <dsp:txBody>
+        <a:bodyPr spcFirstLastPara="0" vert="horz" wrap="square" lIns="35560" tIns="26670" rIns="35560" bIns="26670" numCol="1" spcCol="1270" anchor="ctr" anchorCtr="0">
+          <a:noAutofit/>
+        </a:bodyPr>
+        <a:lstStyle/>
+        <a:p>
+          <a:pPr marL="0" lvl="0" indent="0" algn="ctr" defTabSz="622300">
+            <a:lnSpc>
+              <a:spcPct val="90000"/>
+            </a:lnSpc>
+            <a:spcBef>
+              <a:spcPct val="0"/>
+            </a:spcBef>
+            <a:spcAft>
+              <a:spcPct val="35000"/>
+            </a:spcAft>
+            <a:buNone/>
+          </a:pPr>
+          <a:r>
+            <a:rPr lang="en-GB" sz="1400" b="1" kern="1200" dirty="0" err="1"/>
+            <a:t>Foundation_Definition</a:t>
+          </a:r>
+          <a:r>
+            <a:rPr lang="en-GB" sz="1400" b="1" kern="1200" dirty="0"/>
+            <a:t> in </a:t>
+          </a:r>
+          <a:r>
+            <a:rPr lang="en-GB" sz="1400" b="1" kern="1200" dirty="0" err="1"/>
+            <a:t>foundation_characteristics.py</a:t>
+          </a:r>
+          <a:endParaRPr lang="en-GB" sz="1400" b="1" kern="1200" dirty="0"/>
+        </a:p>
+      </dsp:txBody>
+      <dsp:txXfrm>
+        <a:off x="5698931" y="2566980"/>
+        <a:ext cx="2276465" cy="1639372"/>
+      </dsp:txXfrm>
+    </dsp:sp>
+  </dsp:spTree>
+</dsp:drawing>
+</file>
+
+<file path=ppt/diagrams/layout1.xml><?xml version="1.0" encoding="utf-8"?>
+<dgm:layoutDef xmlns:dgm="http://schemas.openxmlformats.org/drawingml/2006/diagram" xmlns:a="http://schemas.openxmlformats.org/drawingml/2006/main" uniqueId="urn:microsoft.com/office/officeart/2005/8/layout/lProcess2">
+  <dgm:title val=""/>
+  <dgm:desc val=""/>
+  <dgm:catLst>
+    <dgm:cat type="list" pri="10000"/>
+    <dgm:cat type="relationship" pri="13000"/>
+  </dgm:catLst>
+  <dgm:sampData>
+    <dgm:dataModel>
+      <dgm:ptLst>
+        <dgm:pt modelId="0" type="doc"/>
+        <dgm:pt modelId="1">
+          <dgm:prSet phldr="1"/>
+        </dgm:pt>
+        <dgm:pt modelId="11">
+          <dgm:prSet phldr="1"/>
+        </dgm:pt>
+        <dgm:pt modelId="12">
+          <dgm:prSet phldr="1"/>
+        </dgm:pt>
+        <dgm:pt modelId="2">
+          <dgm:prSet phldr="1"/>
+        </dgm:pt>
+        <dgm:pt modelId="21">
+          <dgm:prSet phldr="1"/>
+        </dgm:pt>
+        <dgm:pt modelId="22">
+          <dgm:prSet phldr="1"/>
+        </dgm:pt>
+        <dgm:pt modelId="3">
+          <dgm:prSet phldr="1"/>
+        </dgm:pt>
+        <dgm:pt modelId="31">
+          <dgm:prSet phldr="1"/>
+        </dgm:pt>
+        <dgm:pt modelId="32">
+          <dgm:prSet phldr="1"/>
+        </dgm:pt>
+      </dgm:ptLst>
+      <dgm:cxnLst>
+        <dgm:cxn modelId="4" srcId="0" destId="1" srcOrd="0" destOrd="0"/>
+        <dgm:cxn modelId="5" srcId="0" destId="2" srcOrd="1" destOrd="0"/>
+        <dgm:cxn modelId="13" srcId="1" destId="11" srcOrd="0" destOrd="0"/>
+        <dgm:cxn modelId="14" srcId="1" destId="12" srcOrd="0" destOrd="0"/>
+        <dgm:cxn modelId="23" srcId="2" destId="21" srcOrd="0" destOrd="0"/>
+        <dgm:cxn modelId="24" srcId="2" destId="22" srcOrd="0" destOrd="0"/>
+        <dgm:cxn modelId="33" srcId="3" destId="31" srcOrd="0" destOrd="0"/>
+        <dgm:cxn modelId="34" srcId="3" destId="32" srcOrd="0" destOrd="0"/>
+      </dgm:cxnLst>
+      <dgm:bg/>
+      <dgm:whole/>
+    </dgm:dataModel>
+  </dgm:sampData>
+  <dgm:styleData useDef="1">
+    <dgm:dataModel>
+      <dgm:ptLst/>
+      <dgm:bg/>
+      <dgm:whole/>
+    </dgm:dataModel>
+  </dgm:styleData>
+  <dgm:clrData useDef="1">
+    <dgm:dataModel>
+      <dgm:ptLst/>
+      <dgm:bg/>
+      <dgm:whole/>
+    </dgm:dataModel>
+  </dgm:clrData>
+  <dgm:layoutNode name="theList">
+    <dgm:varLst>
+      <dgm:dir/>
+      <dgm:animLvl val="lvl"/>
+      <dgm:resizeHandles val="exact"/>
+    </dgm:varLst>
+    <dgm:choose name="Name0">
+      <dgm:if name="Name1" func="var" arg="dir" op="equ" val="norm">
+        <dgm:alg type="lin"/>
+      </dgm:if>
+      <dgm:else name="Name2">
+        <dgm:alg type="lin">
+          <dgm:param type="linDir" val="fromR"/>
+        </dgm:alg>
+      </dgm:else>
+    </dgm:choose>
+    <dgm:shape xmlns:r="http://schemas.openxmlformats.org/officeDocument/2006/relationships" r:blip="">
+      <dgm:adjLst/>
+    </dgm:shape>
+    <dgm:presOf/>
+    <dgm:constrLst>
+      <dgm:constr type="w" for="ch" forName="compNode" refType="w"/>
+      <dgm:constr type="h" for="ch" forName="compNode" refType="h"/>
+      <dgm:constr type="w" for="ch" forName="aSpace" refType="w" fact="0.075"/>
+      <dgm:constr type="h" for="des" forName="aSpace2" refType="h" fact="0.1"/>
+      <dgm:constr type="primFontSz" for="des" forName="textNode" op="equ"/>
+      <dgm:constr type="primFontSz" for="des" forName="childNode" op="equ"/>
+    </dgm:constrLst>
+    <dgm:ruleLst/>
+    <dgm:forEach name="aNodeForEach" axis="ch" ptType="node">
+      <dgm:layoutNode name="compNode">
+        <dgm:alg type="composite"/>
+        <dgm:shape xmlns:r="http://schemas.openxmlformats.org/officeDocument/2006/relationships" r:blip="">
+          <dgm:adjLst/>
+        </dgm:shape>
+        <dgm:presOf/>
+        <dgm:constrLst>
+          <dgm:constr type="w" for="ch" forName="aNode" refType="w"/>
+          <dgm:constr type="h" for="ch" forName="aNode" refType="h"/>
+          <dgm:constr type="w" for="ch" forName="textNode" refType="w"/>
+          <dgm:constr type="h" for="ch" forName="textNode" refType="h" fact="0.3"/>
+          <dgm:constr type="ctrX" for="ch" forName="textNode" refType="w" fact="0.5"/>
+          <dgm:constr type="w" for="ch" forName="compChildNode" refType="w" fact="0.8"/>
+          <dgm:constr type="h" for="ch" forName="compChildNode" refType="h" fact="0.65"/>
+          <dgm:constr type="t" for="ch" forName="compChildNode" refType="h" fact="0.3"/>
+          <dgm:constr type="ctrX" for="ch" forName="compChildNode" refType="w" fact="0.5"/>
+        </dgm:constrLst>
+        <dgm:ruleLst/>
+        <dgm:layoutNode name="aNode" styleLbl="bgShp">
+          <dgm:alg type="sp"/>
+          <dgm:shape xmlns:r="http://schemas.openxmlformats.org/officeDocument/2006/relationships" type="roundRect" r:blip="">
+            <dgm:adjLst>
+              <dgm:adj idx="1" val="0.1"/>
+            </dgm:adjLst>
+          </dgm:shape>
+          <dgm:presOf axis="self"/>
+          <dgm:constrLst/>
+          <dgm:ruleLst/>
+        </dgm:layoutNode>
+        <dgm:layoutNode name="textNode" styleLbl="bgShp">
+          <dgm:alg type="tx"/>
+          <dgm:shape xmlns:r="http://schemas.openxmlformats.org/officeDocument/2006/relationships" type="rect" r:blip="" hideGeom="1">
+            <dgm:adjLst>
+              <dgm:adj idx="1" val="0.1"/>
+            </dgm:adjLst>
+          </dgm:shape>
+          <dgm:presOf axis="self"/>
+          <dgm:constrLst>
+            <dgm:constr type="primFontSz" val="65"/>
+            <dgm:constr type="lMarg" refType="primFontSz" fact="0.3"/>
+            <dgm:constr type="rMarg" refType="primFontSz" fact="0.3"/>
+            <dgm:constr type="tMarg" refType="primFontSz" fact="0.3"/>
+            <dgm:constr type="bMarg" refType="primFontSz" fact="0.3"/>
+          </dgm:constrLst>
+          <dgm:ruleLst>
+            <dgm:rule type="primFontSz" val="5" fact="NaN" max="NaN"/>
+          </dgm:ruleLst>
+        </dgm:layoutNode>
+        <dgm:layoutNode name="compChildNode">
+          <dgm:alg type="composite"/>
+          <dgm:shape xmlns:r="http://schemas.openxmlformats.org/officeDocument/2006/relationships" r:blip="">
+            <dgm:adjLst/>
+          </dgm:shape>
+          <dgm:presOf/>
+          <dgm:constrLst>
+            <dgm:constr type="w" for="des" forName="childNode" refType="w"/>
+            <dgm:constr type="h" for="des" forName="childNode" refType="h"/>
+          </dgm:constrLst>
+          <dgm:ruleLst/>
+          <dgm:layoutNode name="theInnerList">
+            <dgm:alg type="lin">
+              <dgm:param type="linDir" val="fromT"/>
+            </dgm:alg>
+            <dgm:shape xmlns:r="http://schemas.openxmlformats.org/officeDocument/2006/relationships" r:blip="">
+              <dgm:adjLst/>
+            </dgm:shape>
+            <dgm:presOf/>
+            <dgm:constrLst/>
+            <dgm:ruleLst/>
+            <dgm:forEach name="childNodeForEach" axis="ch" ptType="node">
+              <dgm:layoutNode name="childNode" styleLbl="node1">
+                <dgm:varLst>
+                  <dgm:bulletEnabled val="1"/>
+                </dgm:varLst>
+                <dgm:alg type="tx"/>
+                <dgm:shape xmlns:r="http://schemas.openxmlformats.org/officeDocument/2006/relationships" type="roundRect" r:blip="">
+                  <dgm:adjLst>
+                    <dgm:adj idx="1" val="0.1"/>
+                  </dgm:adjLst>
+                </dgm:shape>
+                <dgm:presOf axis="desOrSelf" ptType="node"/>
+                <dgm:constrLst>
+                  <dgm:constr type="primFontSz" val="65"/>
+                  <dgm:constr type="tMarg" refType="primFontSz" fact="0.15"/>
+                  <dgm:constr type="bMarg" refType="primFontSz" fact="0.15"/>
+                  <dgm:constr type="lMarg" refType="primFontSz" fact="0.2"/>
+                  <dgm:constr type="rMarg" refType="primFontSz" fact="0.2"/>
+                </dgm:constrLst>
+                <dgm:ruleLst>
+                  <dgm:rule type="primFontSz" val="5" fact="NaN" max="NaN"/>
+                </dgm:ruleLst>
+              </dgm:layoutNode>
+              <dgm:choose name="Name3">
+                <dgm:if name="Name4" axis="self" ptType="node" func="revPos" op="equ" val="1"/>
+                <dgm:else name="Name5">
+                  <dgm:layoutNode name="aSpace2">
+                    <dgm:alg type="sp"/>
+                    <dgm:shape xmlns:r="http://schemas.openxmlformats.org/officeDocument/2006/relationships" r:blip="">
+                      <dgm:adjLst/>
+                    </dgm:shape>
+                    <dgm:presOf/>
+                    <dgm:constrLst/>
+                    <dgm:ruleLst/>
+                  </dgm:layoutNode>
+                </dgm:else>
+              </dgm:choose>
+            </dgm:forEach>
+          </dgm:layoutNode>
+        </dgm:layoutNode>
+      </dgm:layoutNode>
+      <dgm:choose name="Name6">
+        <dgm:if name="Name7" axis="self" ptType="node" func="revPos" op="equ" val="1"/>
+        <dgm:else name="Name8">
+          <dgm:layoutNode name="aSpace">
+            <dgm:alg type="sp"/>
+            <dgm:shape xmlns:r="http://schemas.openxmlformats.org/officeDocument/2006/relationships" r:blip="">
+              <dgm:adjLst/>
+            </dgm:shape>
+            <dgm:presOf/>
+            <dgm:constrLst/>
+            <dgm:ruleLst/>
+          </dgm:layoutNode>
+        </dgm:else>
+      </dgm:choose>
+    </dgm:forEach>
+  </dgm:layoutNode>
+</dgm:layoutDef>
+</file>
+
+<file path=ppt/diagrams/quickStyle1.xml><?xml version="1.0" encoding="utf-8"?>
+<dgm:styleDef xmlns:dgm="http://schemas.openxmlformats.org/drawingml/2006/diagram" xmlns:a="http://schemas.openxmlformats.org/drawingml/2006/main" uniqueId="urn:microsoft.com/office/officeart/2005/8/quickstyle/simple1">
+  <dgm:title val=""/>
+  <dgm:desc val=""/>
+  <dgm:catLst>
+    <dgm:cat type="simple" pri="10100"/>
+  </dgm:catLst>
+  <dgm:scene3d>
+    <a:camera prst="orthographicFront"/>
+    <a:lightRig rig="threePt" dir="t"/>
+  </dgm:scene3d>
+  <dgm:styleLbl name="node0">
+    <dgm:scene3d>
+      <a:camera prst="orthographicFront"/>
+      <a:lightRig rig="threePt" dir="t"/>
+    </dgm:scene3d>
+    <dgm:sp3d/>
+    <dgm:txPr/>
+    <dgm:style>
+      <a:lnRef idx="2">
+        <a:scrgbClr r="0" g="0" b="0"/>
+      </a:lnRef>
+      <a:fillRef idx="1">
+        <a:scrgbClr r="0" g="0" b="0"/>
+      </a:fillRef>
+      <a:effectRef idx="0">
+        <a:scrgbClr r="0" g="0" b="0"/>
+      </a:effectRef>
+      <a:fontRef idx="minor">
+        <a:schemeClr val="lt1"/>
+      </a:fontRef>
+    </dgm:style>
+  </dgm:styleLbl>
+  <dgm:styleLbl name="lnNode1">
+    <dgm:scene3d>
+      <a:camera prst="orthographicFront"/>
+      <a:lightRig rig="threePt" dir="t"/>
+    </dgm:scene3d>
+    <dgm:sp3d/>
+    <dgm:txPr/>
+    <dgm:style>
+      <a:lnRef idx="2">
+        <a:scrgbClr r="0" g="0" b="0"/>
+      </a:lnRef>
+      <a:fillRef idx="1">
+        <a:scrgbClr r="0" g="0" b="0"/>
+      </a:fillRef>
+      <a:effectRef idx="0">
+        <a:scrgbClr r="0" g="0" b="0"/>
+      </a:effectRef>
+      <a:fontRef idx="minor">
+        <a:schemeClr val="lt1"/>
+      </a:fontRef>
+    </dgm:style>
+  </dgm:styleLbl>
+  <dgm:styleLbl name="vennNode1">
+    <dgm:scene3d>
+      <a:camera prst="orthographicFront"/>
+      <a:lightRig rig="threePt" dir="t"/>
+    </dgm:scene3d>
+    <dgm:sp3d/>
+    <dgm:txPr/>
+    <dgm:style>
+      <a:lnRef idx="2">
+        <a:scrgbClr r="0" g="0" b="0"/>
+      </a:lnRef>
+      <a:fillRef idx="1">
+        <a:scrgbClr r="0" g="0" b="0"/>
+      </a:fillRef>
+      <a:effectRef idx="0">
+        <a:scrgbClr r="0" g="0" b="0"/>
+      </a:effectRef>
+      <a:fontRef idx="minor">
+        <a:schemeClr val="tx1"/>
+      </a:fontRef>
+    </dgm:style>
+  </dgm:styleLbl>
+  <dgm:styleLbl name="alignNode1">
+    <dgm:scene3d>
+      <a:camera prst="orthographicFront"/>
+      <a:lightRig rig="threePt" dir="t"/>
+    </dgm:scene3d>
+    <dgm:sp3d/>
+    <dgm:txPr/>
+    <dgm:style>
+      <a:lnRef idx="2">
+        <a:scrgbClr r="0" g="0" b="0"/>
+      </a:lnRef>
+      <a:fillRef idx="1">
+        <a:scrgbClr r="0" g="0" b="0"/>
+      </a:fillRef>
+      <a:effectRef idx="0">
+        <a:scrgbClr r="0" g="0" b="0"/>
+      </a:effectRef>
+      <a:fontRef idx="minor">
+        <a:schemeClr val="lt1"/>
+      </a:fontRef>
+    </dgm:style>
+  </dgm:styleLbl>
+  <dgm:styleLbl name="node1">
+    <dgm:scene3d>
+      <a:camera prst="orthographicFront"/>
+      <a:lightRig rig="threePt" dir="t"/>
+    </dgm:scene3d>
+    <dgm:sp3d/>
+    <dgm:txPr/>
+    <dgm:style>
+      <a:lnRef idx="2">
+        <a:scrgbClr r="0" g="0" b="0"/>
+      </a:lnRef>
+      <a:fillRef idx="1">
+        <a:scrgbClr r="0" g="0" b="0"/>
+      </a:fillRef>
+      <a:effectRef idx="0">
+        <a:scrgbClr r="0" g="0" b="0"/>
+      </a:effectRef>
+      <a:fontRef idx="minor">
+        <a:schemeClr val="lt1"/>
+      </a:fontRef>
+    </dgm:style>
+  </dgm:styleLbl>
+  <dgm:styleLbl name="node2">
+    <dgm:scene3d>
+      <a:camera prst="orthographicFront"/>
+      <a:lightRig rig="threePt" dir="t"/>
+    </dgm:scene3d>
+    <dgm:sp3d/>
+    <dgm:txPr/>
+    <dgm:style>
+      <a:lnRef idx="2">
+        <a:scrgbClr r="0" g="0" b="0"/>
+      </a:lnRef>
+      <a:fillRef idx="1">
+        <a:scrgbClr r="0" g="0" b="0"/>
+      </a:fillRef>
+      <a:effectRef idx="0">
+        <a:scrgbClr r="0" g="0" b="0"/>
+      </a:effectRef>
+      <a:fontRef idx="minor">
+        <a:schemeClr val="lt1"/>
+      </a:fontRef>
+    </dgm:style>
+  </dgm:styleLbl>
+  <dgm:styleLbl name="node3">
+    <dgm:scene3d>
+      <a:camera prst="orthographicFront"/>
+      <a:lightRig rig="threePt" dir="t"/>
+    </dgm:scene3d>
+    <dgm:sp3d/>
+    <dgm:txPr/>
+    <dgm:style>
+      <a:lnRef idx="2">
+        <a:scrgbClr r="0" g="0" b="0"/>
+      </a:lnRef>
+      <a:fillRef idx="1">
+        <a:scrgbClr r="0" g="0" b="0"/>
+      </a:fillRef>
+      <a:effectRef idx="0">
+        <a:scrgbClr r="0" g="0" b="0"/>
+      </a:effectRef>
+      <a:fontRef idx="minor">
+        <a:schemeClr val="lt1"/>
+      </a:fontRef>
+    </dgm:style>
+  </dgm:styleLbl>
+  <dgm:styleLbl name="node4">
+    <dgm:scene3d>
+      <a:camera prst="orthographicFront"/>
+      <a:lightRig rig="threePt" dir="t"/>
+    </dgm:scene3d>
+    <dgm:sp3d/>
+    <dgm:txPr/>
+    <dgm:style>
+      <a:lnRef idx="2">
+        <a:scrgbClr r="0" g="0" b="0"/>
+      </a:lnRef>
+      <a:fillRef idx="1">
+        <a:scrgbClr r="0" g="0" b="0"/>
+      </a:fillRef>
+      <a:effectRef idx="0">
+        <a:scrgbClr r="0" g="0" b="0"/>
+      </a:effectRef>
+      <a:fontRef idx="minor">
+        <a:schemeClr val="lt1"/>
+      </a:fontRef>
+    </dgm:style>
+  </dgm:styleLbl>
+  <dgm:styleLbl name="fgImgPlace1">
+    <dgm:scene3d>
+      <a:camera prst="orthographicFront"/>
+      <a:lightRig rig="threePt" dir="t"/>
+    </dgm:scene3d>
+    <dgm:sp3d/>
+    <dgm:txPr/>
+    <dgm:style>
+      <a:lnRef idx="2">
+        <a:scrgbClr r="0" g="0" b="0"/>
+      </a:lnRef>
+      <a:fillRef idx="1">
+        <a:scrgbClr r="0" g="0" b="0"/>
+      </a:fillRef>
+      <a:effectRef idx="0">
+        <a:scrgbClr r="0" g="0" b="0"/>
+      </a:effectRef>
+      <a:fontRef idx="minor"/>
+    </dgm:style>
+  </dgm:styleLbl>
+  <dgm:styleLbl name="alignImgPlace1">
+    <dgm:scene3d>
+      <a:camera prst="orthographicFront"/>
+      <a:lightRig rig="threePt" dir="t"/>
+    </dgm:scene3d>
+    <dgm:sp3d/>
+    <dgm:txPr/>
+    <dgm:style>
+      <a:lnRef idx="2">
+        <a:scrgbClr r="0" g="0" b="0"/>
+      </a:lnRef>
+      <a:fillRef idx="1">
+        <a:scrgbClr r="0" g="0" b="0"/>
+      </a:fillRef>
+      <a:effectRef idx="0">
+        <a:scrgbClr r="0" g="0" b="0"/>
+      </a:effectRef>
+      <a:fontRef idx="minor"/>
+    </dgm:style>
+  </dgm:styleLbl>
+  <dgm:styleLbl name="bgImgPlace1">
+    <dgm:scene3d>
+      <a:camera prst="orthographicFront"/>
+      <a:lightRig rig="threePt" dir="t"/>
+    </dgm:scene3d>
+    <dgm:sp3d/>
+    <dgm:txPr/>
+    <dgm:style>
+      <a:lnRef idx="2">
+        <a:scrgbClr r="0" g="0" b="0"/>
+      </a:lnRef>
+      <a:fillRef idx="1">
+        <a:scrgbClr r="0" g="0" b="0"/>
+      </a:fillRef>
+      <a:effectRef idx="0">
+        <a:scrgbClr r="0" g="0" b="0"/>
+      </a:effectRef>
+      <a:fontRef idx="minor"/>
+    </dgm:style>
+  </dgm:styleLbl>
+  <dgm:styleLbl name="sibTrans2D1">
+    <dgm:scene3d>
+      <a:camera prst="orthographicFront"/>
+      <a:lightRig rig="threePt" dir="t"/>
+    </dgm:scene3d>
+    <dgm:sp3d/>
+    <dgm:txPr/>
+    <dgm:style>
+      <a:lnRef idx="0">
+        <a:scrgbClr r="0" g="0" b="0"/>
+      </a:lnRef>
+      <a:fillRef idx="1">
+        <a:scrgbClr r="0" g="0" b="0"/>
+      </a:fillRef>
+      <a:effectRef idx="0">
+        <a:scrgbClr r="0" g="0" b="0"/>
+      </a:effectRef>
+      <a:fontRef idx="minor">
+        <a:schemeClr val="lt1"/>
+      </a:fontRef>
+    </dgm:style>
+  </dgm:styleLbl>
+  <dgm:styleLbl name="fgSibTrans2D1">
+    <dgm:scene3d>
+      <a:camera prst="orthographicFront"/>
+      <a:lightRig rig="threePt" dir="t"/>
+    </dgm:scene3d>
+    <dgm:sp3d/>
+    <dgm:txPr/>
+    <dgm:style>
+      <a:lnRef idx="0">
+        <a:scrgbClr r="0" g="0" b="0"/>
+      </a:lnRef>
+      <a:fillRef idx="1">
+        <a:scrgbClr r="0" g="0" b="0"/>
+      </a:fillRef>
+      <a:effectRef idx="0">
+        <a:scrgbClr r="0" g="0" b="0"/>
+      </a:effectRef>
+      <a:fontRef idx="minor">
+        <a:schemeClr val="lt1"/>
+      </a:fontRef>
+    </dgm:style>
+  </dgm:styleLbl>
+  <dgm:styleLbl name="bgSibTrans2D1">
+    <dgm:scene3d>
+      <a:camera prst="orthographicFront"/>
+      <a:lightRig rig="threePt" dir="t"/>
+    </dgm:scene3d>
+    <dgm:sp3d/>
+    <dgm:txPr/>
+    <dgm:style>
+      <a:lnRef idx="0">
+        <a:scrgbClr r="0" g="0" b="0"/>
+      </a:lnRef>
+      <a:fillRef idx="1">
+        <a:scrgbClr r="0" g="0" b="0"/>
+      </a:fillRef>
+      <a:effectRef idx="0">
+        <a:scrgbClr r="0" g="0" b="0"/>
+      </a:effectRef>
+      <a:fontRef idx="minor">
+        <a:schemeClr val="lt1"/>
+      </a:fontRef>
+    </dgm:style>
+  </dgm:styleLbl>
+  <dgm:styleLbl name="sibTrans1D1">
+    <dgm:scene3d>
+      <a:camera prst="orthographicFront"/>
+      <a:lightRig rig="threePt" dir="t"/>
+    </dgm:scene3d>
+    <dgm:sp3d/>
+    <dgm:txPr/>
+    <dgm:style>
+      <a:lnRef idx="1">
+        <a:scrgbClr r="0" g="0" b="0"/>
+      </a:lnRef>
+      <a:fillRef idx="0">
+        <a:scrgbClr r="0" g="0" b="0"/>
+      </a:fillRef>
+      <a:effectRef idx="0">
+        <a:scrgbClr r="0" g="0" b="0"/>
+      </a:effectRef>
+      <a:fontRef idx="minor"/>
+    </dgm:style>
+  </dgm:styleLbl>
+  <dgm:styleLbl name="callout">
+    <dgm:scene3d>
+      <a:camera prst="orthographicFront"/>
+      <a:lightRig rig="threePt" dir="t"/>
+    </dgm:scene3d>
+    <dgm:sp3d/>
+    <dgm:txPr/>
+    <dgm:style>
+      <a:lnRef idx="2">
+        <a:scrgbClr r="0" g="0" b="0"/>
+      </a:lnRef>
+      <a:fillRef idx="1">
+        <a:scrgbClr r="0" g="0" b="0"/>
+      </a:fillRef>
+      <a:effectRef idx="0">
+        <a:scrgbClr r="0" g="0" b="0"/>
+      </a:effectRef>
+      <a:fontRef idx="minor"/>
+    </dgm:style>
+  </dgm:styleLbl>
+  <dgm:styleLbl name="asst0">
+    <dgm:scene3d>
+      <a:camera prst="orthographicFront"/>
+      <a:lightRig rig="threePt" dir="t"/>
+    </dgm:scene3d>
+    <dgm:sp3d/>
+    <dgm:txPr/>
+    <dgm:style>
+      <a:lnRef idx="2">
+        <a:scrgbClr r="0" g="0" b="0"/>
+      </a:lnRef>
+      <a:fillRef idx="1">
+        <a:scrgbClr r="0" g="0" b="0"/>
+      </a:fillRef>
+      <a:effectRef idx="0">
+        <a:scrgbClr r="0" g="0" b="0"/>
+      </a:effectRef>
+      <a:fontRef idx="minor">
+        <a:schemeClr val="lt1"/>
+      </a:fontRef>
+    </dgm:style>
+  </dgm:styleLbl>
+  <dgm:styleLbl name="asst1">
+    <dgm:scene3d>
+      <a:camera prst="orthographicFront"/>
+      <a:lightRig rig="threePt" dir="t"/>
+    </dgm:scene3d>
+    <dgm:sp3d/>
+    <dgm:txPr/>
+    <dgm:style>
+      <a:lnRef idx="2">
+        <a:scrgbClr r="0" g="0" b="0"/>
+      </a:lnRef>
+      <a:fillRef idx="1">
+        <a:scrgbClr r="0" g="0" b="0"/>
+      </a:fillRef>
+      <a:effectRef idx="0">
+        <a:scrgbClr r="0" g="0" b="0"/>
+      </a:effectRef>
+      <a:fontRef idx="minor">
+        <a:schemeClr val="lt1"/>
+      </a:fontRef>
+    </dgm:style>
+  </dgm:styleLbl>
+  <dgm:styleLbl name="asst2">
+    <dgm:scene3d>
+      <a:camera prst="orthographicFront"/>
+      <a:lightRig rig="threePt" dir="t"/>
+    </dgm:scene3d>
+    <dgm:sp3d/>
+    <dgm:txPr/>
+    <dgm:style>
+      <a:lnRef idx="2">
+        <a:scrgbClr r="0" g="0" b="0"/>
+      </a:lnRef>
+      <a:fillRef idx="1">
+        <a:scrgbClr r="0" g="0" b="0"/>
+      </a:fillRef>
+      <a:effectRef idx="0">
+        <a:scrgbClr r="0" g="0" b="0"/>
+      </a:effectRef>
+      <a:fontRef idx="minor">
+        <a:schemeClr val="lt1"/>
+      </a:fontRef>
+    </dgm:style>
+  </dgm:styleLbl>
+  <dgm:styleLbl name="asst3">
+    <dgm:scene3d>
+      <a:camera prst="orthographicFront"/>
+      <a:lightRig rig="threePt" dir="t"/>
+    </dgm:scene3d>
+    <dgm:sp3d/>
+    <dgm:txPr/>
+    <dgm:style>
+      <a:lnRef idx="2">
+        <a:scrgbClr r="0" g="0" b="0"/>
+      </a:lnRef>
+      <a:fillRef idx="1">
+        <a:scrgbClr r="0" g="0" b="0"/>
+      </a:fillRef>
+      <a:effectRef idx="0">
+        <a:scrgbClr r="0" g="0" b="0"/>
+      </a:effectRef>
+      <a:fontRef idx="minor">
+        <a:schemeClr val="lt1"/>
+      </a:fontRef>
+    </dgm:style>
+  </dgm:styleLbl>
+  <dgm:styleLbl name="asst4">
+    <dgm:scene3d>
+      <a:camera prst="orthographicFront"/>
+      <a:lightRig rig="threePt" dir="t"/>
+    </dgm:scene3d>
+    <dgm:sp3d/>
+    <dgm:txPr/>
+    <dgm:style>
+      <a:lnRef idx="2">
+        <a:scrgbClr r="0" g="0" b="0"/>
+      </a:lnRef>
+      <a:fillRef idx="1">
+        <a:scrgbClr r="0" g="0" b="0"/>
+      </a:fillRef>
+      <a:effectRef idx="0">
+        <a:scrgbClr r="0" g="0" b="0"/>
+      </a:effectRef>
+      <a:fontRef idx="minor">
+        <a:schemeClr val="lt1"/>
+      </a:fontRef>
+    </dgm:style>
+  </dgm:styleLbl>
+  <dgm:styleLbl name="parChTrans2D1">
+    <dgm:scene3d>
+      <a:camera prst="orthographicFront"/>
+      <a:lightRig rig="threePt" dir="t"/>
+    </dgm:scene3d>
+    <dgm:sp3d/>
+    <dgm:txPr/>
+    <dgm:style>
+      <a:lnRef idx="2">
+        <a:scrgbClr r="0" g="0" b="0"/>
+      </a:lnRef>
+      <a:fillRef idx="1">
+        <a:scrgbClr r="0" g="0" b="0"/>
+      </a:fillRef>
+      <a:effectRef idx="0">
+        <a:scrgbClr r="0" g="0" b="0"/>
+      </a:effectRef>
+      <a:fontRef idx="minor">
+        <a:schemeClr val="lt1"/>
+      </a:fontRef>
+    </dgm:style>
+  </dgm:styleLbl>
+  <dgm:styleLbl name="parChTrans2D2">
+    <dgm:scene3d>
+      <a:camera prst="orthographicFront"/>
+      <a:lightRig rig="threePt" dir="t"/>
+    </dgm:scene3d>
+    <dgm:sp3d/>
+    <dgm:txPr/>
+    <dgm:style>
+      <a:lnRef idx="2">
+        <a:scrgbClr r="0" g="0" b="0"/>
+      </a:lnRef>
+      <a:fillRef idx="1">
+        <a:scrgbClr r="0" g="0" b="0"/>
+      </a:fillRef>
+      <a:effectRef idx="0">
+        <a:scrgbClr r="0" g="0" b="0"/>
+      </a:effectRef>
+      <a:fontRef idx="minor">
+        <a:schemeClr val="lt1"/>
+      </a:fontRef>
+    </dgm:style>
+  </dgm:styleLbl>
+  <dgm:styleLbl name="parChTrans2D3">
+    <dgm:scene3d>
+      <a:camera prst="orthographicFront"/>
+      <a:lightRig rig="threePt" dir="t"/>
+    </dgm:scene3d>
+    <dgm:sp3d/>
+    <dgm:txPr/>
+    <dgm:style>
+      <a:lnRef idx="2">
+        <a:scrgbClr r="0" g="0" b="0"/>
+      </a:lnRef>
+      <a:fillRef idx="1">
+        <a:scrgbClr r="0" g="0" b="0"/>
+      </a:fillRef>
+      <a:effectRef idx="0">
+        <a:scrgbClr r="0" g="0" b="0"/>
+      </a:effectRef>
+      <a:fontRef idx="minor">
+        <a:schemeClr val="lt1"/>
+      </a:fontRef>
+    </dgm:style>
+  </dgm:styleLbl>
+  <dgm:styleLbl name="parChTrans2D4">
+    <dgm:scene3d>
+      <a:camera prst="orthographicFront"/>
+      <a:lightRig rig="threePt" dir="t"/>
+    </dgm:scene3d>
+    <dgm:sp3d/>
+    <dgm:txPr/>
+    <dgm:style>
+      <a:lnRef idx="2">
+        <a:scrgbClr r="0" g="0" b="0"/>
+      </a:lnRef>
+      <a:fillRef idx="1">
+        <a:scrgbClr r="0" g="0" b="0"/>
+      </a:fillRef>
+      <a:effectRef idx="0">
+        <a:scrgbClr r="0" g="0" b="0"/>
+      </a:effectRef>
+      <a:fontRef idx="minor">
+        <a:schemeClr val="lt1"/>
+      </a:fontRef>
+    </dgm:style>
+  </dgm:styleLbl>
+  <dgm:styleLbl name="parChTrans1D1">
+    <dgm:scene3d>
+      <a:camera prst="orthographicFront"/>
+      <a:lightRig rig="threePt" dir="t"/>
+    </dgm:scene3d>
+    <dgm:sp3d/>
+    <dgm:txPr/>
+    <dgm:style>
+      <a:lnRef idx="2">
+        <a:scrgbClr r="0" g="0" b="0"/>
+      </a:lnRef>
+      <a:fillRef idx="0">
+        <a:scrgbClr r="0" g="0" b="0"/>
+      </a:fillRef>
+      <a:effectRef idx="0">
+        <a:scrgbClr r="0" g="0" b="0"/>
+      </a:effectRef>
+      <a:fontRef idx="minor"/>
+    </dgm:style>
+  </dgm:styleLbl>
+  <dgm:styleLbl name="parChTrans1D2">
+    <dgm:scene3d>
+      <a:camera prst="orthographicFront"/>
+      <a:lightRig rig="threePt" dir="t"/>
+    </dgm:scene3d>
+    <dgm:sp3d/>
+    <dgm:txPr/>
+    <dgm:style>
+      <a:lnRef idx="2">
+        <a:scrgbClr r="0" g="0" b="0"/>
+      </a:lnRef>
+      <a:fillRef idx="0">
+        <a:scrgbClr r="0" g="0" b="0"/>
+      </a:fillRef>
+      <a:effectRef idx="0">
+        <a:scrgbClr r="0" g="0" b="0"/>
+      </a:effectRef>
+      <a:fontRef idx="minor"/>
+    </dgm:style>
+  </dgm:styleLbl>
+  <dgm:styleLbl name="parChTrans1D3">
+    <dgm:scene3d>
+      <a:camera prst="orthographicFront"/>
+      <a:lightRig rig="threePt" dir="t"/>
+    </dgm:scene3d>
+    <dgm:sp3d/>
+    <dgm:txPr/>
+    <dgm:style>
+      <a:lnRef idx="2">
+        <a:scrgbClr r="0" g="0" b="0"/>
+      </a:lnRef>
+      <a:fillRef idx="0">
+        <a:scrgbClr r="0" g="0" b="0"/>
+      </a:fillRef>
+      <a:effectRef idx="0">
+        <a:scrgbClr r="0" g="0" b="0"/>
+      </a:effectRef>
+      <a:fontRef idx="minor"/>
+    </dgm:style>
+  </dgm:styleLbl>
+  <dgm:styleLbl name="parChTrans1D4">
+    <dgm:scene3d>
+      <a:camera prst="orthographicFront"/>
+      <a:lightRig rig="threePt" dir="t"/>
+    </dgm:scene3d>
+    <dgm:sp3d/>
+    <dgm:txPr/>
+    <dgm:style>
+      <a:lnRef idx="2">
+        <a:scrgbClr r="0" g="0" b="0"/>
+      </a:lnRef>
+      <a:fillRef idx="0">
+        <a:scrgbClr r="0" g="0" b="0"/>
+      </a:fillRef>
+      <a:effectRef idx="0">
+        <a:scrgbClr r="0" g="0" b="0"/>
+      </a:effectRef>
+      <a:fontRef idx="minor"/>
+    </dgm:style>
+  </dgm:styleLbl>
+  <dgm:styleLbl name="fgAcc1">
+    <dgm:scene3d>
+      <a:camera prst="orthographicFront"/>
+      <a:lightRig rig="threePt" dir="t"/>
+    </dgm:scene3d>
+    <dgm:sp3d/>
+    <dgm:txPr/>
+    <dgm:style>
+      <a:lnRef idx="2">
+        <a:scrgbClr r="0" g="0" b="0"/>
+      </a:lnRef>
+      <a:fillRef idx="1">
+        <a:scrgbClr r="0" g="0" b="0"/>
+      </a:fillRef>
+      <a:effectRef idx="0">
+        <a:scrgbClr r="0" g="0" b="0"/>
+      </a:effectRef>
+      <a:fontRef idx="minor"/>
+    </dgm:style>
+  </dgm:styleLbl>
+  <dgm:styleLbl name="conFgAcc1">
+    <dgm:scene3d>
+      <a:camera prst="orthographicFront"/>
+      <a:lightRig rig="threePt" dir="t"/>
+    </dgm:scene3d>
+    <dgm:sp3d/>
+    <dgm:txPr/>
+    <dgm:style>
+      <a:lnRef idx="2">
+        <a:scrgbClr r="0" g="0" b="0"/>
+      </a:lnRef>
+      <a:fillRef idx="1">
+        <a:scrgbClr r="0" g="0" b="0"/>
+      </a:fillRef>
+      <a:effectRef idx="0">
+        <a:scrgbClr r="0" g="0" b="0"/>
+      </a:effectRef>
+      <a:fontRef idx="minor"/>
+    </dgm:style>
+  </dgm:styleLbl>
+  <dgm:styleLbl name="alignAcc1">
+    <dgm:scene3d>
+      <a:camera prst="orthographicFront"/>
+      <a:lightRig rig="threePt" dir="t"/>
+    </dgm:scene3d>
+    <dgm:sp3d/>
+    <dgm:txPr/>
+    <dgm:style>
+      <a:lnRef idx="2">
+        <a:scrgbClr r="0" g="0" b="0"/>
+      </a:lnRef>
+      <a:fillRef idx="1">
+        <a:scrgbClr r="0" g="0" b="0"/>
+      </a:fillRef>
+      <a:effectRef idx="0">
+        <a:scrgbClr r="0" g="0" b="0"/>
+      </a:effectRef>
+      <a:fontRef idx="minor"/>
+    </dgm:style>
+  </dgm:styleLbl>
+  <dgm:styleLbl name="trAlignAcc1">
+    <dgm:scene3d>
+      <a:camera prst="orthographicFront"/>
+      <a:lightRig rig="threePt" dir="t"/>
+    </dgm:scene3d>
+    <dgm:sp3d/>
+    <dgm:txPr/>
+    <dgm:style>
+      <a:lnRef idx="1">
+        <a:scrgbClr r="0" g="0" b="0"/>
+      </a:lnRef>
+      <a:fillRef idx="1">
+        <a:scrgbClr r="0" g="0" b="0"/>
+      </a:fillRef>
+      <a:effectRef idx="0">
+        <a:scrgbClr r="0" g="0" b="0"/>
+      </a:effectRef>
+      <a:fontRef idx="minor"/>
+    </dgm:style>
+  </dgm:styleLbl>
+  <dgm:styleLbl name="bgAcc1">
+    <dgm:scene3d>
+      <a:camera prst="orthographicFront"/>
+      <a:lightRig rig="threePt" dir="t"/>
+    </dgm:scene3d>
+    <dgm:sp3d/>
+    <dgm:txPr/>
+    <dgm:style>
+      <a:lnRef idx="2">
+        <a:scrgbClr r="0" g="0" b="0"/>
+      </a:lnRef>
+      <a:fillRef idx="1">
+        <a:scrgbClr r="0" g="0" b="0"/>
+      </a:fillRef>
+      <a:effectRef idx="0">
+        <a:scrgbClr r="0" g="0" b="0"/>
+      </a:effectRef>
+      <a:fontRef idx="minor"/>
+    </dgm:style>
+  </dgm:styleLbl>
+  <dgm:styleLbl name="solidFgAcc1">
+    <dgm:scene3d>
+      <a:camera prst="orthographicFront"/>
+      <a:lightRig rig="threePt" dir="t"/>
+    </dgm:scene3d>
+    <dgm:sp3d/>
+    <dgm:txPr/>
+    <dgm:style>
+      <a:lnRef idx="2">
+        <a:scrgbClr r="0" g="0" b="0"/>
+      </a:lnRef>
+      <a:fillRef idx="1">
+        <a:scrgbClr r="0" g="0" b="0"/>
+      </a:fillRef>
+      <a:effectRef idx="0">
+        <a:scrgbClr r="0" g="0" b="0"/>
+      </a:effectRef>
+      <a:fontRef idx="minor"/>
+    </dgm:style>
+  </dgm:styleLbl>
+  <dgm:styleLbl name="solidAlignAcc1">
+    <dgm:scene3d>
+      <a:camera prst="orthographicFront"/>
+      <a:lightRig rig="threePt" dir="t"/>
+    </dgm:scene3d>
+    <dgm:sp3d/>
+    <dgm:txPr/>
+    <dgm:style>
+      <a:lnRef idx="2">
+        <a:scrgbClr r="0" g="0" b="0"/>
+      </a:lnRef>
+      <a:fillRef idx="1">
+        <a:scrgbClr r="0" g="0" b="0"/>
+      </a:fillRef>
+      <a:effectRef idx="0">
+        <a:scrgbClr r="0" g="0" b="0"/>
+      </a:effectRef>
+      <a:fontRef idx="minor"/>
+    </dgm:style>
+  </dgm:styleLbl>
+  <dgm:styleLbl name="solidBgAcc1">
+    <dgm:scene3d>
+      <a:camera prst="orthographicFront"/>
+      <a:lightRig rig="threePt" dir="t"/>
+    </dgm:scene3d>
+    <dgm:sp3d/>
+    <dgm:txPr/>
+    <dgm:style>
+      <a:lnRef idx="2">
+        <a:scrgbClr r="0" g="0" b="0"/>
+      </a:lnRef>
+      <a:fillRef idx="1">
+        <a:scrgbClr r="0" g="0" b="0"/>
+      </a:fillRef>
+      <a:effectRef idx="0">
+        <a:scrgbClr r="0" g="0" b="0"/>
+      </a:effectRef>
+      <a:fontRef idx="minor"/>
+    </dgm:style>
+  </dgm:styleLbl>
+  <dgm:styleLbl name="fgAccFollowNode1">
+    <dgm:scene3d>
+      <a:camera prst="orthographicFront"/>
+      <a:lightRig rig="threePt" dir="t"/>
+    </dgm:scene3d>
+    <dgm:sp3d/>
+    <dgm:txPr/>
+    <dgm:style>
+      <a:lnRef idx="2">
+        <a:scrgbClr r="0" g="0" b="0"/>
+      </a:lnRef>
+      <a:fillRef idx="1">
+        <a:scrgbClr r="0" g="0" b="0"/>
+      </a:fillRef>
+      <a:effectRef idx="0">
+        <a:scrgbClr r="0" g="0" b="0"/>
+      </a:effectRef>
+      <a:fontRef idx="minor"/>
+    </dgm:style>
+  </dgm:styleLbl>
+  <dgm:styleLbl name="alignAccFollowNode1">
+    <dgm:scene3d>
+      <a:camera prst="orthographicFront"/>
+      <a:lightRig rig="threePt" dir="t"/>
+    </dgm:scene3d>
+    <dgm:sp3d/>
+    <dgm:txPr/>
+    <dgm:style>
+      <a:lnRef idx="2">
+        <a:scrgbClr r="0" g="0" b="0"/>
+      </a:lnRef>
+      <a:fillRef idx="1">
+        <a:scrgbClr r="0" g="0" b="0"/>
+      </a:fillRef>
+      <a:effectRef idx="0">
+        <a:scrgbClr r="0" g="0" b="0"/>
+      </a:effectRef>
+      <a:fontRef idx="minor"/>
+    </dgm:style>
+  </dgm:styleLbl>
+  <dgm:styleLbl name="bgAccFollowNode1">
+    <dgm:scene3d>
+      <a:camera prst="orthographicFront"/>
+      <a:lightRig rig="threePt" dir="t"/>
+    </dgm:scene3d>
+    <dgm:sp3d/>
+    <dgm:txPr/>
+    <dgm:style>
+      <a:lnRef idx="2">
+        <a:scrgbClr r="0" g="0" b="0"/>
+      </a:lnRef>
+      <a:fillRef idx="1">
+        <a:scrgbClr r="0" g="0" b="0"/>
+      </a:fillRef>
+      <a:effectRef idx="0">
+        <a:scrgbClr r="0" g="0" b="0"/>
+      </a:effectRef>
+      <a:fontRef idx="minor"/>
+    </dgm:style>
+  </dgm:styleLbl>
+  <dgm:styleLbl name="fgAcc0">
+    <dgm:scene3d>
+      <a:camera prst="orthographicFront"/>
+      <a:lightRig rig="threePt" dir="t"/>
+    </dgm:scene3d>
+    <dgm:sp3d/>
+    <dgm:txPr/>
+    <dgm:style>
+      <a:lnRef idx="2">
+        <a:scrgbClr r="0" g="0" b="0"/>
+      </a:lnRef>
+      <a:fillRef idx="1">
+        <a:scrgbClr r="0" g="0" b="0"/>
+      </a:fillRef>
+      <a:effectRef idx="0">
+        <a:scrgbClr r="0" g="0" b="0"/>
+      </a:effectRef>
+      <a:fontRef idx="minor"/>
+    </dgm:style>
+  </dgm:styleLbl>
+  <dgm:styleLbl name="fgAcc2">
+    <dgm:scene3d>
+      <a:camera prst="orthographicFront"/>
+      <a:lightRig rig="threePt" dir="t"/>
+    </dgm:scene3d>
+    <dgm:sp3d/>
+    <dgm:txPr/>
+    <dgm:style>
+      <a:lnRef idx="2">
+        <a:scrgbClr r="0" g="0" b="0"/>
+      </a:lnRef>
+      <a:fillRef idx="1">
+        <a:scrgbClr r="0" g="0" b="0"/>
+      </a:fillRef>
+      <a:effectRef idx="0">
+        <a:scrgbClr r="0" g="0" b="0"/>
+      </a:effectRef>
+      <a:fontRef idx="minor"/>
+    </dgm:style>
+  </dgm:styleLbl>
+  <dgm:styleLbl name="fgAcc3">
+    <dgm:scene3d>
+      <a:camera prst="orthographicFront"/>
+      <a:lightRig rig="threePt" dir="t"/>
+    </dgm:scene3d>
+    <dgm:sp3d/>
+    <dgm:txPr/>
+    <dgm:style>
+      <a:lnRef idx="2">
+        <a:scrgbClr r="0" g="0" b="0"/>
+      </a:lnRef>
+      <a:fillRef idx="1">
+        <a:scrgbClr r="0" g="0" b="0"/>
+      </a:fillRef>
+      <a:effectRef idx="0">
+        <a:scrgbClr r="0" g="0" b="0"/>
+      </a:effectRef>
+      <a:fontRef idx="minor"/>
+    </dgm:style>
+  </dgm:styleLbl>
+  <dgm:styleLbl name="fgAcc4">
+    <dgm:scene3d>
+      <a:camera prst="orthographicFront"/>
+      <a:lightRig rig="threePt" dir="t"/>
+    </dgm:scene3d>
+    <dgm:sp3d/>
+    <dgm:txPr/>
+    <dgm:style>
+      <a:lnRef idx="2">
+        <a:scrgbClr r="0" g="0" b="0"/>
+      </a:lnRef>
+      <a:fillRef idx="1">
+        <a:scrgbClr r="0" g="0" b="0"/>
+      </a:fillRef>
+      <a:effectRef idx="0">
+        <a:scrgbClr r="0" g="0" b="0"/>
+      </a:effectRef>
+      <a:fontRef idx="minor"/>
+    </dgm:style>
+  </dgm:styleLbl>
+  <dgm:styleLbl name="bgShp">
+    <dgm:scene3d>
+      <a:camera prst="orthographicFront"/>
+      <a:lightRig rig="threePt" dir="t"/>
+    </dgm:scene3d>
+    <dgm:sp3d/>
+    <dgm:txPr/>
+    <dgm:style>
+      <a:lnRef idx="0">
+        <a:scrgbClr r="0" g="0" b="0"/>
+      </a:lnRef>
+      <a:fillRef idx="1">
+        <a:scrgbClr r="0" g="0" b="0"/>
+      </a:fillRef>
+      <a:effectRef idx="0">
+        <a:scrgbClr r="0" g="0" b="0"/>
+      </a:effectRef>
+      <a:fontRef idx="minor"/>
+    </dgm:style>
+  </dgm:styleLbl>
+  <dgm:styleLbl name="dkBgShp">
+    <dgm:scene3d>
+      <a:camera prst="orthographicFront"/>
+      <a:lightRig rig="threePt" dir="t"/>
+    </dgm:scene3d>
+    <dgm:sp3d/>
+    <dgm:txPr/>
+    <dgm:style>
+      <a:lnRef idx="0">
+        <a:scrgbClr r="0" g="0" b="0"/>
+      </a:lnRef>
+      <a:fillRef idx="1">
+        <a:scrgbClr r="0" g="0" b="0"/>
+      </a:fillRef>
+      <a:effectRef idx="0">
+        <a:scrgbClr r="0" g="0" b="0"/>
+      </a:effectRef>
+      <a:fontRef idx="minor"/>
+    </dgm:style>
+  </dgm:styleLbl>
+  <dgm:styleLbl name="trBgShp">
+    <dgm:scene3d>
+      <a:camera prst="orthographicFront"/>
+      <a:lightRig rig="threePt" dir="t"/>
+    </dgm:scene3d>
+    <dgm:sp3d/>
+    <dgm:txPr/>
+    <dgm:style>
+      <a:lnRef idx="0">
+        <a:scrgbClr r="0" g="0" b="0"/>
+      </a:lnRef>
+      <a:fillRef idx="1">
+        <a:scrgbClr r="0" g="0" b="0"/>
+      </a:fillRef>
+      <a:effectRef idx="0">
+        <a:scrgbClr r="0" g="0" b="0"/>
+      </a:effectRef>
+      <a:fontRef idx="minor"/>
+    </dgm:style>
+  </dgm:styleLbl>
+  <dgm:styleLbl name="fgShp">
+    <dgm:scene3d>
+      <a:camera prst="orthographicFront"/>
+      <a:lightRig rig="threePt" dir="t"/>
+    </dgm:scene3d>
+    <dgm:sp3d/>
+    <dgm:txPr/>
+    <dgm:style>
+      <a:lnRef idx="2">
+        <a:scrgbClr r="0" g="0" b="0"/>
+      </a:lnRef>
+      <a:fillRef idx="1">
+        <a:scrgbClr r="0" g="0" b="0"/>
+      </a:fillRef>
+      <a:effectRef idx="0">
+        <a:scrgbClr r="0" g="0" b="0"/>
+      </a:effectRef>
+      <a:fontRef idx="minor"/>
+    </dgm:style>
+  </dgm:styleLbl>
+  <dgm:styleLbl name="revTx">
+    <dgm:scene3d>
+      <a:camera prst="orthographicFront"/>
+      <a:lightRig rig="threePt" dir="t"/>
+    </dgm:scene3d>
+    <dgm:sp3d/>
+    <dgm:txPr/>
+    <dgm:style>
+      <a:lnRef idx="0">
+        <a:scrgbClr r="0" g="0" b="0"/>
+      </a:lnRef>
+      <a:fillRef idx="0">
+        <a:scrgbClr r="0" g="0" b="0"/>
+      </a:fillRef>
+      <a:effectRef idx="0">
+        <a:scrgbClr r="0" g="0" b="0"/>
+      </a:effectRef>
+      <a:fontRef idx="minor"/>
+    </dgm:style>
+  </dgm:styleLbl>
+</dgm:styleDef>
+</file>
+
 <file path=ppt/slideLayouts/slideLayout1.xml><?xml version="1.0" encoding="utf-8"?>
 <p:sldLayout xmlns:a="http://schemas.openxmlformats.org/drawingml/2006/main" xmlns:r="http://schemas.openxmlformats.org/officeDocument/2006/relationships" xmlns:p="http://schemas.openxmlformats.org/presentationml/2006/main" type="title" preserve="1">
   <p:cSld name="Title Slide">
@@ -262,7 +4338,7 @@
           <a:p>
             <a:fld id="{5537F0E0-F97D-E84E-8C26-955B45876BAD}" type="datetimeFigureOut">
               <a:rPr lang="en-US" smtClean="0"/>
-              <a:t>12/26/21</a:t>
+              <a:t>1/8/22</a:t>
             </a:fld>
             <a:endParaRPr lang="en-US"/>
           </a:p>
@@ -462,7 +4538,7 @@
           <a:p>
             <a:fld id="{5537F0E0-F97D-E84E-8C26-955B45876BAD}" type="datetimeFigureOut">
               <a:rPr lang="en-US" smtClean="0"/>
-              <a:t>12/26/21</a:t>
+              <a:t>1/8/22</a:t>
             </a:fld>
             <a:endParaRPr lang="en-US"/>
           </a:p>
@@ -672,7 +4748,7 @@
           <a:p>
             <a:fld id="{5537F0E0-F97D-E84E-8C26-955B45876BAD}" type="datetimeFigureOut">
               <a:rPr lang="en-US" smtClean="0"/>
-              <a:t>12/26/21</a:t>
+              <a:t>1/8/22</a:t>
             </a:fld>
             <a:endParaRPr lang="en-US"/>
           </a:p>
@@ -872,7 +4948,7 @@
           <a:p>
             <a:fld id="{5537F0E0-F97D-E84E-8C26-955B45876BAD}" type="datetimeFigureOut">
               <a:rPr lang="en-US" smtClean="0"/>
-              <a:t>12/26/21</a:t>
+              <a:t>1/8/22</a:t>
             </a:fld>
             <a:endParaRPr lang="en-US"/>
           </a:p>
@@ -1148,7 +5224,7 @@
           <a:p>
             <a:fld id="{5537F0E0-F97D-E84E-8C26-955B45876BAD}" type="datetimeFigureOut">
               <a:rPr lang="en-US" smtClean="0"/>
-              <a:t>12/26/21</a:t>
+              <a:t>1/8/22</a:t>
             </a:fld>
             <a:endParaRPr lang="en-US"/>
           </a:p>
@@ -1416,7 +5492,7 @@
           <a:p>
             <a:fld id="{5537F0E0-F97D-E84E-8C26-955B45876BAD}" type="datetimeFigureOut">
               <a:rPr lang="en-US" smtClean="0"/>
-              <a:t>12/26/21</a:t>
+              <a:t>1/8/22</a:t>
             </a:fld>
             <a:endParaRPr lang="en-US"/>
           </a:p>
@@ -1831,7 +5907,7 @@
           <a:p>
             <a:fld id="{5537F0E0-F97D-E84E-8C26-955B45876BAD}" type="datetimeFigureOut">
               <a:rPr lang="en-US" smtClean="0"/>
-              <a:t>12/26/21</a:t>
+              <a:t>1/8/22</a:t>
             </a:fld>
             <a:endParaRPr lang="en-US"/>
           </a:p>
@@ -1973,7 +6049,7 @@
           <a:p>
             <a:fld id="{5537F0E0-F97D-E84E-8C26-955B45876BAD}" type="datetimeFigureOut">
               <a:rPr lang="en-US" smtClean="0"/>
-              <a:t>12/26/21</a:t>
+              <a:t>1/8/22</a:t>
             </a:fld>
             <a:endParaRPr lang="en-US"/>
           </a:p>
@@ -2086,7 +6162,7 @@
           <a:p>
             <a:fld id="{5537F0E0-F97D-E84E-8C26-955B45876BAD}" type="datetimeFigureOut">
               <a:rPr lang="en-US" smtClean="0"/>
-              <a:t>12/26/21</a:t>
+              <a:t>1/8/22</a:t>
             </a:fld>
             <a:endParaRPr lang="en-US"/>
           </a:p>
@@ -2399,7 +6475,7 @@
           <a:p>
             <a:fld id="{5537F0E0-F97D-E84E-8C26-955B45876BAD}" type="datetimeFigureOut">
               <a:rPr lang="en-US" smtClean="0"/>
-              <a:t>12/26/21</a:t>
+              <a:t>1/8/22</a:t>
             </a:fld>
             <a:endParaRPr lang="en-US"/>
           </a:p>
@@ -2688,7 +6764,7 @@
           <a:p>
             <a:fld id="{5537F0E0-F97D-E84E-8C26-955B45876BAD}" type="datetimeFigureOut">
               <a:rPr lang="en-US" smtClean="0"/>
-              <a:t>12/26/21</a:t>
+              <a:t>1/8/22</a:t>
             </a:fld>
             <a:endParaRPr lang="en-US"/>
           </a:p>
@@ -2931,7 +7007,7 @@
           <a:p>
             <a:fld id="{5537F0E0-F97D-E84E-8C26-955B45876BAD}" type="datetimeFigureOut">
               <a:rPr lang="en-US" smtClean="0"/>
-              <a:t>12/26/21</a:t>
+              <a:t>1/8/22</a:t>
             </a:fld>
             <a:endParaRPr lang="en-US"/>
           </a:p>
@@ -3353,7 +7429,7 @@
           <p:cNvPr id="2" name="Title 1">
             <a:extLst>
               <a:ext uri="{FF2B5EF4-FFF2-40B4-BE49-F238E27FC236}">
-                <a16:creationId xmlns:a16="http://schemas.microsoft.com/office/drawing/2014/main" id="{198AD0DD-DE85-2D4B-B21B-B72D781B6D0D}"/>
+                <a16:creationId xmlns:a16="http://schemas.microsoft.com/office/drawing/2014/main" id="{E408BC48-8EA1-CF43-BC16-FC8087CC9AA6}"/>
               </a:ext>
             </a:extLst>
           </p:cNvPr>
@@ -3361,1267 +7437,59 @@
             <a:spLocks noGrp="1"/>
           </p:cNvSpPr>
           <p:nvPr>
-            <p:ph type="ctrTitle"/>
+            <p:ph type="title"/>
           </p:nvPr>
         </p:nvSpPr>
-        <p:spPr/>
+        <p:spPr>
+          <a:xfrm>
+            <a:off x="838200" y="113770"/>
+            <a:ext cx="10515600" cy="1325563"/>
+          </a:xfrm>
+        </p:spPr>
         <p:txBody>
           <a:bodyPr/>
           <a:lstStyle/>
           <a:p>
-            <a:endParaRPr lang="en-US"/>
+            <a:pPr algn="ctr"/>
+            <a:r>
+              <a:rPr lang="en-US" dirty="0"/>
+              <a:t>GBF Algorithm Summary</a:t>
+            </a:r>
           </a:p>
         </p:txBody>
       </p:sp>
-      <p:sp>
-        <p:nvSpPr>
-          <p:cNvPr id="3" name="Subtitle 2">
+      <p:graphicFrame>
+        <p:nvGraphicFramePr>
+          <p:cNvPr id="6" name="Diagram 5">
             <a:extLst>
               <a:ext uri="{FF2B5EF4-FFF2-40B4-BE49-F238E27FC236}">
-                <a16:creationId xmlns:a16="http://schemas.microsoft.com/office/drawing/2014/main" id="{43C7A9A4-6CFD-7E48-BD56-C5C1A063B5EA}"/>
+                <a16:creationId xmlns:a16="http://schemas.microsoft.com/office/drawing/2014/main" id="{A288DF01-9BCC-5042-ACCD-D5B87CCACA1C}"/>
               </a:ext>
             </a:extLst>
           </p:cNvPr>
-          <p:cNvSpPr>
-            <a:spLocks noGrp="1"/>
-          </p:cNvSpPr>
+          <p:cNvGraphicFramePr/>
           <p:nvPr>
-            <p:ph type="subTitle" idx="1"/>
+            <p:extLst>
+              <p:ext uri="{D42A27DB-BD31-4B8C-83A1-F6EECF244321}">
+                <p14:modId xmlns:p14="http://schemas.microsoft.com/office/powerpoint/2010/main" val="788234281"/>
+              </p:ext>
+            </p:extLst>
           </p:nvPr>
-        </p:nvSpPr>
-        <p:spPr/>
-        <p:txBody>
-          <a:bodyPr/>
-          <a:lstStyle/>
-          <a:p>
-            <a:endParaRPr lang="en-US"/>
-          </a:p>
-        </p:txBody>
-      </p:sp>
+        </p:nvGraphicFramePr>
+        <p:xfrm>
+          <a:off x="2032000" y="1247947"/>
+          <a:ext cx="8128000" cy="5418667"/>
+        </p:xfrm>
+        <a:graphic>
+          <a:graphicData uri="http://schemas.openxmlformats.org/drawingml/2006/diagram">
+            <dgm:relIds xmlns:dgm="http://schemas.openxmlformats.org/drawingml/2006/diagram" xmlns:r="http://schemas.openxmlformats.org/officeDocument/2006/relationships" r:dm="rId2" r:lo="rId3" r:qs="rId4" r:cs="rId5"/>
+          </a:graphicData>
+        </a:graphic>
+      </p:graphicFrame>
     </p:spTree>
     <p:extLst>
       <p:ext uri="{BB962C8B-B14F-4D97-AF65-F5344CB8AC3E}">
-        <p14:creationId xmlns:p14="http://schemas.microsoft.com/office/powerpoint/2010/main" val="2683528489"/>
-      </p:ext>
-    </p:extLst>
-  </p:cSld>
-  <p:clrMapOvr>
-    <a:masterClrMapping/>
-  </p:clrMapOvr>
-</p:sld>
-</file>
-
-<file path=ppt/slides/slide2.xml><?xml version="1.0" encoding="utf-8"?>
-<p:sld xmlns:a="http://schemas.openxmlformats.org/drawingml/2006/main" xmlns:r="http://schemas.openxmlformats.org/officeDocument/2006/relationships" xmlns:p="http://schemas.openxmlformats.org/presentationml/2006/main">
-  <p:cSld>
-    <p:spTree>
-      <p:nvGrpSpPr>
-        <p:cNvPr id="1" name=""/>
-        <p:cNvGrpSpPr/>
-        <p:nvPr/>
-      </p:nvGrpSpPr>
-      <p:grpSpPr>
-        <a:xfrm>
-          <a:off x="0" y="0"/>
-          <a:ext cx="0" cy="0"/>
-          <a:chOff x="0" y="0"/>
-          <a:chExt cx="0" cy="0"/>
-        </a:xfrm>
-      </p:grpSpPr>
-      <p:sp>
-        <p:nvSpPr>
-          <p:cNvPr id="4" name="Rectangle 3">
-            <a:extLst>
-              <a:ext uri="{FF2B5EF4-FFF2-40B4-BE49-F238E27FC236}">
-                <a16:creationId xmlns:a16="http://schemas.microsoft.com/office/drawing/2014/main" id="{2C010744-929B-8E46-8136-10330DB1200D}"/>
-              </a:ext>
-            </a:extLst>
-          </p:cNvPr>
-          <p:cNvSpPr/>
-          <p:nvPr/>
-        </p:nvSpPr>
-        <p:spPr>
-          <a:xfrm>
-            <a:off x="1257300" y="1000125"/>
-            <a:ext cx="2004884" cy="914400"/>
-          </a:xfrm>
-          <a:prstGeom prst="rect">
-            <a:avLst/>
-          </a:prstGeom>
-        </p:spPr>
-        <p:style>
-          <a:lnRef idx="2">
-            <a:schemeClr val="accent6"/>
-          </a:lnRef>
-          <a:fillRef idx="1">
-            <a:schemeClr val="lt1"/>
-          </a:fillRef>
-          <a:effectRef idx="0">
-            <a:schemeClr val="accent6"/>
-          </a:effectRef>
-          <a:fontRef idx="minor">
-            <a:schemeClr val="dk1"/>
-          </a:fontRef>
-        </p:style>
-        <p:txBody>
-          <a:bodyPr rtlCol="0" anchor="ctr"/>
-          <a:lstStyle/>
-          <a:p>
-            <a:pPr algn="ctr"/>
-            <a:r>
-              <a:rPr lang="en-US" dirty="0" err="1"/>
-              <a:t>soil_properties.py</a:t>
-            </a:r>
-            <a:endParaRPr lang="en-US" dirty="0"/>
-          </a:p>
-        </p:txBody>
-      </p:sp>
-      <p:sp>
-        <p:nvSpPr>
-          <p:cNvPr id="5" name="Rectangle 4">
-            <a:extLst>
-              <a:ext uri="{FF2B5EF4-FFF2-40B4-BE49-F238E27FC236}">
-                <a16:creationId xmlns:a16="http://schemas.microsoft.com/office/drawing/2014/main" id="{DCA186A6-7EF1-FE4F-9642-0A787A579DA4}"/>
-              </a:ext>
-            </a:extLst>
-          </p:cNvPr>
-          <p:cNvSpPr/>
-          <p:nvPr/>
-        </p:nvSpPr>
-        <p:spPr>
-          <a:xfrm>
-            <a:off x="1646183" y="2613534"/>
-            <a:ext cx="2622722" cy="914400"/>
-          </a:xfrm>
-          <a:prstGeom prst="rect">
-            <a:avLst/>
-          </a:prstGeom>
-        </p:spPr>
-        <p:style>
-          <a:lnRef idx="2">
-            <a:schemeClr val="accent6"/>
-          </a:lnRef>
-          <a:fillRef idx="1">
-            <a:schemeClr val="lt1"/>
-          </a:fillRef>
-          <a:effectRef idx="0">
-            <a:schemeClr val="accent6"/>
-          </a:effectRef>
-          <a:fontRef idx="minor">
-            <a:schemeClr val="dk1"/>
-          </a:fontRef>
-        </p:style>
-        <p:txBody>
-          <a:bodyPr rtlCol="0" anchor="ctr"/>
-          <a:lstStyle/>
-          <a:p>
-            <a:pPr algn="ctr"/>
-            <a:r>
-              <a:rPr lang="en-US" dirty="0" err="1"/>
-              <a:t>foundation_definition.py</a:t>
-            </a:r>
-            <a:endParaRPr lang="en-US" dirty="0"/>
-          </a:p>
-        </p:txBody>
-      </p:sp>
-      <p:cxnSp>
-        <p:nvCxnSpPr>
-          <p:cNvPr id="7" name="Straight Arrow Connector 6">
-            <a:extLst>
-              <a:ext uri="{FF2B5EF4-FFF2-40B4-BE49-F238E27FC236}">
-                <a16:creationId xmlns:a16="http://schemas.microsoft.com/office/drawing/2014/main" id="{C46FBAF5-2470-374E-B526-56C8E6607C60}"/>
-              </a:ext>
-            </a:extLst>
-          </p:cNvPr>
-          <p:cNvCxnSpPr>
-            <a:stCxn id="4" idx="3"/>
-          </p:cNvCxnSpPr>
-          <p:nvPr/>
-        </p:nvCxnSpPr>
-        <p:spPr>
-          <a:xfrm>
-            <a:off x="3262184" y="1457325"/>
-            <a:ext cx="2594919" cy="772"/>
-          </a:xfrm>
-          <a:prstGeom prst="straightConnector1">
-            <a:avLst/>
-          </a:prstGeom>
-          <a:ln>
-            <a:tailEnd type="triangle"/>
-          </a:ln>
-        </p:spPr>
-        <p:style>
-          <a:lnRef idx="1">
-            <a:schemeClr val="accent1"/>
-          </a:lnRef>
-          <a:fillRef idx="0">
-            <a:schemeClr val="accent1"/>
-          </a:fillRef>
-          <a:effectRef idx="0">
-            <a:schemeClr val="accent1"/>
-          </a:effectRef>
-          <a:fontRef idx="minor">
-            <a:schemeClr val="tx1"/>
-          </a:fontRef>
-        </p:style>
-      </p:cxnSp>
-      <p:cxnSp>
-        <p:nvCxnSpPr>
-          <p:cNvPr id="9" name="Straight Arrow Connector 8">
-            <a:extLst>
-              <a:ext uri="{FF2B5EF4-FFF2-40B4-BE49-F238E27FC236}">
-                <a16:creationId xmlns:a16="http://schemas.microsoft.com/office/drawing/2014/main" id="{0DA34224-5995-4648-9BE1-585520B75235}"/>
-              </a:ext>
-            </a:extLst>
-          </p:cNvPr>
-          <p:cNvCxnSpPr>
-            <a:stCxn id="5" idx="3"/>
-          </p:cNvCxnSpPr>
-          <p:nvPr/>
-        </p:nvCxnSpPr>
-        <p:spPr>
-          <a:xfrm flipV="1">
-            <a:off x="4268905" y="1893495"/>
-            <a:ext cx="2004884" cy="1177239"/>
-          </a:xfrm>
-          <a:prstGeom prst="straightConnector1">
-            <a:avLst/>
-          </a:prstGeom>
-          <a:ln>
-            <a:tailEnd type="triangle"/>
-          </a:ln>
-        </p:spPr>
-        <p:style>
-          <a:lnRef idx="1">
-            <a:schemeClr val="accent1"/>
-          </a:lnRef>
-          <a:fillRef idx="0">
-            <a:schemeClr val="accent1"/>
-          </a:fillRef>
-          <a:effectRef idx="0">
-            <a:schemeClr val="accent1"/>
-          </a:effectRef>
-          <a:fontRef idx="minor">
-            <a:schemeClr val="tx1"/>
-          </a:fontRef>
-        </p:style>
-      </p:cxnSp>
-      <p:sp>
-        <p:nvSpPr>
-          <p:cNvPr id="10" name="Rectangle 9">
-            <a:extLst>
-              <a:ext uri="{FF2B5EF4-FFF2-40B4-BE49-F238E27FC236}">
-                <a16:creationId xmlns:a16="http://schemas.microsoft.com/office/drawing/2014/main" id="{8DCD8D75-A16F-344F-BB77-13BC6E46936B}"/>
-              </a:ext>
-            </a:extLst>
-          </p:cNvPr>
-          <p:cNvSpPr/>
-          <p:nvPr/>
-        </p:nvSpPr>
-        <p:spPr>
-          <a:xfrm>
-            <a:off x="5884906" y="1013254"/>
-            <a:ext cx="2014151" cy="914400"/>
-          </a:xfrm>
-          <a:prstGeom prst="rect">
-            <a:avLst/>
-          </a:prstGeom>
-        </p:spPr>
-        <p:style>
-          <a:lnRef idx="2">
-            <a:schemeClr val="accent1">
-              <a:shade val="50000"/>
-            </a:schemeClr>
-          </a:lnRef>
-          <a:fillRef idx="1">
-            <a:schemeClr val="accent1"/>
-          </a:fillRef>
-          <a:effectRef idx="0">
-            <a:schemeClr val="accent1"/>
-          </a:effectRef>
-          <a:fontRef idx="minor">
-            <a:schemeClr val="lt1"/>
-          </a:fontRef>
-        </p:style>
-        <p:txBody>
-          <a:bodyPr rtlCol="0" anchor="ctr"/>
-          <a:lstStyle/>
-          <a:p>
-            <a:pPr algn="ctr"/>
-            <a:r>
-              <a:rPr lang="en-US" dirty="0"/>
-              <a:t>Gravity Based Foundation Design</a:t>
-            </a:r>
-          </a:p>
-        </p:txBody>
-      </p:sp>
-      <p:sp>
-        <p:nvSpPr>
-          <p:cNvPr id="11" name="TextBox 10">
-            <a:extLst>
-              <a:ext uri="{FF2B5EF4-FFF2-40B4-BE49-F238E27FC236}">
-                <a16:creationId xmlns:a16="http://schemas.microsoft.com/office/drawing/2014/main" id="{60A6C5B0-77CE-5741-A54F-794AA1DFEF0B}"/>
-              </a:ext>
-            </a:extLst>
-          </p:cNvPr>
-          <p:cNvSpPr txBox="1"/>
-          <p:nvPr/>
-        </p:nvSpPr>
-        <p:spPr>
-          <a:xfrm>
-            <a:off x="10001250" y="4343400"/>
-            <a:ext cx="581378" cy="369332"/>
-          </a:xfrm>
-          <a:prstGeom prst="rect">
-            <a:avLst/>
-          </a:prstGeom>
-          <a:noFill/>
-        </p:spPr>
-        <p:txBody>
-          <a:bodyPr wrap="none" rtlCol="0">
-            <a:spAutoFit/>
-          </a:bodyPr>
-          <a:lstStyle/>
-          <a:p>
-            <a:r>
-              <a:rPr lang="en-US" dirty="0"/>
-              <a:t>Key:</a:t>
-            </a:r>
-          </a:p>
-        </p:txBody>
-      </p:sp>
-      <p:sp>
-        <p:nvSpPr>
-          <p:cNvPr id="12" name="Rectangle 11">
-            <a:extLst>
-              <a:ext uri="{FF2B5EF4-FFF2-40B4-BE49-F238E27FC236}">
-                <a16:creationId xmlns:a16="http://schemas.microsoft.com/office/drawing/2014/main" id="{EF574DE0-EBE3-1D46-B107-255A86573233}"/>
-              </a:ext>
-            </a:extLst>
-          </p:cNvPr>
-          <p:cNvSpPr/>
-          <p:nvPr/>
-        </p:nvSpPr>
-        <p:spPr>
-          <a:xfrm>
-            <a:off x="10160970" y="4712732"/>
-            <a:ext cx="261937" cy="176213"/>
-          </a:xfrm>
-          <a:prstGeom prst="rect">
-            <a:avLst/>
-          </a:prstGeom>
-        </p:spPr>
-        <p:style>
-          <a:lnRef idx="2">
-            <a:schemeClr val="accent6"/>
-          </a:lnRef>
-          <a:fillRef idx="1">
-            <a:schemeClr val="lt1"/>
-          </a:fillRef>
-          <a:effectRef idx="0">
-            <a:schemeClr val="accent6"/>
-          </a:effectRef>
-          <a:fontRef idx="minor">
-            <a:schemeClr val="dk1"/>
-          </a:fontRef>
-        </p:style>
-        <p:txBody>
-          <a:bodyPr rtlCol="0" anchor="ctr"/>
-          <a:lstStyle/>
-          <a:p>
-            <a:pPr algn="ctr"/>
-            <a:endParaRPr lang="en-US" dirty="0"/>
-          </a:p>
-        </p:txBody>
-      </p:sp>
-      <p:sp>
-        <p:nvSpPr>
-          <p:cNvPr id="13" name="Rectangle 12">
-            <a:extLst>
-              <a:ext uri="{FF2B5EF4-FFF2-40B4-BE49-F238E27FC236}">
-                <a16:creationId xmlns:a16="http://schemas.microsoft.com/office/drawing/2014/main" id="{19D83179-781A-2C4A-945A-A59DF736B7BD}"/>
-              </a:ext>
-            </a:extLst>
-          </p:cNvPr>
-          <p:cNvSpPr/>
-          <p:nvPr/>
-        </p:nvSpPr>
-        <p:spPr>
-          <a:xfrm>
-            <a:off x="10173713" y="4981816"/>
-            <a:ext cx="249194" cy="200496"/>
-          </a:xfrm>
-          <a:prstGeom prst="rect">
-            <a:avLst/>
-          </a:prstGeom>
-        </p:spPr>
-        <p:style>
-          <a:lnRef idx="2">
-            <a:schemeClr val="accent1">
-              <a:shade val="50000"/>
-            </a:schemeClr>
-          </a:lnRef>
-          <a:fillRef idx="1">
-            <a:schemeClr val="accent1"/>
-          </a:fillRef>
-          <a:effectRef idx="0">
-            <a:schemeClr val="accent1"/>
-          </a:effectRef>
-          <a:fontRef idx="minor">
-            <a:schemeClr val="lt1"/>
-          </a:fontRef>
-        </p:style>
-        <p:txBody>
-          <a:bodyPr rtlCol="0" anchor="ctr"/>
-          <a:lstStyle/>
-          <a:p>
-            <a:pPr algn="ctr"/>
-            <a:endParaRPr lang="en-US" dirty="0"/>
-          </a:p>
-        </p:txBody>
-      </p:sp>
-      <p:sp>
-        <p:nvSpPr>
-          <p:cNvPr id="14" name="Rectangle 13">
-            <a:extLst>
-              <a:ext uri="{FF2B5EF4-FFF2-40B4-BE49-F238E27FC236}">
-                <a16:creationId xmlns:a16="http://schemas.microsoft.com/office/drawing/2014/main" id="{970366CA-0D51-F540-805E-79A0BB1815EC}"/>
-              </a:ext>
-            </a:extLst>
-          </p:cNvPr>
-          <p:cNvSpPr/>
-          <p:nvPr/>
-        </p:nvSpPr>
-        <p:spPr>
-          <a:xfrm>
-            <a:off x="111670" y="2657289"/>
-            <a:ext cx="958147" cy="413445"/>
-          </a:xfrm>
-          <a:prstGeom prst="rect">
-            <a:avLst/>
-          </a:prstGeom>
-        </p:spPr>
-        <p:style>
-          <a:lnRef idx="2">
-            <a:schemeClr val="accent3">
-              <a:shade val="50000"/>
-            </a:schemeClr>
-          </a:lnRef>
-          <a:fillRef idx="1">
-            <a:schemeClr val="accent3"/>
-          </a:fillRef>
-          <a:effectRef idx="0">
-            <a:schemeClr val="accent3"/>
-          </a:effectRef>
-          <a:fontRef idx="minor">
-            <a:schemeClr val="lt1"/>
-          </a:fontRef>
-        </p:style>
-        <p:txBody>
-          <a:bodyPr rtlCol="0" anchor="ctr"/>
-          <a:lstStyle/>
-          <a:p>
-            <a:pPr algn="ctr"/>
-            <a:r>
-              <a:rPr lang="en-US" sz="800" dirty="0"/>
-              <a:t>Initial dimensions including shear key</a:t>
-            </a:r>
-          </a:p>
-        </p:txBody>
-      </p:sp>
-      <p:sp>
-        <p:nvSpPr>
-          <p:cNvPr id="15" name="Rectangle 14">
-            <a:extLst>
-              <a:ext uri="{FF2B5EF4-FFF2-40B4-BE49-F238E27FC236}">
-                <a16:creationId xmlns:a16="http://schemas.microsoft.com/office/drawing/2014/main" id="{59C667A8-A5E9-AD44-831E-84D388EB1CFB}"/>
-              </a:ext>
-            </a:extLst>
-          </p:cNvPr>
-          <p:cNvSpPr/>
-          <p:nvPr/>
-        </p:nvSpPr>
-        <p:spPr>
-          <a:xfrm>
-            <a:off x="111671" y="3104893"/>
-            <a:ext cx="958147" cy="413444"/>
-          </a:xfrm>
-          <a:prstGeom prst="rect">
-            <a:avLst/>
-          </a:prstGeom>
-        </p:spPr>
-        <p:style>
-          <a:lnRef idx="2">
-            <a:schemeClr val="accent3">
-              <a:shade val="50000"/>
-            </a:schemeClr>
-          </a:lnRef>
-          <a:fillRef idx="1">
-            <a:schemeClr val="accent3"/>
-          </a:fillRef>
-          <a:effectRef idx="0">
-            <a:schemeClr val="accent3"/>
-          </a:effectRef>
-          <a:fontRef idx="minor">
-            <a:schemeClr val="lt1"/>
-          </a:fontRef>
-        </p:style>
-        <p:txBody>
-          <a:bodyPr rtlCol="0" anchor="ctr"/>
-          <a:lstStyle/>
-          <a:p>
-            <a:pPr algn="ctr"/>
-            <a:r>
-              <a:rPr lang="en-US" sz="1000" dirty="0"/>
-              <a:t>Load correction due to slope</a:t>
-            </a:r>
-          </a:p>
-        </p:txBody>
-      </p:sp>
-      <p:sp>
-        <p:nvSpPr>
-          <p:cNvPr id="16" name="Rectangle 15">
-            <a:extLst>
-              <a:ext uri="{FF2B5EF4-FFF2-40B4-BE49-F238E27FC236}">
-                <a16:creationId xmlns:a16="http://schemas.microsoft.com/office/drawing/2014/main" id="{0E31E289-DFCB-5941-8042-1E26134DC216}"/>
-              </a:ext>
-            </a:extLst>
-          </p:cNvPr>
-          <p:cNvSpPr/>
-          <p:nvPr/>
-        </p:nvSpPr>
-        <p:spPr>
-          <a:xfrm>
-            <a:off x="132693" y="3546384"/>
-            <a:ext cx="760687" cy="413445"/>
-          </a:xfrm>
-          <a:prstGeom prst="rect">
-            <a:avLst/>
-          </a:prstGeom>
-        </p:spPr>
-        <p:style>
-          <a:lnRef idx="2">
-            <a:schemeClr val="accent3">
-              <a:shade val="50000"/>
-            </a:schemeClr>
-          </a:lnRef>
-          <a:fillRef idx="1">
-            <a:schemeClr val="accent3"/>
-          </a:fillRef>
-          <a:effectRef idx="0">
-            <a:schemeClr val="accent3"/>
-          </a:effectRef>
-          <a:fontRef idx="minor">
-            <a:schemeClr val="lt1"/>
-          </a:fontRef>
-        </p:style>
-        <p:txBody>
-          <a:bodyPr rtlCol="0" anchor="ctr"/>
-          <a:lstStyle/>
-          <a:p>
-            <a:pPr algn="ctr"/>
-            <a:r>
-              <a:rPr lang="en-US" sz="800" dirty="0"/>
-              <a:t>Concrete weight	</a:t>
-            </a:r>
-          </a:p>
-        </p:txBody>
-      </p:sp>
-      <p:sp>
-        <p:nvSpPr>
-          <p:cNvPr id="3" name="Right Brace 2">
-            <a:extLst>
-              <a:ext uri="{FF2B5EF4-FFF2-40B4-BE49-F238E27FC236}">
-                <a16:creationId xmlns:a16="http://schemas.microsoft.com/office/drawing/2014/main" id="{61BE038F-A024-704C-98C3-CE62AE4846CC}"/>
-              </a:ext>
-            </a:extLst>
-          </p:cNvPr>
-          <p:cNvSpPr/>
-          <p:nvPr/>
-        </p:nvSpPr>
-        <p:spPr>
-          <a:xfrm>
-            <a:off x="1257300" y="2732690"/>
-            <a:ext cx="155448" cy="1610710"/>
-          </a:xfrm>
-          <a:prstGeom prst="rightBrace">
-            <a:avLst/>
-          </a:prstGeom>
-        </p:spPr>
-        <p:style>
-          <a:lnRef idx="1">
-            <a:schemeClr val="accent1"/>
-          </a:lnRef>
-          <a:fillRef idx="0">
-            <a:schemeClr val="accent1"/>
-          </a:fillRef>
-          <a:effectRef idx="0">
-            <a:schemeClr val="accent1"/>
-          </a:effectRef>
-          <a:fontRef idx="minor">
-            <a:schemeClr val="tx1"/>
-          </a:fontRef>
-        </p:style>
-        <p:txBody>
-          <a:bodyPr rtlCol="0" anchor="ctr"/>
-          <a:lstStyle/>
-          <a:p>
-            <a:pPr algn="ctr"/>
-            <a:endParaRPr lang="en-US"/>
-          </a:p>
-        </p:txBody>
-      </p:sp>
-      <p:sp>
-        <p:nvSpPr>
-          <p:cNvPr id="17" name="Rectangle 16">
-            <a:extLst>
-              <a:ext uri="{FF2B5EF4-FFF2-40B4-BE49-F238E27FC236}">
-                <a16:creationId xmlns:a16="http://schemas.microsoft.com/office/drawing/2014/main" id="{D98E2E55-0726-9B4E-9D54-876C63A238D5}"/>
-              </a:ext>
-            </a:extLst>
-          </p:cNvPr>
-          <p:cNvSpPr/>
-          <p:nvPr/>
-        </p:nvSpPr>
-        <p:spPr>
-          <a:xfrm>
-            <a:off x="10160971" y="5275184"/>
-            <a:ext cx="421658" cy="200496"/>
-          </a:xfrm>
-          <a:prstGeom prst="rect">
-            <a:avLst/>
-          </a:prstGeom>
-        </p:spPr>
-        <p:style>
-          <a:lnRef idx="2">
-            <a:schemeClr val="accent3">
-              <a:shade val="50000"/>
-            </a:schemeClr>
-          </a:lnRef>
-          <a:fillRef idx="1">
-            <a:schemeClr val="accent3"/>
-          </a:fillRef>
-          <a:effectRef idx="0">
-            <a:schemeClr val="accent3"/>
-          </a:effectRef>
-          <a:fontRef idx="minor">
-            <a:schemeClr val="lt1"/>
-          </a:fontRef>
-        </p:style>
-        <p:txBody>
-          <a:bodyPr rtlCol="0" anchor="ctr"/>
-          <a:lstStyle/>
-          <a:p>
-            <a:pPr algn="ctr"/>
-            <a:endParaRPr lang="en-US" sz="800" dirty="0"/>
-          </a:p>
-        </p:txBody>
-      </p:sp>
-      <p:sp>
-        <p:nvSpPr>
-          <p:cNvPr id="18" name="Rectangle 17">
-            <a:extLst>
-              <a:ext uri="{FF2B5EF4-FFF2-40B4-BE49-F238E27FC236}">
-                <a16:creationId xmlns:a16="http://schemas.microsoft.com/office/drawing/2014/main" id="{D1FFF5BD-84E1-A94C-8590-F170A8B62981}"/>
-              </a:ext>
-            </a:extLst>
-          </p:cNvPr>
-          <p:cNvSpPr/>
-          <p:nvPr/>
-        </p:nvSpPr>
-        <p:spPr>
-          <a:xfrm>
-            <a:off x="111670" y="3987876"/>
-            <a:ext cx="760687" cy="413445"/>
-          </a:xfrm>
-          <a:prstGeom prst="rect">
-            <a:avLst/>
-          </a:prstGeom>
-        </p:spPr>
-        <p:style>
-          <a:lnRef idx="2">
-            <a:schemeClr val="accent3">
-              <a:shade val="50000"/>
-            </a:schemeClr>
-          </a:lnRef>
-          <a:fillRef idx="1">
-            <a:schemeClr val="accent3"/>
-          </a:fillRef>
-          <a:effectRef idx="0">
-            <a:schemeClr val="accent3"/>
-          </a:effectRef>
-          <a:fontRef idx="minor">
-            <a:schemeClr val="lt1"/>
-          </a:fontRef>
-        </p:style>
-        <p:txBody>
-          <a:bodyPr rtlCol="0" anchor="ctr"/>
-          <a:lstStyle/>
-          <a:p>
-            <a:pPr algn="ctr"/>
-            <a:r>
-              <a:rPr lang="en-US" sz="800" dirty="0"/>
-              <a:t>External Loads</a:t>
-            </a:r>
-          </a:p>
-        </p:txBody>
-      </p:sp>
-      <p:sp>
-        <p:nvSpPr>
-          <p:cNvPr id="19" name="Rectangle 18">
-            <a:extLst>
-              <a:ext uri="{FF2B5EF4-FFF2-40B4-BE49-F238E27FC236}">
-                <a16:creationId xmlns:a16="http://schemas.microsoft.com/office/drawing/2014/main" id="{6EF6DE6C-85D7-CA48-A304-57A4E3E6A793}"/>
-              </a:ext>
-            </a:extLst>
-          </p:cNvPr>
-          <p:cNvSpPr/>
-          <p:nvPr/>
-        </p:nvSpPr>
-        <p:spPr>
-          <a:xfrm>
-            <a:off x="210399" y="806531"/>
-            <a:ext cx="760687" cy="413445"/>
-          </a:xfrm>
-          <a:prstGeom prst="rect">
-            <a:avLst/>
-          </a:prstGeom>
-        </p:spPr>
-        <p:style>
-          <a:lnRef idx="2">
-            <a:schemeClr val="accent3">
-              <a:shade val="50000"/>
-            </a:schemeClr>
-          </a:lnRef>
-          <a:fillRef idx="1">
-            <a:schemeClr val="accent3"/>
-          </a:fillRef>
-          <a:effectRef idx="0">
-            <a:schemeClr val="accent3"/>
-          </a:effectRef>
-          <a:fontRef idx="minor">
-            <a:schemeClr val="lt1"/>
-          </a:fontRef>
-        </p:style>
-        <p:txBody>
-          <a:bodyPr rtlCol="0" anchor="ctr"/>
-          <a:lstStyle/>
-          <a:p>
-            <a:pPr algn="ctr"/>
-            <a:r>
-              <a:rPr lang="en-US" sz="800" dirty="0"/>
-              <a:t>External Loads</a:t>
-            </a:r>
-          </a:p>
-        </p:txBody>
-      </p:sp>
-      <p:sp>
-        <p:nvSpPr>
-          <p:cNvPr id="20" name="Rectangle 19">
-            <a:extLst>
-              <a:ext uri="{FF2B5EF4-FFF2-40B4-BE49-F238E27FC236}">
-                <a16:creationId xmlns:a16="http://schemas.microsoft.com/office/drawing/2014/main" id="{7F0712F1-8949-B247-AB20-D80EDB2E3C7D}"/>
-              </a:ext>
-            </a:extLst>
-          </p:cNvPr>
-          <p:cNvSpPr/>
-          <p:nvPr/>
-        </p:nvSpPr>
-        <p:spPr>
-          <a:xfrm>
-            <a:off x="210398" y="1291981"/>
-            <a:ext cx="760687" cy="413445"/>
-          </a:xfrm>
-          <a:prstGeom prst="rect">
-            <a:avLst/>
-          </a:prstGeom>
-        </p:spPr>
-        <p:style>
-          <a:lnRef idx="2">
-            <a:schemeClr val="accent3">
-              <a:shade val="50000"/>
-            </a:schemeClr>
-          </a:lnRef>
-          <a:fillRef idx="1">
-            <a:schemeClr val="accent3"/>
-          </a:fillRef>
-          <a:effectRef idx="0">
-            <a:schemeClr val="accent3"/>
-          </a:effectRef>
-          <a:fontRef idx="minor">
-            <a:schemeClr val="lt1"/>
-          </a:fontRef>
-        </p:style>
-        <p:txBody>
-          <a:bodyPr rtlCol="0" anchor="ctr"/>
-          <a:lstStyle/>
-          <a:p>
-            <a:pPr algn="ctr"/>
-            <a:r>
-              <a:rPr lang="en-US" sz="800" dirty="0"/>
-              <a:t>Undrained bearing capacity</a:t>
-            </a:r>
-          </a:p>
-        </p:txBody>
-      </p:sp>
-      <p:sp>
-        <p:nvSpPr>
-          <p:cNvPr id="21" name="Rectangle 20">
-            <a:extLst>
-              <a:ext uri="{FF2B5EF4-FFF2-40B4-BE49-F238E27FC236}">
-                <a16:creationId xmlns:a16="http://schemas.microsoft.com/office/drawing/2014/main" id="{28B3A9FA-4CC8-0844-AFD2-9A7916DC03EC}"/>
-              </a:ext>
-            </a:extLst>
-          </p:cNvPr>
-          <p:cNvSpPr/>
-          <p:nvPr/>
-        </p:nvSpPr>
-        <p:spPr>
-          <a:xfrm>
-            <a:off x="210398" y="1785273"/>
-            <a:ext cx="760687" cy="413445"/>
-          </a:xfrm>
-          <a:prstGeom prst="rect">
-            <a:avLst/>
-          </a:prstGeom>
-        </p:spPr>
-        <p:style>
-          <a:lnRef idx="2">
-            <a:schemeClr val="accent3">
-              <a:shade val="50000"/>
-            </a:schemeClr>
-          </a:lnRef>
-          <a:fillRef idx="1">
-            <a:schemeClr val="accent3"/>
-          </a:fillRef>
-          <a:effectRef idx="0">
-            <a:schemeClr val="accent3"/>
-          </a:effectRef>
-          <a:fontRef idx="minor">
-            <a:schemeClr val="lt1"/>
-          </a:fontRef>
-        </p:style>
-        <p:txBody>
-          <a:bodyPr rtlCol="0" anchor="ctr"/>
-          <a:lstStyle/>
-          <a:p>
-            <a:pPr algn="ctr"/>
-            <a:r>
-              <a:rPr lang="en-US" sz="800" dirty="0"/>
-              <a:t>Drained bearing capacity</a:t>
-            </a:r>
-          </a:p>
-        </p:txBody>
-      </p:sp>
-      <p:sp>
-        <p:nvSpPr>
-          <p:cNvPr id="22" name="Right Brace 21">
-            <a:extLst>
-              <a:ext uri="{FF2B5EF4-FFF2-40B4-BE49-F238E27FC236}">
-                <a16:creationId xmlns:a16="http://schemas.microsoft.com/office/drawing/2014/main" id="{0B8C6B25-26DC-1540-AFA9-D8F79EB649A9}"/>
-              </a:ext>
-            </a:extLst>
-          </p:cNvPr>
-          <p:cNvSpPr/>
-          <p:nvPr/>
-        </p:nvSpPr>
-        <p:spPr>
-          <a:xfrm>
-            <a:off x="1011046" y="693348"/>
-            <a:ext cx="155448" cy="1610710"/>
-          </a:xfrm>
-          <a:prstGeom prst="rightBrace">
-            <a:avLst/>
-          </a:prstGeom>
-        </p:spPr>
-        <p:style>
-          <a:lnRef idx="1">
-            <a:schemeClr val="accent1"/>
-          </a:lnRef>
-          <a:fillRef idx="0">
-            <a:schemeClr val="accent1"/>
-          </a:fillRef>
-          <a:effectRef idx="0">
-            <a:schemeClr val="accent1"/>
-          </a:effectRef>
-          <a:fontRef idx="minor">
-            <a:schemeClr val="tx1"/>
-          </a:fontRef>
-        </p:style>
-        <p:txBody>
-          <a:bodyPr rtlCol="0" anchor="ctr"/>
-          <a:lstStyle/>
-          <a:p>
-            <a:pPr algn="ctr"/>
-            <a:endParaRPr lang="en-US"/>
-          </a:p>
-        </p:txBody>
-      </p:sp>
-      <p:sp>
-        <p:nvSpPr>
-          <p:cNvPr id="23" name="Rectangle 22">
-            <a:extLst>
-              <a:ext uri="{FF2B5EF4-FFF2-40B4-BE49-F238E27FC236}">
-                <a16:creationId xmlns:a16="http://schemas.microsoft.com/office/drawing/2014/main" id="{AE5428D4-F15B-A647-976E-78383B888F44}"/>
-              </a:ext>
-            </a:extLst>
-          </p:cNvPr>
-          <p:cNvSpPr/>
-          <p:nvPr/>
-        </p:nvSpPr>
-        <p:spPr>
-          <a:xfrm>
-            <a:off x="2478470" y="4476648"/>
-            <a:ext cx="958147" cy="413445"/>
-          </a:xfrm>
-          <a:prstGeom prst="rect">
-            <a:avLst/>
-          </a:prstGeom>
-        </p:spPr>
-        <p:style>
-          <a:lnRef idx="2">
-            <a:schemeClr val="accent3">
-              <a:shade val="50000"/>
-            </a:schemeClr>
-          </a:lnRef>
-          <a:fillRef idx="1">
-            <a:schemeClr val="accent3"/>
-          </a:fillRef>
-          <a:effectRef idx="0">
-            <a:schemeClr val="accent3"/>
-          </a:effectRef>
-          <a:fontRef idx="minor">
-            <a:schemeClr val="lt1"/>
-          </a:fontRef>
-        </p:style>
-        <p:txBody>
-          <a:bodyPr rtlCol="0" anchor="ctr"/>
-          <a:lstStyle/>
-          <a:p>
-            <a:pPr algn="ctr"/>
-            <a:r>
-              <a:rPr lang="en-US" sz="800" dirty="0"/>
-              <a:t>Bearing Capacity</a:t>
-            </a:r>
-          </a:p>
-        </p:txBody>
-      </p:sp>
-      <p:sp>
-        <p:nvSpPr>
-          <p:cNvPr id="24" name="Rectangle 23">
-            <a:extLst>
-              <a:ext uri="{FF2B5EF4-FFF2-40B4-BE49-F238E27FC236}">
-                <a16:creationId xmlns:a16="http://schemas.microsoft.com/office/drawing/2014/main" id="{FE421CA1-4DB9-A74C-B503-C8BEEB064309}"/>
-              </a:ext>
-            </a:extLst>
-          </p:cNvPr>
-          <p:cNvSpPr/>
-          <p:nvPr/>
-        </p:nvSpPr>
-        <p:spPr>
-          <a:xfrm>
-            <a:off x="2098126" y="5275184"/>
-            <a:ext cx="760687" cy="413445"/>
-          </a:xfrm>
-          <a:prstGeom prst="rect">
-            <a:avLst/>
-          </a:prstGeom>
-        </p:spPr>
-        <p:style>
-          <a:lnRef idx="2">
-            <a:schemeClr val="accent3">
-              <a:shade val="50000"/>
-            </a:schemeClr>
-          </a:lnRef>
-          <a:fillRef idx="1">
-            <a:schemeClr val="accent3"/>
-          </a:fillRef>
-          <a:effectRef idx="0">
-            <a:schemeClr val="accent3"/>
-          </a:effectRef>
-          <a:fontRef idx="minor">
-            <a:schemeClr val="lt1"/>
-          </a:fontRef>
-        </p:style>
-        <p:txBody>
-          <a:bodyPr rtlCol="0" anchor="ctr"/>
-          <a:lstStyle/>
-          <a:p>
-            <a:pPr algn="ctr"/>
-            <a:r>
-              <a:rPr lang="en-US" sz="800" dirty="0"/>
-              <a:t>External Loads</a:t>
-            </a:r>
-          </a:p>
-        </p:txBody>
-      </p:sp>
-      <p:sp>
-        <p:nvSpPr>
-          <p:cNvPr id="25" name="Rectangle 24">
-            <a:extLst>
-              <a:ext uri="{FF2B5EF4-FFF2-40B4-BE49-F238E27FC236}">
-                <a16:creationId xmlns:a16="http://schemas.microsoft.com/office/drawing/2014/main" id="{9C0421EE-241C-5542-B8F4-EB84321B419A}"/>
-              </a:ext>
-            </a:extLst>
-          </p:cNvPr>
-          <p:cNvSpPr/>
-          <p:nvPr/>
-        </p:nvSpPr>
-        <p:spPr>
-          <a:xfrm>
-            <a:off x="3056698" y="5265972"/>
-            <a:ext cx="958147" cy="413444"/>
-          </a:xfrm>
-          <a:prstGeom prst="rect">
-            <a:avLst/>
-          </a:prstGeom>
-        </p:spPr>
-        <p:style>
-          <a:lnRef idx="2">
-            <a:schemeClr val="accent3">
-              <a:shade val="50000"/>
-            </a:schemeClr>
-          </a:lnRef>
-          <a:fillRef idx="1">
-            <a:schemeClr val="accent3"/>
-          </a:fillRef>
-          <a:effectRef idx="0">
-            <a:schemeClr val="accent3"/>
-          </a:effectRef>
-          <a:fontRef idx="minor">
-            <a:schemeClr val="lt1"/>
-          </a:fontRef>
-        </p:style>
-        <p:txBody>
-          <a:bodyPr rtlCol="0" anchor="ctr"/>
-          <a:lstStyle/>
-          <a:p>
-            <a:pPr algn="ctr"/>
-            <a:r>
-              <a:rPr lang="en-US" sz="1000" dirty="0"/>
-              <a:t>Load correction due to slope</a:t>
-            </a:r>
-          </a:p>
-        </p:txBody>
-      </p:sp>
-      <p:cxnSp>
-        <p:nvCxnSpPr>
-          <p:cNvPr id="6" name="Straight Arrow Connector 5">
-            <a:extLst>
-              <a:ext uri="{FF2B5EF4-FFF2-40B4-BE49-F238E27FC236}">
-                <a16:creationId xmlns:a16="http://schemas.microsoft.com/office/drawing/2014/main" id="{D90F765F-5BDB-4149-9E1F-B2175D2A0104}"/>
-              </a:ext>
-            </a:extLst>
-          </p:cNvPr>
-          <p:cNvCxnSpPr>
-            <a:stCxn id="24" idx="0"/>
-          </p:cNvCxnSpPr>
-          <p:nvPr/>
-        </p:nvCxnSpPr>
-        <p:spPr>
-          <a:xfrm flipV="1">
-            <a:off x="2478470" y="4888945"/>
-            <a:ext cx="380343" cy="386239"/>
-          </a:xfrm>
-          <a:prstGeom prst="straightConnector1">
-            <a:avLst/>
-          </a:prstGeom>
-          <a:ln>
-            <a:tailEnd type="triangle"/>
-          </a:ln>
-        </p:spPr>
-        <p:style>
-          <a:lnRef idx="1">
-            <a:schemeClr val="accent1"/>
-          </a:lnRef>
-          <a:fillRef idx="0">
-            <a:schemeClr val="accent1"/>
-          </a:fillRef>
-          <a:effectRef idx="0">
-            <a:schemeClr val="accent1"/>
-          </a:effectRef>
-          <a:fontRef idx="minor">
-            <a:schemeClr val="tx1"/>
-          </a:fontRef>
-        </p:style>
-      </p:cxnSp>
-      <p:cxnSp>
-        <p:nvCxnSpPr>
-          <p:cNvPr id="26" name="Straight Arrow Connector 25">
-            <a:extLst>
-              <a:ext uri="{FF2B5EF4-FFF2-40B4-BE49-F238E27FC236}">
-                <a16:creationId xmlns:a16="http://schemas.microsoft.com/office/drawing/2014/main" id="{56445DE3-7AD2-6F42-86A0-1C57885E6997}"/>
-              </a:ext>
-            </a:extLst>
-          </p:cNvPr>
-          <p:cNvCxnSpPr>
-            <a:stCxn id="25" idx="0"/>
-            <a:endCxn id="23" idx="2"/>
-          </p:cNvCxnSpPr>
-          <p:nvPr/>
-        </p:nvCxnSpPr>
-        <p:spPr>
-          <a:xfrm flipH="1" flipV="1">
-            <a:off x="2957544" y="4890093"/>
-            <a:ext cx="578228" cy="375879"/>
-          </a:xfrm>
-          <a:prstGeom prst="straightConnector1">
-            <a:avLst/>
-          </a:prstGeom>
-          <a:ln>
-            <a:tailEnd type="triangle"/>
-          </a:ln>
-        </p:spPr>
-        <p:style>
-          <a:lnRef idx="1">
-            <a:schemeClr val="accent1"/>
-          </a:lnRef>
-          <a:fillRef idx="0">
-            <a:schemeClr val="accent1"/>
-          </a:fillRef>
-          <a:effectRef idx="0">
-            <a:schemeClr val="accent1"/>
-          </a:effectRef>
-          <a:fontRef idx="minor">
-            <a:schemeClr val="tx1"/>
-          </a:fontRef>
-        </p:style>
-      </p:cxnSp>
-      <p:cxnSp>
-        <p:nvCxnSpPr>
-          <p:cNvPr id="28" name="Straight Arrow Connector 27">
-            <a:extLst>
-              <a:ext uri="{FF2B5EF4-FFF2-40B4-BE49-F238E27FC236}">
-                <a16:creationId xmlns:a16="http://schemas.microsoft.com/office/drawing/2014/main" id="{77A5A698-E128-9F47-8EE3-B4648DE54C9D}"/>
-              </a:ext>
-            </a:extLst>
-          </p:cNvPr>
-          <p:cNvCxnSpPr>
-            <a:endCxn id="5" idx="2"/>
-          </p:cNvCxnSpPr>
-          <p:nvPr/>
-        </p:nvCxnSpPr>
-        <p:spPr>
-          <a:xfrm flipH="1" flipV="1">
-            <a:off x="2957544" y="3527934"/>
-            <a:ext cx="60989" cy="873387"/>
-          </a:xfrm>
-          <a:prstGeom prst="straightConnector1">
-            <a:avLst/>
-          </a:prstGeom>
-          <a:ln>
-            <a:tailEnd type="triangle"/>
-          </a:ln>
-        </p:spPr>
-        <p:style>
-          <a:lnRef idx="1">
-            <a:schemeClr val="accent1"/>
-          </a:lnRef>
-          <a:fillRef idx="0">
-            <a:schemeClr val="accent1"/>
-          </a:fillRef>
-          <a:effectRef idx="0">
-            <a:schemeClr val="accent1"/>
-          </a:effectRef>
-          <a:fontRef idx="minor">
-            <a:schemeClr val="tx1"/>
-          </a:fontRef>
-        </p:style>
-      </p:cxnSp>
-      <p:sp>
-        <p:nvSpPr>
-          <p:cNvPr id="27" name="Rectangle 26">
-            <a:extLst>
-              <a:ext uri="{FF2B5EF4-FFF2-40B4-BE49-F238E27FC236}">
-                <a16:creationId xmlns:a16="http://schemas.microsoft.com/office/drawing/2014/main" id="{517E5EB8-B12B-3247-A9D5-6739D2EF767A}"/>
-              </a:ext>
-            </a:extLst>
-          </p:cNvPr>
-          <p:cNvSpPr/>
-          <p:nvPr/>
-        </p:nvSpPr>
-        <p:spPr>
-          <a:xfrm>
-            <a:off x="3806043" y="4602050"/>
-            <a:ext cx="958147" cy="413444"/>
-          </a:xfrm>
-          <a:prstGeom prst="rect">
-            <a:avLst/>
-          </a:prstGeom>
-        </p:spPr>
-        <p:style>
-          <a:lnRef idx="2">
-            <a:schemeClr val="accent3">
-              <a:shade val="50000"/>
-            </a:schemeClr>
-          </a:lnRef>
-          <a:fillRef idx="1">
-            <a:schemeClr val="accent3"/>
-          </a:fillRef>
-          <a:effectRef idx="0">
-            <a:schemeClr val="accent3"/>
-          </a:effectRef>
-          <a:fontRef idx="minor">
-            <a:schemeClr val="lt1"/>
-          </a:fontRef>
-        </p:style>
-        <p:txBody>
-          <a:bodyPr rtlCol="0" anchor="ctr"/>
-          <a:lstStyle/>
-          <a:p>
-            <a:pPr algn="ctr"/>
-            <a:r>
-              <a:rPr lang="en-US" sz="1000" dirty="0"/>
-              <a:t>Eccentricity</a:t>
-            </a:r>
-          </a:p>
-        </p:txBody>
-      </p:sp>
-      <p:cxnSp>
-        <p:nvCxnSpPr>
-          <p:cNvPr id="8" name="Straight Arrow Connector 7">
-            <a:extLst>
-              <a:ext uri="{FF2B5EF4-FFF2-40B4-BE49-F238E27FC236}">
-                <a16:creationId xmlns:a16="http://schemas.microsoft.com/office/drawing/2014/main" id="{D00DD9A9-5E91-2144-8A26-BE56F851477F}"/>
-              </a:ext>
-            </a:extLst>
-          </p:cNvPr>
-          <p:cNvCxnSpPr>
-            <a:endCxn id="23" idx="3"/>
-          </p:cNvCxnSpPr>
-          <p:nvPr/>
-        </p:nvCxnSpPr>
-        <p:spPr>
-          <a:xfrm flipH="1" flipV="1">
-            <a:off x="3436617" y="4683371"/>
-            <a:ext cx="258875" cy="187940"/>
-          </a:xfrm>
-          <a:prstGeom prst="straightConnector1">
-            <a:avLst/>
-          </a:prstGeom>
-          <a:ln>
-            <a:tailEnd type="triangle"/>
-          </a:ln>
-        </p:spPr>
-        <p:style>
-          <a:lnRef idx="1">
-            <a:schemeClr val="accent1"/>
-          </a:lnRef>
-          <a:fillRef idx="0">
-            <a:schemeClr val="accent1"/>
-          </a:fillRef>
-          <a:effectRef idx="0">
-            <a:schemeClr val="accent1"/>
-          </a:effectRef>
-          <a:fontRef idx="minor">
-            <a:schemeClr val="tx1"/>
-          </a:fontRef>
-        </p:style>
-      </p:cxnSp>
-    </p:spTree>
-    <p:extLst>
-      <p:ext uri="{BB962C8B-B14F-4D97-AF65-F5344CB8AC3E}">
-        <p14:creationId xmlns:p14="http://schemas.microsoft.com/office/powerpoint/2010/main" val="2843981853"/>
+        <p14:creationId xmlns:p14="http://schemas.microsoft.com/office/powerpoint/2010/main" val="1993909827"/>
       </p:ext>
     </p:extLst>
   </p:cSld>
